--- a/liquid-types.pptx
+++ b/liquid-types.pptx
@@ -2,20 +2,49 @@
 <file path=ppt/presentation.xml><?xml version="1.0" encoding="utf-8"?>
 <p:presentation xmlns:a="http://schemas.openxmlformats.org/drawingml/2006/main" xmlns:r="http://schemas.openxmlformats.org/officeDocument/2006/relationships" xmlns:p="http://schemas.openxmlformats.org/presentationml/2006/main" saveSubsetFonts="1" autoCompressPictures="0">
   <p:sldMasterIdLst>
-    <p:sldMasterId id="2147483697" r:id="rId1"/>
+    <p:sldMasterId id="2147483660" r:id="rId1"/>
   </p:sldMasterIdLst>
   <p:notesMasterIdLst>
-    <p:notesMasterId r:id="rId10"/>
+    <p:notesMasterId r:id="rId39"/>
   </p:notesMasterIdLst>
   <p:sldIdLst>
-    <p:sldId id="268" r:id="rId2"/>
-    <p:sldId id="273" r:id="rId3"/>
-    <p:sldId id="274" r:id="rId4"/>
-    <p:sldId id="275" r:id="rId5"/>
-    <p:sldId id="277" r:id="rId6"/>
-    <p:sldId id="278" r:id="rId7"/>
-    <p:sldId id="280" r:id="rId8"/>
-    <p:sldId id="279" r:id="rId9"/>
+    <p:sldId id="257" r:id="rId2"/>
+    <p:sldId id="260" r:id="rId3"/>
+    <p:sldId id="263" r:id="rId4"/>
+    <p:sldId id="259" r:id="rId5"/>
+    <p:sldId id="261" r:id="rId6"/>
+    <p:sldId id="262" r:id="rId7"/>
+    <p:sldId id="264" r:id="rId8"/>
+    <p:sldId id="265" r:id="rId9"/>
+    <p:sldId id="266" r:id="rId10"/>
+    <p:sldId id="267" r:id="rId11"/>
+    <p:sldId id="268" r:id="rId12"/>
+    <p:sldId id="269" r:id="rId13"/>
+    <p:sldId id="270" r:id="rId14"/>
+    <p:sldId id="271" r:id="rId15"/>
+    <p:sldId id="272" r:id="rId16"/>
+    <p:sldId id="273" r:id="rId17"/>
+    <p:sldId id="274" r:id="rId18"/>
+    <p:sldId id="275" r:id="rId19"/>
+    <p:sldId id="276" r:id="rId20"/>
+    <p:sldId id="279" r:id="rId21"/>
+    <p:sldId id="278" r:id="rId22"/>
+    <p:sldId id="277" r:id="rId23"/>
+    <p:sldId id="280" r:id="rId24"/>
+    <p:sldId id="281" r:id="rId25"/>
+    <p:sldId id="282" r:id="rId26"/>
+    <p:sldId id="283" r:id="rId27"/>
+    <p:sldId id="284" r:id="rId28"/>
+    <p:sldId id="285" r:id="rId29"/>
+    <p:sldId id="286" r:id="rId30"/>
+    <p:sldId id="287" r:id="rId31"/>
+    <p:sldId id="288" r:id="rId32"/>
+    <p:sldId id="289" r:id="rId33"/>
+    <p:sldId id="290" r:id="rId34"/>
+    <p:sldId id="291" r:id="rId35"/>
+    <p:sldId id="292" r:id="rId36"/>
+    <p:sldId id="293" r:id="rId37"/>
+    <p:sldId id="294" r:id="rId38"/>
   </p:sldIdLst>
   <p:sldSz cx="9144000" cy="6858000" type="screen4x3"/>
   <p:notesSz cx="6858000" cy="9144000"/>
@@ -197,9 +226,9 @@
             </a:lvl1pPr>
           </a:lstStyle>
           <a:p>
-            <a:fld id="{CA7A4295-0889-E143-9C34-2B5B57D77ABA}" type="datetimeFigureOut">
+            <a:fld id="{7421DB43-B55A-B44F-977E-2A49D8B780E3}" type="datetimeFigureOut">
               <a:rPr lang="en-US" smtClean="0"/>
-              <a:t>3/17/17</a:t>
+              <a:t>3/19/17</a:t>
             </a:fld>
             <a:endParaRPr lang="en-US"/>
           </a:p>
@@ -356,7 +385,7 @@
             </a:lvl1pPr>
           </a:lstStyle>
           <a:p>
-            <a:fld id="{8C82A14D-CD87-3040-B8A6-05D9C670C6BA}" type="slidenum">
+            <a:fld id="{088463DC-7783-B141-91C8-05522551CF48}" type="slidenum">
               <a:rPr lang="en-US" smtClean="0"/>
               <a:t>‹#›</a:t>
             </a:fld>
@@ -367,7 +396,7 @@
     </p:spTree>
     <p:extLst>
       <p:ext uri="{BB962C8B-B14F-4D97-AF65-F5344CB8AC3E}">
-        <p14:creationId xmlns:p14="http://schemas.microsoft.com/office/powerpoint/2010/main" val="1548435978"/>
+        <p14:creationId xmlns:p14="http://schemas.microsoft.com/office/powerpoint/2010/main" val="1054289571"/>
       </p:ext>
     </p:extLst>
   </p:cSld>
@@ -513,44 +542,7 @@
           <a:p>
             <a:r>
               <a:rPr lang="en-US" dirty="0" smtClean="0"/>
-              <a:t>Typical</a:t>
-            </a:r>
-            <a:r>
-              <a:rPr lang="en-US" baseline="0" dirty="0" smtClean="0"/>
-              <a:t> strongly </a:t>
-            </a:r>
-            <a:r>
-              <a:rPr lang="en-US" baseline="0" dirty="0" err="1" smtClean="0"/>
-              <a:t>staticly</a:t>
-            </a:r>
-            <a:r>
-              <a:rPr lang="en-US" baseline="0" dirty="0" smtClean="0"/>
-              <a:t> typed languages offer benefits but can only capture relatively coarse invariants (x is an </a:t>
-            </a:r>
-            <a:r>
-              <a:rPr lang="en-US" baseline="0" dirty="0" err="1" smtClean="0"/>
-              <a:t>int</a:t>
-            </a:r>
-            <a:r>
-              <a:rPr lang="en-US" baseline="0" dirty="0" smtClean="0"/>
-              <a:t> and will always be an </a:t>
-            </a:r>
-            <a:r>
-              <a:rPr lang="en-US" baseline="0" dirty="0" err="1" smtClean="0"/>
-              <a:t>int</a:t>
-            </a:r>
-            <a:r>
-              <a:rPr lang="en-US" baseline="0" dirty="0" smtClean="0"/>
-              <a:t>)</a:t>
-            </a:r>
-          </a:p>
-          <a:p>
-            <a:endParaRPr lang="en-US" baseline="0" dirty="0" smtClean="0"/>
-          </a:p>
-          <a:p>
-            <a:r>
-              <a:rPr lang="en-US" baseline="0" dirty="0" smtClean="0"/>
-              <a:t>Dependent types make type systems more expressive. Includes a “refinement”</a:t>
+              <a:t>TODO</a:t>
             </a:r>
             <a:endParaRPr lang="en-US" dirty="0"/>
           </a:p>
@@ -573,7 +565,7 @@
           <a:p>
             <a:fld id="{8C82A14D-CD87-3040-B8A6-05D9C670C6BA}" type="slidenum">
               <a:rPr lang="en-US" smtClean="0"/>
-              <a:t>2</a:t>
+              <a:t>3</a:t>
             </a:fld>
             <a:endParaRPr lang="en-US"/>
           </a:p>
@@ -582,7 +574,933 @@
     </p:spTree>
     <p:extLst>
       <p:ext uri="{BB962C8B-B14F-4D97-AF65-F5344CB8AC3E}">
-        <p14:creationId xmlns:p14="http://schemas.microsoft.com/office/powerpoint/2010/main" val="1387093687"/>
+        <p14:creationId xmlns:p14="http://schemas.microsoft.com/office/powerpoint/2010/main" val="3400471532"/>
+      </p:ext>
+    </p:extLst>
+  </p:cSld>
+  <p:clrMapOvr>
+    <a:masterClrMapping/>
+  </p:clrMapOvr>
+</p:notes>
+</file>
+
+<file path=ppt/notesSlides/notesSlide10.xml><?xml version="1.0" encoding="utf-8"?>
+<p:notes xmlns:a="http://schemas.openxmlformats.org/drawingml/2006/main" xmlns:r="http://schemas.openxmlformats.org/officeDocument/2006/relationships" xmlns:p="http://schemas.openxmlformats.org/presentationml/2006/main">
+  <p:cSld>
+    <p:spTree>
+      <p:nvGrpSpPr>
+        <p:cNvPr id="1" name=""/>
+        <p:cNvGrpSpPr/>
+        <p:nvPr/>
+      </p:nvGrpSpPr>
+      <p:grpSpPr>
+        <a:xfrm>
+          <a:off x="0" y="0"/>
+          <a:ext cx="0" cy="0"/>
+          <a:chOff x="0" y="0"/>
+          <a:chExt cx="0" cy="0"/>
+        </a:xfrm>
+      </p:grpSpPr>
+      <p:sp>
+        <p:nvSpPr>
+          <p:cNvPr id="2" name="Slide Image Placeholder 1"/>
+          <p:cNvSpPr>
+            <a:spLocks noGrp="1" noRot="1" noChangeAspect="1"/>
+          </p:cNvSpPr>
+          <p:nvPr>
+            <p:ph type="sldImg"/>
+          </p:nvPr>
+        </p:nvSpPr>
+        <p:spPr/>
+      </p:sp>
+      <p:sp>
+        <p:nvSpPr>
+          <p:cNvPr id="3" name="Notes Placeholder 2"/>
+          <p:cNvSpPr>
+            <a:spLocks noGrp="1"/>
+          </p:cNvSpPr>
+          <p:nvPr>
+            <p:ph type="body" idx="1"/>
+          </p:nvPr>
+        </p:nvSpPr>
+        <p:spPr/>
+        <p:txBody>
+          <a:bodyPr/>
+          <a:lstStyle/>
+          <a:p>
+            <a:endParaRPr lang="en-US" dirty="0" smtClean="0"/>
+          </a:p>
+        </p:txBody>
+      </p:sp>
+      <p:sp>
+        <p:nvSpPr>
+          <p:cNvPr id="4" name="Slide Number Placeholder 3"/>
+          <p:cNvSpPr>
+            <a:spLocks noGrp="1"/>
+          </p:cNvSpPr>
+          <p:nvPr>
+            <p:ph type="sldNum" sz="quarter" idx="10"/>
+          </p:nvPr>
+        </p:nvSpPr>
+        <p:spPr/>
+        <p:txBody>
+          <a:bodyPr/>
+          <a:lstStyle/>
+          <a:p>
+            <a:fld id="{8C82A14D-CD87-3040-B8A6-05D9C670C6BA}" type="slidenum">
+              <a:rPr lang="en-US" smtClean="0"/>
+              <a:t>14</a:t>
+            </a:fld>
+            <a:endParaRPr lang="en-US"/>
+          </a:p>
+        </p:txBody>
+      </p:sp>
+    </p:spTree>
+    <p:extLst>
+      <p:ext uri="{BB962C8B-B14F-4D97-AF65-F5344CB8AC3E}">
+        <p14:creationId xmlns:p14="http://schemas.microsoft.com/office/powerpoint/2010/main" val="3400471532"/>
+      </p:ext>
+    </p:extLst>
+  </p:cSld>
+  <p:clrMapOvr>
+    <a:masterClrMapping/>
+  </p:clrMapOvr>
+</p:notes>
+</file>
+
+<file path=ppt/notesSlides/notesSlide11.xml><?xml version="1.0" encoding="utf-8"?>
+<p:notes xmlns:a="http://schemas.openxmlformats.org/drawingml/2006/main" xmlns:r="http://schemas.openxmlformats.org/officeDocument/2006/relationships" xmlns:p="http://schemas.openxmlformats.org/presentationml/2006/main">
+  <p:cSld>
+    <p:spTree>
+      <p:nvGrpSpPr>
+        <p:cNvPr id="1" name=""/>
+        <p:cNvGrpSpPr/>
+        <p:nvPr/>
+      </p:nvGrpSpPr>
+      <p:grpSpPr>
+        <a:xfrm>
+          <a:off x="0" y="0"/>
+          <a:ext cx="0" cy="0"/>
+          <a:chOff x="0" y="0"/>
+          <a:chExt cx="0" cy="0"/>
+        </a:xfrm>
+      </p:grpSpPr>
+      <p:sp>
+        <p:nvSpPr>
+          <p:cNvPr id="2" name="Slide Image Placeholder 1"/>
+          <p:cNvSpPr>
+            <a:spLocks noGrp="1" noRot="1" noChangeAspect="1"/>
+          </p:cNvSpPr>
+          <p:nvPr>
+            <p:ph type="sldImg"/>
+          </p:nvPr>
+        </p:nvSpPr>
+        <p:spPr/>
+      </p:sp>
+      <p:sp>
+        <p:nvSpPr>
+          <p:cNvPr id="3" name="Notes Placeholder 2"/>
+          <p:cNvSpPr>
+            <a:spLocks noGrp="1"/>
+          </p:cNvSpPr>
+          <p:nvPr>
+            <p:ph type="body" idx="1"/>
+          </p:nvPr>
+        </p:nvSpPr>
+        <p:spPr/>
+        <p:txBody>
+          <a:bodyPr/>
+          <a:lstStyle/>
+          <a:p>
+            <a:r>
+              <a:rPr lang="en-US" dirty="0" smtClean="0"/>
+              <a:t>By generating subtypes like these, we can abstract</a:t>
+            </a:r>
+            <a:r>
+              <a:rPr lang="en-US" baseline="0" dirty="0" smtClean="0"/>
+              <a:t> away control flow like branching paths, recursion, higher-order functions, etc. </a:t>
+            </a:r>
+            <a:endParaRPr lang="en-US" dirty="0" smtClean="0"/>
+          </a:p>
+        </p:txBody>
+      </p:sp>
+      <p:sp>
+        <p:nvSpPr>
+          <p:cNvPr id="4" name="Slide Number Placeholder 3"/>
+          <p:cNvSpPr>
+            <a:spLocks noGrp="1"/>
+          </p:cNvSpPr>
+          <p:nvPr>
+            <p:ph type="sldNum" sz="quarter" idx="10"/>
+          </p:nvPr>
+        </p:nvSpPr>
+        <p:spPr/>
+        <p:txBody>
+          <a:bodyPr/>
+          <a:lstStyle/>
+          <a:p>
+            <a:fld id="{8C82A14D-CD87-3040-B8A6-05D9C670C6BA}" type="slidenum">
+              <a:rPr lang="en-US" smtClean="0"/>
+              <a:t>15</a:t>
+            </a:fld>
+            <a:endParaRPr lang="en-US"/>
+          </a:p>
+        </p:txBody>
+      </p:sp>
+    </p:spTree>
+    <p:extLst>
+      <p:ext uri="{BB962C8B-B14F-4D97-AF65-F5344CB8AC3E}">
+        <p14:creationId xmlns:p14="http://schemas.microsoft.com/office/powerpoint/2010/main" val="3400471532"/>
+      </p:ext>
+    </p:extLst>
+  </p:cSld>
+  <p:clrMapOvr>
+    <a:masterClrMapping/>
+  </p:clrMapOvr>
+</p:notes>
+</file>
+
+<file path=ppt/notesSlides/notesSlide12.xml><?xml version="1.0" encoding="utf-8"?>
+<p:notes xmlns:a="http://schemas.openxmlformats.org/drawingml/2006/main" xmlns:r="http://schemas.openxmlformats.org/officeDocument/2006/relationships" xmlns:p="http://schemas.openxmlformats.org/presentationml/2006/main">
+  <p:cSld>
+    <p:spTree>
+      <p:nvGrpSpPr>
+        <p:cNvPr id="1" name=""/>
+        <p:cNvGrpSpPr/>
+        <p:nvPr/>
+      </p:nvGrpSpPr>
+      <p:grpSpPr>
+        <a:xfrm>
+          <a:off x="0" y="0"/>
+          <a:ext cx="0" cy="0"/>
+          <a:chOff x="0" y="0"/>
+          <a:chExt cx="0" cy="0"/>
+        </a:xfrm>
+      </p:grpSpPr>
+      <p:sp>
+        <p:nvSpPr>
+          <p:cNvPr id="2" name="Slide Image Placeholder 1"/>
+          <p:cNvSpPr>
+            <a:spLocks noGrp="1" noRot="1" noChangeAspect="1"/>
+          </p:cNvSpPr>
+          <p:nvPr>
+            <p:ph type="sldImg"/>
+          </p:nvPr>
+        </p:nvSpPr>
+        <p:spPr/>
+      </p:sp>
+      <p:sp>
+        <p:nvSpPr>
+          <p:cNvPr id="3" name="Notes Placeholder 2"/>
+          <p:cNvSpPr>
+            <a:spLocks noGrp="1"/>
+          </p:cNvSpPr>
+          <p:nvPr>
+            <p:ph type="body" idx="1"/>
+          </p:nvPr>
+        </p:nvSpPr>
+        <p:spPr/>
+        <p:txBody>
+          <a:bodyPr/>
+          <a:lstStyle/>
+          <a:p>
+            <a:endParaRPr lang="en-US" dirty="0" smtClean="0"/>
+          </a:p>
+        </p:txBody>
+      </p:sp>
+      <p:sp>
+        <p:nvSpPr>
+          <p:cNvPr id="4" name="Slide Number Placeholder 3"/>
+          <p:cNvSpPr>
+            <a:spLocks noGrp="1"/>
+          </p:cNvSpPr>
+          <p:nvPr>
+            <p:ph type="sldNum" sz="quarter" idx="10"/>
+          </p:nvPr>
+        </p:nvSpPr>
+        <p:spPr/>
+        <p:txBody>
+          <a:bodyPr/>
+          <a:lstStyle/>
+          <a:p>
+            <a:fld id="{8C82A14D-CD87-3040-B8A6-05D9C670C6BA}" type="slidenum">
+              <a:rPr lang="en-US" smtClean="0"/>
+              <a:t>16</a:t>
+            </a:fld>
+            <a:endParaRPr lang="en-US"/>
+          </a:p>
+        </p:txBody>
+      </p:sp>
+    </p:spTree>
+    <p:extLst>
+      <p:ext uri="{BB962C8B-B14F-4D97-AF65-F5344CB8AC3E}">
+        <p14:creationId xmlns:p14="http://schemas.microsoft.com/office/powerpoint/2010/main" val="3400471532"/>
+      </p:ext>
+    </p:extLst>
+  </p:cSld>
+  <p:clrMapOvr>
+    <a:masterClrMapping/>
+  </p:clrMapOvr>
+</p:notes>
+</file>
+
+<file path=ppt/notesSlides/notesSlide13.xml><?xml version="1.0" encoding="utf-8"?>
+<p:notes xmlns:a="http://schemas.openxmlformats.org/drawingml/2006/main" xmlns:r="http://schemas.openxmlformats.org/officeDocument/2006/relationships" xmlns:p="http://schemas.openxmlformats.org/presentationml/2006/main">
+  <p:cSld>
+    <p:spTree>
+      <p:nvGrpSpPr>
+        <p:cNvPr id="1" name=""/>
+        <p:cNvGrpSpPr/>
+        <p:nvPr/>
+      </p:nvGrpSpPr>
+      <p:grpSpPr>
+        <a:xfrm>
+          <a:off x="0" y="0"/>
+          <a:ext cx="0" cy="0"/>
+          <a:chOff x="0" y="0"/>
+          <a:chExt cx="0" cy="0"/>
+        </a:xfrm>
+      </p:grpSpPr>
+      <p:sp>
+        <p:nvSpPr>
+          <p:cNvPr id="2" name="Slide Image Placeholder 1"/>
+          <p:cNvSpPr>
+            <a:spLocks noGrp="1" noRot="1" noChangeAspect="1"/>
+          </p:cNvSpPr>
+          <p:nvPr>
+            <p:ph type="sldImg"/>
+          </p:nvPr>
+        </p:nvSpPr>
+        <p:spPr/>
+      </p:sp>
+      <p:sp>
+        <p:nvSpPr>
+          <p:cNvPr id="3" name="Notes Placeholder 2"/>
+          <p:cNvSpPr>
+            <a:spLocks noGrp="1"/>
+          </p:cNvSpPr>
+          <p:nvPr>
+            <p:ph type="body" idx="1"/>
+          </p:nvPr>
+        </p:nvSpPr>
+        <p:spPr/>
+        <p:txBody>
+          <a:bodyPr/>
+          <a:lstStyle/>
+          <a:p>
+            <a:endParaRPr lang="en-US" dirty="0" smtClean="0"/>
+          </a:p>
+        </p:txBody>
+      </p:sp>
+      <p:sp>
+        <p:nvSpPr>
+          <p:cNvPr id="4" name="Slide Number Placeholder 3"/>
+          <p:cNvSpPr>
+            <a:spLocks noGrp="1"/>
+          </p:cNvSpPr>
+          <p:nvPr>
+            <p:ph type="sldNum" sz="quarter" idx="10"/>
+          </p:nvPr>
+        </p:nvSpPr>
+        <p:spPr/>
+        <p:txBody>
+          <a:bodyPr/>
+          <a:lstStyle/>
+          <a:p>
+            <a:fld id="{8C82A14D-CD87-3040-B8A6-05D9C670C6BA}" type="slidenum">
+              <a:rPr lang="en-US" smtClean="0"/>
+              <a:t>17</a:t>
+            </a:fld>
+            <a:endParaRPr lang="en-US"/>
+          </a:p>
+        </p:txBody>
+      </p:sp>
+    </p:spTree>
+    <p:extLst>
+      <p:ext uri="{BB962C8B-B14F-4D97-AF65-F5344CB8AC3E}">
+        <p14:creationId xmlns:p14="http://schemas.microsoft.com/office/powerpoint/2010/main" val="3400471532"/>
+      </p:ext>
+    </p:extLst>
+  </p:cSld>
+  <p:clrMapOvr>
+    <a:masterClrMapping/>
+  </p:clrMapOvr>
+</p:notes>
+</file>
+
+<file path=ppt/notesSlides/notesSlide14.xml><?xml version="1.0" encoding="utf-8"?>
+<p:notes xmlns:a="http://schemas.openxmlformats.org/drawingml/2006/main" xmlns:r="http://schemas.openxmlformats.org/officeDocument/2006/relationships" xmlns:p="http://schemas.openxmlformats.org/presentationml/2006/main">
+  <p:cSld>
+    <p:spTree>
+      <p:nvGrpSpPr>
+        <p:cNvPr id="1" name=""/>
+        <p:cNvGrpSpPr/>
+        <p:nvPr/>
+      </p:nvGrpSpPr>
+      <p:grpSpPr>
+        <a:xfrm>
+          <a:off x="0" y="0"/>
+          <a:ext cx="0" cy="0"/>
+          <a:chOff x="0" y="0"/>
+          <a:chExt cx="0" cy="0"/>
+        </a:xfrm>
+      </p:grpSpPr>
+      <p:sp>
+        <p:nvSpPr>
+          <p:cNvPr id="2" name="Slide Image Placeholder 1"/>
+          <p:cNvSpPr>
+            <a:spLocks noGrp="1" noRot="1" noChangeAspect="1"/>
+          </p:cNvSpPr>
+          <p:nvPr>
+            <p:ph type="sldImg"/>
+          </p:nvPr>
+        </p:nvSpPr>
+        <p:spPr/>
+      </p:sp>
+      <p:sp>
+        <p:nvSpPr>
+          <p:cNvPr id="3" name="Notes Placeholder 2"/>
+          <p:cNvSpPr>
+            <a:spLocks noGrp="1"/>
+          </p:cNvSpPr>
+          <p:nvPr>
+            <p:ph type="body" idx="1"/>
+          </p:nvPr>
+        </p:nvSpPr>
+        <p:spPr/>
+        <p:txBody>
+          <a:bodyPr/>
+          <a:lstStyle/>
+          <a:p>
+            <a:r>
+              <a:rPr lang="en-US" dirty="0" smtClean="0"/>
+              <a:t>What does it mean to be well-formed </a:t>
+            </a:r>
+            <a:r>
+              <a:rPr lang="en-US" smtClean="0"/>
+              <a:t>- scope</a:t>
+            </a:r>
+            <a:endParaRPr lang="en-US" dirty="0" smtClean="0"/>
+          </a:p>
+        </p:txBody>
+      </p:sp>
+      <p:sp>
+        <p:nvSpPr>
+          <p:cNvPr id="4" name="Slide Number Placeholder 3"/>
+          <p:cNvSpPr>
+            <a:spLocks noGrp="1"/>
+          </p:cNvSpPr>
+          <p:nvPr>
+            <p:ph type="sldNum" sz="quarter" idx="10"/>
+          </p:nvPr>
+        </p:nvSpPr>
+        <p:spPr/>
+        <p:txBody>
+          <a:bodyPr/>
+          <a:lstStyle/>
+          <a:p>
+            <a:fld id="{8C82A14D-CD87-3040-B8A6-05D9C670C6BA}" type="slidenum">
+              <a:rPr lang="en-US" smtClean="0"/>
+              <a:t>19</a:t>
+            </a:fld>
+            <a:endParaRPr lang="en-US"/>
+          </a:p>
+        </p:txBody>
+      </p:sp>
+    </p:spTree>
+    <p:extLst>
+      <p:ext uri="{BB962C8B-B14F-4D97-AF65-F5344CB8AC3E}">
+        <p14:creationId xmlns:p14="http://schemas.microsoft.com/office/powerpoint/2010/main" val="3400471532"/>
+      </p:ext>
+    </p:extLst>
+  </p:cSld>
+  <p:clrMapOvr>
+    <a:masterClrMapping/>
+  </p:clrMapOvr>
+</p:notes>
+</file>
+
+<file path=ppt/notesSlides/notesSlide15.xml><?xml version="1.0" encoding="utf-8"?>
+<p:notes xmlns:a="http://schemas.openxmlformats.org/drawingml/2006/main" xmlns:r="http://schemas.openxmlformats.org/officeDocument/2006/relationships" xmlns:p="http://schemas.openxmlformats.org/presentationml/2006/main">
+  <p:cSld>
+    <p:spTree>
+      <p:nvGrpSpPr>
+        <p:cNvPr id="1" name=""/>
+        <p:cNvGrpSpPr/>
+        <p:nvPr/>
+      </p:nvGrpSpPr>
+      <p:grpSpPr>
+        <a:xfrm>
+          <a:off x="0" y="0"/>
+          <a:ext cx="0" cy="0"/>
+          <a:chOff x="0" y="0"/>
+          <a:chExt cx="0" cy="0"/>
+        </a:xfrm>
+      </p:grpSpPr>
+      <p:sp>
+        <p:nvSpPr>
+          <p:cNvPr id="2" name="Slide Image Placeholder 1"/>
+          <p:cNvSpPr>
+            <a:spLocks noGrp="1" noRot="1" noChangeAspect="1"/>
+          </p:cNvSpPr>
+          <p:nvPr>
+            <p:ph type="sldImg"/>
+          </p:nvPr>
+        </p:nvSpPr>
+        <p:spPr/>
+      </p:sp>
+      <p:sp>
+        <p:nvSpPr>
+          <p:cNvPr id="3" name="Notes Placeholder 2"/>
+          <p:cNvSpPr>
+            <a:spLocks noGrp="1"/>
+          </p:cNvSpPr>
+          <p:nvPr>
+            <p:ph type="body" idx="1"/>
+          </p:nvPr>
+        </p:nvSpPr>
+        <p:spPr/>
+        <p:txBody>
+          <a:bodyPr/>
+          <a:lstStyle/>
+          <a:p>
+            <a:r>
+              <a:rPr lang="en-US" dirty="0" smtClean="0"/>
+              <a:t>What does it mean to be “sound”</a:t>
+            </a:r>
+          </a:p>
+        </p:txBody>
+      </p:sp>
+      <p:sp>
+        <p:nvSpPr>
+          <p:cNvPr id="4" name="Slide Number Placeholder 3"/>
+          <p:cNvSpPr>
+            <a:spLocks noGrp="1"/>
+          </p:cNvSpPr>
+          <p:nvPr>
+            <p:ph type="sldNum" sz="quarter" idx="10"/>
+          </p:nvPr>
+        </p:nvSpPr>
+        <p:spPr/>
+        <p:txBody>
+          <a:bodyPr/>
+          <a:lstStyle/>
+          <a:p>
+            <a:fld id="{8C82A14D-CD87-3040-B8A6-05D9C670C6BA}" type="slidenum">
+              <a:rPr lang="en-US" smtClean="0"/>
+              <a:t>20</a:t>
+            </a:fld>
+            <a:endParaRPr lang="en-US"/>
+          </a:p>
+        </p:txBody>
+      </p:sp>
+    </p:spTree>
+    <p:extLst>
+      <p:ext uri="{BB962C8B-B14F-4D97-AF65-F5344CB8AC3E}">
+        <p14:creationId xmlns:p14="http://schemas.microsoft.com/office/powerpoint/2010/main" val="3400471532"/>
+      </p:ext>
+    </p:extLst>
+  </p:cSld>
+  <p:clrMapOvr>
+    <a:masterClrMapping/>
+  </p:clrMapOvr>
+</p:notes>
+</file>
+
+<file path=ppt/notesSlides/notesSlide16.xml><?xml version="1.0" encoding="utf-8"?>
+<p:notes xmlns:a="http://schemas.openxmlformats.org/drawingml/2006/main" xmlns:r="http://schemas.openxmlformats.org/officeDocument/2006/relationships" xmlns:p="http://schemas.openxmlformats.org/presentationml/2006/main">
+  <p:cSld>
+    <p:spTree>
+      <p:nvGrpSpPr>
+        <p:cNvPr id="1" name=""/>
+        <p:cNvGrpSpPr/>
+        <p:nvPr/>
+      </p:nvGrpSpPr>
+      <p:grpSpPr>
+        <a:xfrm>
+          <a:off x="0" y="0"/>
+          <a:ext cx="0" cy="0"/>
+          <a:chOff x="0" y="0"/>
+          <a:chExt cx="0" cy="0"/>
+        </a:xfrm>
+      </p:grpSpPr>
+      <p:sp>
+        <p:nvSpPr>
+          <p:cNvPr id="2" name="Slide Image Placeholder 1"/>
+          <p:cNvSpPr>
+            <a:spLocks noGrp="1" noRot="1" noChangeAspect="1"/>
+          </p:cNvSpPr>
+          <p:nvPr>
+            <p:ph type="sldImg"/>
+          </p:nvPr>
+        </p:nvSpPr>
+        <p:spPr/>
+      </p:sp>
+      <p:sp>
+        <p:nvSpPr>
+          <p:cNvPr id="3" name="Notes Placeholder 2"/>
+          <p:cNvSpPr>
+            <a:spLocks noGrp="1"/>
+          </p:cNvSpPr>
+          <p:nvPr>
+            <p:ph type="body" idx="1"/>
+          </p:nvPr>
+        </p:nvSpPr>
+        <p:spPr/>
+        <p:txBody>
+          <a:bodyPr/>
+          <a:lstStyle/>
+          <a:p>
+            <a:r>
+              <a:rPr lang="en-US" dirty="0" smtClean="0"/>
+              <a:t>What does it mean that some types must be</a:t>
+            </a:r>
+            <a:r>
+              <a:rPr lang="en-US" baseline="0" dirty="0" smtClean="0"/>
+              <a:t> “liquid” and why must they be?</a:t>
+            </a:r>
+          </a:p>
+          <a:p>
+            <a:endParaRPr lang="en-US" baseline="0" dirty="0" smtClean="0"/>
+          </a:p>
+          <a:p>
+            <a:r>
+              <a:rPr lang="en-US" baseline="0" dirty="0" smtClean="0"/>
+              <a:t>If they are liquid they are subtypes, if they are subtypes we know how to deconstruct them</a:t>
+            </a:r>
+            <a:endParaRPr lang="en-US" dirty="0" smtClean="0"/>
+          </a:p>
+        </p:txBody>
+      </p:sp>
+      <p:sp>
+        <p:nvSpPr>
+          <p:cNvPr id="4" name="Slide Number Placeholder 3"/>
+          <p:cNvSpPr>
+            <a:spLocks noGrp="1"/>
+          </p:cNvSpPr>
+          <p:nvPr>
+            <p:ph type="sldNum" sz="quarter" idx="10"/>
+          </p:nvPr>
+        </p:nvSpPr>
+        <p:spPr/>
+        <p:txBody>
+          <a:bodyPr/>
+          <a:lstStyle/>
+          <a:p>
+            <a:fld id="{8C82A14D-CD87-3040-B8A6-05D9C670C6BA}" type="slidenum">
+              <a:rPr lang="en-US" smtClean="0"/>
+              <a:t>21</a:t>
+            </a:fld>
+            <a:endParaRPr lang="en-US"/>
+          </a:p>
+        </p:txBody>
+      </p:sp>
+    </p:spTree>
+    <p:extLst>
+      <p:ext uri="{BB962C8B-B14F-4D97-AF65-F5344CB8AC3E}">
+        <p14:creationId xmlns:p14="http://schemas.microsoft.com/office/powerpoint/2010/main" val="3400471532"/>
+      </p:ext>
+    </p:extLst>
+  </p:cSld>
+  <p:clrMapOvr>
+    <a:masterClrMapping/>
+  </p:clrMapOvr>
+</p:notes>
+</file>
+
+<file path=ppt/notesSlides/notesSlide17.xml><?xml version="1.0" encoding="utf-8"?>
+<p:notes xmlns:a="http://schemas.openxmlformats.org/drawingml/2006/main" xmlns:r="http://schemas.openxmlformats.org/officeDocument/2006/relationships" xmlns:p="http://schemas.openxmlformats.org/presentationml/2006/main">
+  <p:cSld>
+    <p:spTree>
+      <p:nvGrpSpPr>
+        <p:cNvPr id="1" name=""/>
+        <p:cNvGrpSpPr/>
+        <p:nvPr/>
+      </p:nvGrpSpPr>
+      <p:grpSpPr>
+        <a:xfrm>
+          <a:off x="0" y="0"/>
+          <a:ext cx="0" cy="0"/>
+          <a:chOff x="0" y="0"/>
+          <a:chExt cx="0" cy="0"/>
+        </a:xfrm>
+      </p:grpSpPr>
+      <p:sp>
+        <p:nvSpPr>
+          <p:cNvPr id="2" name="Slide Image Placeholder 1"/>
+          <p:cNvSpPr>
+            <a:spLocks noGrp="1" noRot="1" noChangeAspect="1"/>
+          </p:cNvSpPr>
+          <p:nvPr>
+            <p:ph type="sldImg"/>
+          </p:nvPr>
+        </p:nvSpPr>
+        <p:spPr/>
+      </p:sp>
+      <p:sp>
+        <p:nvSpPr>
+          <p:cNvPr id="3" name="Notes Placeholder 2"/>
+          <p:cNvSpPr>
+            <a:spLocks noGrp="1"/>
+          </p:cNvSpPr>
+          <p:nvPr>
+            <p:ph type="body" idx="1"/>
+          </p:nvPr>
+        </p:nvSpPr>
+        <p:spPr/>
+        <p:txBody>
+          <a:bodyPr/>
+          <a:lstStyle/>
+          <a:p>
+            <a:endParaRPr lang="en-US" dirty="0" smtClean="0"/>
+          </a:p>
+        </p:txBody>
+      </p:sp>
+      <p:sp>
+        <p:nvSpPr>
+          <p:cNvPr id="4" name="Slide Number Placeholder 3"/>
+          <p:cNvSpPr>
+            <a:spLocks noGrp="1"/>
+          </p:cNvSpPr>
+          <p:nvPr>
+            <p:ph type="sldNum" sz="quarter" idx="10"/>
+          </p:nvPr>
+        </p:nvSpPr>
+        <p:spPr/>
+        <p:txBody>
+          <a:bodyPr/>
+          <a:lstStyle/>
+          <a:p>
+            <a:fld id="{8C82A14D-CD87-3040-B8A6-05D9C670C6BA}" type="slidenum">
+              <a:rPr lang="en-US" smtClean="0"/>
+              <a:t>22</a:t>
+            </a:fld>
+            <a:endParaRPr lang="en-US"/>
+          </a:p>
+        </p:txBody>
+      </p:sp>
+    </p:spTree>
+    <p:extLst>
+      <p:ext uri="{BB962C8B-B14F-4D97-AF65-F5344CB8AC3E}">
+        <p14:creationId xmlns:p14="http://schemas.microsoft.com/office/powerpoint/2010/main" val="3400471532"/>
+      </p:ext>
+    </p:extLst>
+  </p:cSld>
+  <p:clrMapOvr>
+    <a:masterClrMapping/>
+  </p:clrMapOvr>
+</p:notes>
+</file>
+
+<file path=ppt/notesSlides/notesSlide18.xml><?xml version="1.0" encoding="utf-8"?>
+<p:notes xmlns:a="http://schemas.openxmlformats.org/drawingml/2006/main" xmlns:r="http://schemas.openxmlformats.org/officeDocument/2006/relationships" xmlns:p="http://schemas.openxmlformats.org/presentationml/2006/main">
+  <p:cSld>
+    <p:spTree>
+      <p:nvGrpSpPr>
+        <p:cNvPr id="1" name=""/>
+        <p:cNvGrpSpPr/>
+        <p:nvPr/>
+      </p:nvGrpSpPr>
+      <p:grpSpPr>
+        <a:xfrm>
+          <a:off x="0" y="0"/>
+          <a:ext cx="0" cy="0"/>
+          <a:chOff x="0" y="0"/>
+          <a:chExt cx="0" cy="0"/>
+        </a:xfrm>
+      </p:grpSpPr>
+      <p:sp>
+        <p:nvSpPr>
+          <p:cNvPr id="2" name="Slide Image Placeholder 1"/>
+          <p:cNvSpPr>
+            <a:spLocks noGrp="1" noRot="1" noChangeAspect="1"/>
+          </p:cNvSpPr>
+          <p:nvPr>
+            <p:ph type="sldImg"/>
+          </p:nvPr>
+        </p:nvSpPr>
+        <p:spPr/>
+      </p:sp>
+      <p:sp>
+        <p:nvSpPr>
+          <p:cNvPr id="3" name="Notes Placeholder 2"/>
+          <p:cNvSpPr>
+            <a:spLocks noGrp="1"/>
+          </p:cNvSpPr>
+          <p:nvPr>
+            <p:ph type="body" idx="1"/>
+          </p:nvPr>
+        </p:nvSpPr>
+        <p:spPr/>
+        <p:txBody>
+          <a:bodyPr/>
+          <a:lstStyle/>
+          <a:p>
+            <a:pPr marL="0" marR="0" indent="0" algn="l" defTabSz="457200" rtl="0" eaLnBrk="1" fontAlgn="auto" latinLnBrk="0" hangingPunct="1">
+              <a:lnSpc>
+                <a:spcPct val="100000"/>
+              </a:lnSpc>
+              <a:spcBef>
+                <a:spcPts val="0"/>
+              </a:spcBef>
+              <a:spcAft>
+                <a:spcPts val="0"/>
+              </a:spcAft>
+              <a:buClrTx/>
+              <a:buSzTx/>
+              <a:buFontTx/>
+              <a:buNone/>
+              <a:tabLst/>
+              <a:defRPr/>
+            </a:pPr>
+            <a:r>
+              <a:rPr lang="en-US" dirty="0" smtClean="0"/>
+              <a:t>“the</a:t>
+            </a:r>
+            <a:r>
+              <a:rPr lang="en-US" baseline="0" dirty="0" smtClean="0"/>
+              <a:t> problem of dependent type inference reduces to inferring appropriate refinements of the ML types”</a:t>
+            </a:r>
+          </a:p>
+          <a:p>
+            <a:endParaRPr lang="en-US" dirty="0"/>
+          </a:p>
+        </p:txBody>
+      </p:sp>
+      <p:sp>
+        <p:nvSpPr>
+          <p:cNvPr id="4" name="Slide Number Placeholder 3"/>
+          <p:cNvSpPr>
+            <a:spLocks noGrp="1"/>
+          </p:cNvSpPr>
+          <p:nvPr>
+            <p:ph type="sldNum" sz="quarter" idx="10"/>
+          </p:nvPr>
+        </p:nvSpPr>
+        <p:spPr/>
+        <p:txBody>
+          <a:bodyPr/>
+          <a:lstStyle/>
+          <a:p>
+            <a:fld id="{088463DC-7783-B141-91C8-05522551CF48}" type="slidenum">
+              <a:rPr lang="en-US" smtClean="0"/>
+              <a:t>23</a:t>
+            </a:fld>
+            <a:endParaRPr lang="en-US"/>
+          </a:p>
+        </p:txBody>
+      </p:sp>
+    </p:spTree>
+    <p:extLst>
+      <p:ext uri="{BB962C8B-B14F-4D97-AF65-F5344CB8AC3E}">
+        <p14:creationId xmlns:p14="http://schemas.microsoft.com/office/powerpoint/2010/main" val="988495278"/>
+      </p:ext>
+    </p:extLst>
+  </p:cSld>
+  <p:clrMapOvr>
+    <a:masterClrMapping/>
+  </p:clrMapOvr>
+</p:notes>
+</file>
+
+<file path=ppt/notesSlides/notesSlide19.xml><?xml version="1.0" encoding="utf-8"?>
+<p:notes xmlns:a="http://schemas.openxmlformats.org/drawingml/2006/main" xmlns:r="http://schemas.openxmlformats.org/officeDocument/2006/relationships" xmlns:p="http://schemas.openxmlformats.org/presentationml/2006/main">
+  <p:cSld>
+    <p:spTree>
+      <p:nvGrpSpPr>
+        <p:cNvPr id="1" name=""/>
+        <p:cNvGrpSpPr/>
+        <p:nvPr/>
+      </p:nvGrpSpPr>
+      <p:grpSpPr>
+        <a:xfrm>
+          <a:off x="0" y="0"/>
+          <a:ext cx="0" cy="0"/>
+          <a:chOff x="0" y="0"/>
+          <a:chExt cx="0" cy="0"/>
+        </a:xfrm>
+      </p:grpSpPr>
+      <p:sp>
+        <p:nvSpPr>
+          <p:cNvPr id="2" name="Slide Image Placeholder 1"/>
+          <p:cNvSpPr>
+            <a:spLocks noGrp="1" noRot="1" noChangeAspect="1"/>
+          </p:cNvSpPr>
+          <p:nvPr>
+            <p:ph type="sldImg"/>
+          </p:nvPr>
+        </p:nvSpPr>
+        <p:spPr/>
+      </p:sp>
+      <p:sp>
+        <p:nvSpPr>
+          <p:cNvPr id="3" name="Notes Placeholder 2"/>
+          <p:cNvSpPr>
+            <a:spLocks noGrp="1"/>
+          </p:cNvSpPr>
+          <p:nvPr>
+            <p:ph type="body" idx="1"/>
+          </p:nvPr>
+        </p:nvSpPr>
+        <p:spPr/>
+        <p:txBody>
+          <a:bodyPr/>
+          <a:lstStyle/>
+          <a:p>
+            <a:pPr marL="0" marR="0" indent="0" algn="l" defTabSz="457200" rtl="0" eaLnBrk="1" fontAlgn="auto" latinLnBrk="0" hangingPunct="1">
+              <a:lnSpc>
+                <a:spcPct val="100000"/>
+              </a:lnSpc>
+              <a:spcBef>
+                <a:spcPts val="0"/>
+              </a:spcBef>
+              <a:spcAft>
+                <a:spcPts val="0"/>
+              </a:spcAft>
+              <a:buClrTx/>
+              <a:buSzTx/>
+              <a:buFontTx/>
+              <a:buNone/>
+              <a:tabLst/>
+              <a:defRPr/>
+            </a:pPr>
+            <a:r>
+              <a:rPr lang="en-US" dirty="0" smtClean="0"/>
+              <a:t>“Ensures that the types inferred for each sub-expression are over program variables that are in scope at that sub-expression”</a:t>
+            </a:r>
+          </a:p>
+          <a:p>
+            <a:endParaRPr lang="en-US" dirty="0" smtClean="0"/>
+          </a:p>
+        </p:txBody>
+      </p:sp>
+      <p:sp>
+        <p:nvSpPr>
+          <p:cNvPr id="4" name="Slide Number Placeholder 3"/>
+          <p:cNvSpPr>
+            <a:spLocks noGrp="1"/>
+          </p:cNvSpPr>
+          <p:nvPr>
+            <p:ph type="sldNum" sz="quarter" idx="10"/>
+          </p:nvPr>
+        </p:nvSpPr>
+        <p:spPr/>
+        <p:txBody>
+          <a:bodyPr/>
+          <a:lstStyle/>
+          <a:p>
+            <a:fld id="{8C82A14D-CD87-3040-B8A6-05D9C670C6BA}" type="slidenum">
+              <a:rPr lang="en-US" smtClean="0"/>
+              <a:t>24</a:t>
+            </a:fld>
+            <a:endParaRPr lang="en-US"/>
+          </a:p>
+        </p:txBody>
+      </p:sp>
+    </p:spTree>
+    <p:extLst>
+      <p:ext uri="{BB962C8B-B14F-4D97-AF65-F5344CB8AC3E}">
+        <p14:creationId xmlns:p14="http://schemas.microsoft.com/office/powerpoint/2010/main" val="3400471532"/>
       </p:ext>
     </p:extLst>
   </p:cSld>
@@ -638,11 +1556,7 @@
           <a:p>
             <a:r>
               <a:rPr lang="en-US" dirty="0" smtClean="0"/>
-              <a:t>One of the main benefits of type inferred languages is the fact</a:t>
-            </a:r>
-            <a:r>
-              <a:rPr lang="en-US" baseline="0" dirty="0" smtClean="0"/>
-              <a:t> that annotations are not required, they are inferred. Liquid types attempt to add the strongest dependent types it can to reduce this burden</a:t>
+              <a:t>TODO</a:t>
             </a:r>
             <a:endParaRPr lang="en-US" dirty="0"/>
           </a:p>
@@ -665,7 +1579,7 @@
           <a:p>
             <a:fld id="{8C82A14D-CD87-3040-B8A6-05D9C670C6BA}" type="slidenum">
               <a:rPr lang="en-US" smtClean="0"/>
-              <a:t>3</a:t>
+              <a:t>4</a:t>
             </a:fld>
             <a:endParaRPr lang="en-US"/>
           </a:p>
@@ -674,7 +1588,1075 @@
     </p:spTree>
     <p:extLst>
       <p:ext uri="{BB962C8B-B14F-4D97-AF65-F5344CB8AC3E}">
-        <p14:creationId xmlns:p14="http://schemas.microsoft.com/office/powerpoint/2010/main" val="1584668367"/>
+        <p14:creationId xmlns:p14="http://schemas.microsoft.com/office/powerpoint/2010/main" val="3400471532"/>
+      </p:ext>
+    </p:extLst>
+  </p:cSld>
+  <p:clrMapOvr>
+    <a:masterClrMapping/>
+  </p:clrMapOvr>
+</p:notes>
+</file>
+
+<file path=ppt/notesSlides/notesSlide20.xml><?xml version="1.0" encoding="utf-8"?>
+<p:notes xmlns:a="http://schemas.openxmlformats.org/drawingml/2006/main" xmlns:r="http://schemas.openxmlformats.org/officeDocument/2006/relationships" xmlns:p="http://schemas.openxmlformats.org/presentationml/2006/main">
+  <p:cSld>
+    <p:spTree>
+      <p:nvGrpSpPr>
+        <p:cNvPr id="1" name=""/>
+        <p:cNvGrpSpPr/>
+        <p:nvPr/>
+      </p:nvGrpSpPr>
+      <p:grpSpPr>
+        <a:xfrm>
+          <a:off x="0" y="0"/>
+          <a:ext cx="0" cy="0"/>
+          <a:chOff x="0" y="0"/>
+          <a:chExt cx="0" cy="0"/>
+        </a:xfrm>
+      </p:grpSpPr>
+      <p:sp>
+        <p:nvSpPr>
+          <p:cNvPr id="2" name="Slide Image Placeholder 1"/>
+          <p:cNvSpPr>
+            <a:spLocks noGrp="1" noRot="1" noChangeAspect="1"/>
+          </p:cNvSpPr>
+          <p:nvPr>
+            <p:ph type="sldImg"/>
+          </p:nvPr>
+        </p:nvSpPr>
+        <p:spPr/>
+      </p:sp>
+      <p:sp>
+        <p:nvSpPr>
+          <p:cNvPr id="3" name="Notes Placeholder 2"/>
+          <p:cNvSpPr>
+            <a:spLocks noGrp="1"/>
+          </p:cNvSpPr>
+          <p:nvPr>
+            <p:ph type="body" idx="1"/>
+          </p:nvPr>
+        </p:nvSpPr>
+        <p:spPr/>
+        <p:txBody>
+          <a:bodyPr/>
+          <a:lstStyle/>
+          <a:p>
+            <a:pPr marL="0" marR="0" indent="0" algn="l" defTabSz="457200" rtl="0" eaLnBrk="1" fontAlgn="auto" latinLnBrk="0" hangingPunct="1">
+              <a:lnSpc>
+                <a:spcPct val="100000"/>
+              </a:lnSpc>
+              <a:spcBef>
+                <a:spcPts val="0"/>
+              </a:spcBef>
+              <a:spcAft>
+                <a:spcPts val="0"/>
+              </a:spcAft>
+              <a:buClrTx/>
+              <a:buSzTx/>
+              <a:buFontTx/>
+              <a:buNone/>
+              <a:tabLst/>
+              <a:defRPr/>
+            </a:pPr>
+            <a:r>
+              <a:rPr lang="en-US" dirty="0" smtClean="0"/>
+              <a:t>“to include or place within something larger or more comprehensive”</a:t>
+            </a:r>
+            <a:endParaRPr lang="en-US" dirty="0" smtClean="0"/>
+          </a:p>
+        </p:txBody>
+      </p:sp>
+      <p:sp>
+        <p:nvSpPr>
+          <p:cNvPr id="4" name="Slide Number Placeholder 3"/>
+          <p:cNvSpPr>
+            <a:spLocks noGrp="1"/>
+          </p:cNvSpPr>
+          <p:nvPr>
+            <p:ph type="sldNum" sz="quarter" idx="10"/>
+          </p:nvPr>
+        </p:nvSpPr>
+        <p:spPr/>
+        <p:txBody>
+          <a:bodyPr/>
+          <a:lstStyle/>
+          <a:p>
+            <a:fld id="{8C82A14D-CD87-3040-B8A6-05D9C670C6BA}" type="slidenum">
+              <a:rPr lang="en-US" smtClean="0"/>
+              <a:t>25</a:t>
+            </a:fld>
+            <a:endParaRPr lang="en-US"/>
+          </a:p>
+        </p:txBody>
+      </p:sp>
+    </p:spTree>
+    <p:extLst>
+      <p:ext uri="{BB962C8B-B14F-4D97-AF65-F5344CB8AC3E}">
+        <p14:creationId xmlns:p14="http://schemas.microsoft.com/office/powerpoint/2010/main" val="3400471532"/>
+      </p:ext>
+    </p:extLst>
+  </p:cSld>
+  <p:clrMapOvr>
+    <a:masterClrMapping/>
+  </p:clrMapOvr>
+</p:notes>
+</file>
+
+<file path=ppt/notesSlides/notesSlide21.xml><?xml version="1.0" encoding="utf-8"?>
+<p:notes xmlns:a="http://schemas.openxmlformats.org/drawingml/2006/main" xmlns:r="http://schemas.openxmlformats.org/officeDocument/2006/relationships" xmlns:p="http://schemas.openxmlformats.org/presentationml/2006/main">
+  <p:cSld>
+    <p:spTree>
+      <p:nvGrpSpPr>
+        <p:cNvPr id="1" name=""/>
+        <p:cNvGrpSpPr/>
+        <p:nvPr/>
+      </p:nvGrpSpPr>
+      <p:grpSpPr>
+        <a:xfrm>
+          <a:off x="0" y="0"/>
+          <a:ext cx="0" cy="0"/>
+          <a:chOff x="0" y="0"/>
+          <a:chExt cx="0" cy="0"/>
+        </a:xfrm>
+      </p:grpSpPr>
+      <p:sp>
+        <p:nvSpPr>
+          <p:cNvPr id="2" name="Slide Image Placeholder 1"/>
+          <p:cNvSpPr>
+            <a:spLocks noGrp="1" noRot="1" noChangeAspect="1"/>
+          </p:cNvSpPr>
+          <p:nvPr>
+            <p:ph type="sldImg"/>
+          </p:nvPr>
+        </p:nvSpPr>
+        <p:spPr/>
+      </p:sp>
+      <p:sp>
+        <p:nvSpPr>
+          <p:cNvPr id="3" name="Notes Placeholder 2"/>
+          <p:cNvSpPr>
+            <a:spLocks noGrp="1"/>
+          </p:cNvSpPr>
+          <p:nvPr>
+            <p:ph type="body" idx="1"/>
+          </p:nvPr>
+        </p:nvSpPr>
+        <p:spPr/>
+        <p:txBody>
+          <a:bodyPr/>
+          <a:lstStyle/>
+          <a:p>
+            <a:pPr marL="0" marR="0" indent="0" algn="l" defTabSz="457200" rtl="0" eaLnBrk="1" fontAlgn="auto" latinLnBrk="0" hangingPunct="1">
+              <a:lnSpc>
+                <a:spcPct val="100000"/>
+              </a:lnSpc>
+              <a:spcBef>
+                <a:spcPts val="0"/>
+              </a:spcBef>
+              <a:spcAft>
+                <a:spcPts val="0"/>
+              </a:spcAft>
+              <a:buClrTx/>
+              <a:buSzTx/>
+              <a:buFontTx/>
+              <a:buNone/>
+              <a:tabLst/>
+              <a:defRPr/>
+            </a:pPr>
+            <a:r>
+              <a:rPr lang="en-US" dirty="0" smtClean="0"/>
+              <a:t>No</a:t>
+            </a:r>
+            <a:r>
+              <a:rPr lang="en-US" baseline="0" dirty="0" smtClean="0"/>
+              <a:t> subtyping is needed</a:t>
+            </a:r>
+          </a:p>
+          <a:p>
+            <a:pPr marL="0" marR="0" indent="0" algn="l" defTabSz="457200" rtl="0" eaLnBrk="1" fontAlgn="auto" latinLnBrk="0" hangingPunct="1">
+              <a:lnSpc>
+                <a:spcPct val="100000"/>
+              </a:lnSpc>
+              <a:spcBef>
+                <a:spcPts val="0"/>
+              </a:spcBef>
+              <a:spcAft>
+                <a:spcPts val="0"/>
+              </a:spcAft>
+              <a:buClrTx/>
+              <a:buSzTx/>
+              <a:buFontTx/>
+              <a:buNone/>
+              <a:tabLst/>
+              <a:defRPr/>
+            </a:pPr>
+            <a:endParaRPr lang="en-US" baseline="0" dirty="0" smtClean="0"/>
+          </a:p>
+          <a:p>
+            <a:pPr marL="0" marR="0" indent="0" algn="l" defTabSz="457200" rtl="0" eaLnBrk="1" fontAlgn="auto" latinLnBrk="0" hangingPunct="1">
+              <a:lnSpc>
+                <a:spcPct val="100000"/>
+              </a:lnSpc>
+              <a:spcBef>
+                <a:spcPts val="0"/>
+              </a:spcBef>
+              <a:spcAft>
+                <a:spcPts val="0"/>
+              </a:spcAft>
+              <a:buClrTx/>
+              <a:buSzTx/>
+              <a:buFontTx/>
+              <a:buNone/>
+              <a:tabLst/>
+              <a:defRPr/>
+            </a:pPr>
+            <a:r>
+              <a:rPr lang="en-US" baseline="0" dirty="0" smtClean="0"/>
+              <a:t>“variables, constants, function applications, and polymorphic generalizations”</a:t>
+            </a:r>
+            <a:endParaRPr lang="en-US" dirty="0" smtClean="0"/>
+          </a:p>
+        </p:txBody>
+      </p:sp>
+      <p:sp>
+        <p:nvSpPr>
+          <p:cNvPr id="4" name="Slide Number Placeholder 3"/>
+          <p:cNvSpPr>
+            <a:spLocks noGrp="1"/>
+          </p:cNvSpPr>
+          <p:nvPr>
+            <p:ph type="sldNum" sz="quarter" idx="10"/>
+          </p:nvPr>
+        </p:nvSpPr>
+        <p:spPr/>
+        <p:txBody>
+          <a:bodyPr/>
+          <a:lstStyle/>
+          <a:p>
+            <a:fld id="{8C82A14D-CD87-3040-B8A6-05D9C670C6BA}" type="slidenum">
+              <a:rPr lang="en-US" smtClean="0"/>
+              <a:t>26</a:t>
+            </a:fld>
+            <a:endParaRPr lang="en-US"/>
+          </a:p>
+        </p:txBody>
+      </p:sp>
+    </p:spTree>
+    <p:extLst>
+      <p:ext uri="{BB962C8B-B14F-4D97-AF65-F5344CB8AC3E}">
+        <p14:creationId xmlns:p14="http://schemas.microsoft.com/office/powerpoint/2010/main" val="3400471532"/>
+      </p:ext>
+    </p:extLst>
+  </p:cSld>
+  <p:clrMapOvr>
+    <a:masterClrMapping/>
+  </p:clrMapOvr>
+</p:notes>
+</file>
+
+<file path=ppt/notesSlides/notesSlide22.xml><?xml version="1.0" encoding="utf-8"?>
+<p:notes xmlns:a="http://schemas.openxmlformats.org/drawingml/2006/main" xmlns:r="http://schemas.openxmlformats.org/officeDocument/2006/relationships" xmlns:p="http://schemas.openxmlformats.org/presentationml/2006/main">
+  <p:cSld>
+    <p:spTree>
+      <p:nvGrpSpPr>
+        <p:cNvPr id="1" name=""/>
+        <p:cNvGrpSpPr/>
+        <p:nvPr/>
+      </p:nvGrpSpPr>
+      <p:grpSpPr>
+        <a:xfrm>
+          <a:off x="0" y="0"/>
+          <a:ext cx="0" cy="0"/>
+          <a:chOff x="0" y="0"/>
+          <a:chExt cx="0" cy="0"/>
+        </a:xfrm>
+      </p:grpSpPr>
+      <p:sp>
+        <p:nvSpPr>
+          <p:cNvPr id="2" name="Slide Image Placeholder 1"/>
+          <p:cNvSpPr>
+            <a:spLocks noGrp="1" noRot="1" noChangeAspect="1"/>
+          </p:cNvSpPr>
+          <p:nvPr>
+            <p:ph type="sldImg"/>
+          </p:nvPr>
+        </p:nvSpPr>
+        <p:spPr/>
+      </p:sp>
+      <p:sp>
+        <p:nvSpPr>
+          <p:cNvPr id="3" name="Notes Placeholder 2"/>
+          <p:cNvSpPr>
+            <a:spLocks noGrp="1"/>
+          </p:cNvSpPr>
+          <p:nvPr>
+            <p:ph type="body" idx="1"/>
+          </p:nvPr>
+        </p:nvSpPr>
+        <p:spPr/>
+        <p:txBody>
+          <a:bodyPr/>
+          <a:lstStyle/>
+          <a:p>
+            <a:pPr marL="0" marR="0" indent="0" algn="l" defTabSz="457200" rtl="0" eaLnBrk="1" fontAlgn="auto" latinLnBrk="0" hangingPunct="1">
+              <a:lnSpc>
+                <a:spcPct val="100000"/>
+              </a:lnSpc>
+              <a:spcBef>
+                <a:spcPts val="0"/>
+              </a:spcBef>
+              <a:spcAft>
+                <a:spcPts val="0"/>
+              </a:spcAft>
+              <a:buClrTx/>
+              <a:buSzTx/>
+              <a:buFontTx/>
+              <a:buNone/>
+              <a:tabLst/>
+              <a:defRPr/>
+            </a:pPr>
+            <a:r>
+              <a:rPr lang="en-US" dirty="0" smtClean="0"/>
+              <a:t>“lambda</a:t>
+            </a:r>
+            <a:r>
+              <a:rPr lang="en-US" baseline="0" dirty="0" smtClean="0"/>
+              <a:t> abstractions, if then else expressions, let bindings, and polymorphic instantiations (recursive functions)”</a:t>
+            </a:r>
+            <a:endParaRPr lang="en-US" dirty="0" smtClean="0"/>
+          </a:p>
+        </p:txBody>
+      </p:sp>
+      <p:sp>
+        <p:nvSpPr>
+          <p:cNvPr id="4" name="Slide Number Placeholder 3"/>
+          <p:cNvSpPr>
+            <a:spLocks noGrp="1"/>
+          </p:cNvSpPr>
+          <p:nvPr>
+            <p:ph type="sldNum" sz="quarter" idx="10"/>
+          </p:nvPr>
+        </p:nvSpPr>
+        <p:spPr/>
+        <p:txBody>
+          <a:bodyPr/>
+          <a:lstStyle/>
+          <a:p>
+            <a:fld id="{8C82A14D-CD87-3040-B8A6-05D9C670C6BA}" type="slidenum">
+              <a:rPr lang="en-US" smtClean="0"/>
+              <a:t>27</a:t>
+            </a:fld>
+            <a:endParaRPr lang="en-US"/>
+          </a:p>
+        </p:txBody>
+      </p:sp>
+    </p:spTree>
+    <p:extLst>
+      <p:ext uri="{BB962C8B-B14F-4D97-AF65-F5344CB8AC3E}">
+        <p14:creationId xmlns:p14="http://schemas.microsoft.com/office/powerpoint/2010/main" val="3400471532"/>
+      </p:ext>
+    </p:extLst>
+  </p:cSld>
+  <p:clrMapOvr>
+    <a:masterClrMapping/>
+  </p:clrMapOvr>
+</p:notes>
+</file>
+
+<file path=ppt/notesSlides/notesSlide23.xml><?xml version="1.0" encoding="utf-8"?>
+<p:notes xmlns:a="http://schemas.openxmlformats.org/drawingml/2006/main" xmlns:r="http://schemas.openxmlformats.org/officeDocument/2006/relationships" xmlns:p="http://schemas.openxmlformats.org/presentationml/2006/main">
+  <p:cSld>
+    <p:spTree>
+      <p:nvGrpSpPr>
+        <p:cNvPr id="1" name=""/>
+        <p:cNvGrpSpPr/>
+        <p:nvPr/>
+      </p:nvGrpSpPr>
+      <p:grpSpPr>
+        <a:xfrm>
+          <a:off x="0" y="0"/>
+          <a:ext cx="0" cy="0"/>
+          <a:chOff x="0" y="0"/>
+          <a:chExt cx="0" cy="0"/>
+        </a:xfrm>
+      </p:grpSpPr>
+      <p:sp>
+        <p:nvSpPr>
+          <p:cNvPr id="2" name="Slide Image Placeholder 1"/>
+          <p:cNvSpPr>
+            <a:spLocks noGrp="1" noRot="1" noChangeAspect="1"/>
+          </p:cNvSpPr>
+          <p:nvPr>
+            <p:ph type="sldImg"/>
+          </p:nvPr>
+        </p:nvSpPr>
+        <p:spPr/>
+      </p:sp>
+      <p:sp>
+        <p:nvSpPr>
+          <p:cNvPr id="3" name="Notes Placeholder 2"/>
+          <p:cNvSpPr>
+            <a:spLocks noGrp="1"/>
+          </p:cNvSpPr>
+          <p:nvPr>
+            <p:ph type="body" idx="1"/>
+          </p:nvPr>
+        </p:nvSpPr>
+        <p:spPr/>
+        <p:txBody>
+          <a:bodyPr/>
+          <a:lstStyle/>
+          <a:p>
+            <a:pPr marL="0" marR="0" indent="0" algn="l" defTabSz="457200" rtl="0" eaLnBrk="1" fontAlgn="auto" latinLnBrk="0" hangingPunct="1">
+              <a:lnSpc>
+                <a:spcPct val="100000"/>
+              </a:lnSpc>
+              <a:spcBef>
+                <a:spcPts val="0"/>
+              </a:spcBef>
+              <a:spcAft>
+                <a:spcPts val="0"/>
+              </a:spcAft>
+              <a:buClrTx/>
+              <a:buSzTx/>
+              <a:buFontTx/>
+              <a:buNone/>
+              <a:tabLst/>
+              <a:defRPr/>
+            </a:pPr>
+            <a:r>
+              <a:rPr lang="en-US" dirty="0" smtClean="0"/>
+              <a:t>TODO</a:t>
+            </a:r>
+            <a:r>
+              <a:rPr lang="en-US" smtClean="0"/>
+              <a:t>: fresh</a:t>
+            </a:r>
+            <a:r>
+              <a:rPr lang="en-US" baseline="0" smtClean="0"/>
+              <a:t> </a:t>
+            </a:r>
+            <a:endParaRPr lang="en-US" dirty="0" smtClean="0"/>
+          </a:p>
+        </p:txBody>
+      </p:sp>
+      <p:sp>
+        <p:nvSpPr>
+          <p:cNvPr id="4" name="Slide Number Placeholder 3"/>
+          <p:cNvSpPr>
+            <a:spLocks noGrp="1"/>
+          </p:cNvSpPr>
+          <p:nvPr>
+            <p:ph type="sldNum" sz="quarter" idx="10"/>
+          </p:nvPr>
+        </p:nvSpPr>
+        <p:spPr/>
+        <p:txBody>
+          <a:bodyPr/>
+          <a:lstStyle/>
+          <a:p>
+            <a:fld id="{8C82A14D-CD87-3040-B8A6-05D9C670C6BA}" type="slidenum">
+              <a:rPr lang="en-US" smtClean="0"/>
+              <a:t>28</a:t>
+            </a:fld>
+            <a:endParaRPr lang="en-US"/>
+          </a:p>
+        </p:txBody>
+      </p:sp>
+    </p:spTree>
+    <p:extLst>
+      <p:ext uri="{BB962C8B-B14F-4D97-AF65-F5344CB8AC3E}">
+        <p14:creationId xmlns:p14="http://schemas.microsoft.com/office/powerpoint/2010/main" val="3400471532"/>
+      </p:ext>
+    </p:extLst>
+  </p:cSld>
+  <p:clrMapOvr>
+    <a:masterClrMapping/>
+  </p:clrMapOvr>
+</p:notes>
+</file>
+
+<file path=ppt/notesSlides/notesSlide24.xml><?xml version="1.0" encoding="utf-8"?>
+<p:notes xmlns:a="http://schemas.openxmlformats.org/drawingml/2006/main" xmlns:r="http://schemas.openxmlformats.org/officeDocument/2006/relationships" xmlns:p="http://schemas.openxmlformats.org/presentationml/2006/main">
+  <p:cSld>
+    <p:spTree>
+      <p:nvGrpSpPr>
+        <p:cNvPr id="1" name=""/>
+        <p:cNvGrpSpPr/>
+        <p:nvPr/>
+      </p:nvGrpSpPr>
+      <p:grpSpPr>
+        <a:xfrm>
+          <a:off x="0" y="0"/>
+          <a:ext cx="0" cy="0"/>
+          <a:chOff x="0" y="0"/>
+          <a:chExt cx="0" cy="0"/>
+        </a:xfrm>
+      </p:grpSpPr>
+      <p:sp>
+        <p:nvSpPr>
+          <p:cNvPr id="2" name="Slide Image Placeholder 1"/>
+          <p:cNvSpPr>
+            <a:spLocks noGrp="1" noRot="1" noChangeAspect="1"/>
+          </p:cNvSpPr>
+          <p:nvPr>
+            <p:ph type="sldImg"/>
+          </p:nvPr>
+        </p:nvSpPr>
+        <p:spPr/>
+      </p:sp>
+      <p:sp>
+        <p:nvSpPr>
+          <p:cNvPr id="3" name="Notes Placeholder 2"/>
+          <p:cNvSpPr>
+            <a:spLocks noGrp="1"/>
+          </p:cNvSpPr>
+          <p:nvPr>
+            <p:ph type="body" idx="1"/>
+          </p:nvPr>
+        </p:nvSpPr>
+        <p:spPr/>
+        <p:txBody>
+          <a:bodyPr/>
+          <a:lstStyle/>
+          <a:p>
+            <a:r>
+              <a:rPr lang="en-US" dirty="0" smtClean="0"/>
+              <a:t>Least </a:t>
+            </a:r>
+            <a:r>
+              <a:rPr lang="en-US" dirty="0" err="1" smtClean="0"/>
+              <a:t>Fixpoint</a:t>
+            </a:r>
+            <a:endParaRPr lang="en-US" dirty="0" smtClean="0"/>
+          </a:p>
+          <a:p>
+            <a:r>
+              <a:rPr lang="en-US" dirty="0" smtClean="0"/>
+              <a:t>Correctness of Solving</a:t>
+            </a:r>
+          </a:p>
+          <a:p>
+            <a:endParaRPr lang="en-US" dirty="0"/>
+          </a:p>
+        </p:txBody>
+      </p:sp>
+      <p:sp>
+        <p:nvSpPr>
+          <p:cNvPr id="4" name="Slide Number Placeholder 3"/>
+          <p:cNvSpPr>
+            <a:spLocks noGrp="1"/>
+          </p:cNvSpPr>
+          <p:nvPr>
+            <p:ph type="sldNum" sz="quarter" idx="10"/>
+          </p:nvPr>
+        </p:nvSpPr>
+        <p:spPr/>
+        <p:txBody>
+          <a:bodyPr/>
+          <a:lstStyle/>
+          <a:p>
+            <a:fld id="{088463DC-7783-B141-91C8-05522551CF48}" type="slidenum">
+              <a:rPr lang="en-US" smtClean="0"/>
+              <a:t>29</a:t>
+            </a:fld>
+            <a:endParaRPr lang="en-US"/>
+          </a:p>
+        </p:txBody>
+      </p:sp>
+    </p:spTree>
+    <p:extLst>
+      <p:ext uri="{BB962C8B-B14F-4D97-AF65-F5344CB8AC3E}">
+        <p14:creationId xmlns:p14="http://schemas.microsoft.com/office/powerpoint/2010/main" val="988495278"/>
+      </p:ext>
+    </p:extLst>
+  </p:cSld>
+  <p:clrMapOvr>
+    <a:masterClrMapping/>
+  </p:clrMapOvr>
+</p:notes>
+</file>
+
+<file path=ppt/notesSlides/notesSlide25.xml><?xml version="1.0" encoding="utf-8"?>
+<p:notes xmlns:a="http://schemas.openxmlformats.org/drawingml/2006/main" xmlns:r="http://schemas.openxmlformats.org/officeDocument/2006/relationships" xmlns:p="http://schemas.openxmlformats.org/presentationml/2006/main">
+  <p:cSld>
+    <p:spTree>
+      <p:nvGrpSpPr>
+        <p:cNvPr id="1" name=""/>
+        <p:cNvGrpSpPr/>
+        <p:nvPr/>
+      </p:nvGrpSpPr>
+      <p:grpSpPr>
+        <a:xfrm>
+          <a:off x="0" y="0"/>
+          <a:ext cx="0" cy="0"/>
+          <a:chOff x="0" y="0"/>
+          <a:chExt cx="0" cy="0"/>
+        </a:xfrm>
+      </p:grpSpPr>
+      <p:sp>
+        <p:nvSpPr>
+          <p:cNvPr id="2" name="Slide Image Placeholder 1"/>
+          <p:cNvSpPr>
+            <a:spLocks noGrp="1" noRot="1" noChangeAspect="1"/>
+          </p:cNvSpPr>
+          <p:nvPr>
+            <p:ph type="sldImg"/>
+          </p:nvPr>
+        </p:nvSpPr>
+        <p:spPr/>
+      </p:sp>
+      <p:sp>
+        <p:nvSpPr>
+          <p:cNvPr id="3" name="Notes Placeholder 2"/>
+          <p:cNvSpPr>
+            <a:spLocks noGrp="1"/>
+          </p:cNvSpPr>
+          <p:nvPr>
+            <p:ph type="body" idx="1"/>
+          </p:nvPr>
+        </p:nvSpPr>
+        <p:spPr/>
+        <p:txBody>
+          <a:bodyPr/>
+          <a:lstStyle/>
+          <a:p>
+            <a:pPr marL="0" marR="0" indent="0" algn="l" defTabSz="457200" rtl="0" eaLnBrk="1" fontAlgn="auto" latinLnBrk="0" hangingPunct="1">
+              <a:lnSpc>
+                <a:spcPct val="100000"/>
+              </a:lnSpc>
+              <a:spcBef>
+                <a:spcPts val="0"/>
+              </a:spcBef>
+              <a:spcAft>
+                <a:spcPts val="0"/>
+              </a:spcAft>
+              <a:buClrTx/>
+              <a:buSzTx/>
+              <a:buFontTx/>
+              <a:buNone/>
+              <a:tabLst/>
+              <a:defRPr/>
+            </a:pPr>
+            <a:endParaRPr lang="en-US" dirty="0" smtClean="0"/>
+          </a:p>
+        </p:txBody>
+      </p:sp>
+      <p:sp>
+        <p:nvSpPr>
+          <p:cNvPr id="4" name="Slide Number Placeholder 3"/>
+          <p:cNvSpPr>
+            <a:spLocks noGrp="1"/>
+          </p:cNvSpPr>
+          <p:nvPr>
+            <p:ph type="sldNum" sz="quarter" idx="10"/>
+          </p:nvPr>
+        </p:nvSpPr>
+        <p:spPr/>
+        <p:txBody>
+          <a:bodyPr/>
+          <a:lstStyle/>
+          <a:p>
+            <a:fld id="{8C82A14D-CD87-3040-B8A6-05D9C670C6BA}" type="slidenum">
+              <a:rPr lang="en-US" smtClean="0"/>
+              <a:t>30</a:t>
+            </a:fld>
+            <a:endParaRPr lang="en-US"/>
+          </a:p>
+        </p:txBody>
+      </p:sp>
+    </p:spTree>
+    <p:extLst>
+      <p:ext uri="{BB962C8B-B14F-4D97-AF65-F5344CB8AC3E}">
+        <p14:creationId xmlns:p14="http://schemas.microsoft.com/office/powerpoint/2010/main" val="3400471532"/>
+      </p:ext>
+    </p:extLst>
+  </p:cSld>
+  <p:clrMapOvr>
+    <a:masterClrMapping/>
+  </p:clrMapOvr>
+</p:notes>
+</file>
+
+<file path=ppt/notesSlides/notesSlide26.xml><?xml version="1.0" encoding="utf-8"?>
+<p:notes xmlns:a="http://schemas.openxmlformats.org/drawingml/2006/main" xmlns:r="http://schemas.openxmlformats.org/officeDocument/2006/relationships" xmlns:p="http://schemas.openxmlformats.org/presentationml/2006/main">
+  <p:cSld>
+    <p:spTree>
+      <p:nvGrpSpPr>
+        <p:cNvPr id="1" name=""/>
+        <p:cNvGrpSpPr/>
+        <p:nvPr/>
+      </p:nvGrpSpPr>
+      <p:grpSpPr>
+        <a:xfrm>
+          <a:off x="0" y="0"/>
+          <a:ext cx="0" cy="0"/>
+          <a:chOff x="0" y="0"/>
+          <a:chExt cx="0" cy="0"/>
+        </a:xfrm>
+      </p:grpSpPr>
+      <p:sp>
+        <p:nvSpPr>
+          <p:cNvPr id="2" name="Slide Image Placeholder 1"/>
+          <p:cNvSpPr>
+            <a:spLocks noGrp="1" noRot="1" noChangeAspect="1"/>
+          </p:cNvSpPr>
+          <p:nvPr>
+            <p:ph type="sldImg"/>
+          </p:nvPr>
+        </p:nvSpPr>
+        <p:spPr/>
+      </p:sp>
+      <p:sp>
+        <p:nvSpPr>
+          <p:cNvPr id="3" name="Notes Placeholder 2"/>
+          <p:cNvSpPr>
+            <a:spLocks noGrp="1"/>
+          </p:cNvSpPr>
+          <p:nvPr>
+            <p:ph type="body" idx="1"/>
+          </p:nvPr>
+        </p:nvSpPr>
+        <p:spPr/>
+        <p:txBody>
+          <a:bodyPr/>
+          <a:lstStyle/>
+          <a:p>
+            <a:pPr marL="0" marR="0" indent="0" algn="l" defTabSz="457200" rtl="0" eaLnBrk="1" fontAlgn="auto" latinLnBrk="0" hangingPunct="1">
+              <a:lnSpc>
+                <a:spcPct val="100000"/>
+              </a:lnSpc>
+              <a:spcBef>
+                <a:spcPts val="0"/>
+              </a:spcBef>
+              <a:spcAft>
+                <a:spcPts val="0"/>
+              </a:spcAft>
+              <a:buClrTx/>
+              <a:buSzTx/>
+              <a:buFontTx/>
+              <a:buNone/>
+              <a:tabLst/>
+              <a:defRPr/>
+            </a:pPr>
+            <a:endParaRPr lang="en-US" dirty="0" smtClean="0"/>
+          </a:p>
+        </p:txBody>
+      </p:sp>
+      <p:sp>
+        <p:nvSpPr>
+          <p:cNvPr id="4" name="Slide Number Placeholder 3"/>
+          <p:cNvSpPr>
+            <a:spLocks noGrp="1"/>
+          </p:cNvSpPr>
+          <p:nvPr>
+            <p:ph type="sldNum" sz="quarter" idx="10"/>
+          </p:nvPr>
+        </p:nvSpPr>
+        <p:spPr/>
+        <p:txBody>
+          <a:bodyPr/>
+          <a:lstStyle/>
+          <a:p>
+            <a:fld id="{8C82A14D-CD87-3040-B8A6-05D9C670C6BA}" type="slidenum">
+              <a:rPr lang="en-US" smtClean="0"/>
+              <a:t>31</a:t>
+            </a:fld>
+            <a:endParaRPr lang="en-US"/>
+          </a:p>
+        </p:txBody>
+      </p:sp>
+    </p:spTree>
+    <p:extLst>
+      <p:ext uri="{BB962C8B-B14F-4D97-AF65-F5344CB8AC3E}">
+        <p14:creationId xmlns:p14="http://schemas.microsoft.com/office/powerpoint/2010/main" val="3400471532"/>
+      </p:ext>
+    </p:extLst>
+  </p:cSld>
+  <p:clrMapOvr>
+    <a:masterClrMapping/>
+  </p:clrMapOvr>
+</p:notes>
+</file>
+
+<file path=ppt/notesSlides/notesSlide27.xml><?xml version="1.0" encoding="utf-8"?>
+<p:notes xmlns:a="http://schemas.openxmlformats.org/drawingml/2006/main" xmlns:r="http://schemas.openxmlformats.org/officeDocument/2006/relationships" xmlns:p="http://schemas.openxmlformats.org/presentationml/2006/main">
+  <p:cSld>
+    <p:spTree>
+      <p:nvGrpSpPr>
+        <p:cNvPr id="1" name=""/>
+        <p:cNvGrpSpPr/>
+        <p:nvPr/>
+      </p:nvGrpSpPr>
+      <p:grpSpPr>
+        <a:xfrm>
+          <a:off x="0" y="0"/>
+          <a:ext cx="0" cy="0"/>
+          <a:chOff x="0" y="0"/>
+          <a:chExt cx="0" cy="0"/>
+        </a:xfrm>
+      </p:grpSpPr>
+      <p:sp>
+        <p:nvSpPr>
+          <p:cNvPr id="2" name="Slide Image Placeholder 1"/>
+          <p:cNvSpPr>
+            <a:spLocks noGrp="1" noRot="1" noChangeAspect="1"/>
+          </p:cNvSpPr>
+          <p:nvPr>
+            <p:ph type="sldImg"/>
+          </p:nvPr>
+        </p:nvSpPr>
+        <p:spPr/>
+      </p:sp>
+      <p:sp>
+        <p:nvSpPr>
+          <p:cNvPr id="3" name="Notes Placeholder 2"/>
+          <p:cNvSpPr>
+            <a:spLocks noGrp="1"/>
+          </p:cNvSpPr>
+          <p:nvPr>
+            <p:ph type="body" idx="1"/>
+          </p:nvPr>
+        </p:nvSpPr>
+        <p:spPr/>
+        <p:txBody>
+          <a:bodyPr/>
+          <a:lstStyle/>
+          <a:p>
+            <a:pPr marL="0" marR="0" indent="0" algn="l" defTabSz="457200" rtl="0" eaLnBrk="1" fontAlgn="auto" latinLnBrk="0" hangingPunct="1">
+              <a:lnSpc>
+                <a:spcPct val="100000"/>
+              </a:lnSpc>
+              <a:spcBef>
+                <a:spcPts val="0"/>
+              </a:spcBef>
+              <a:spcAft>
+                <a:spcPts val="0"/>
+              </a:spcAft>
+              <a:buClrTx/>
+              <a:buSzTx/>
+              <a:buFontTx/>
+              <a:buNone/>
+              <a:tabLst/>
+              <a:defRPr/>
+            </a:pPr>
+            <a:endParaRPr lang="en-US" dirty="0" smtClean="0"/>
+          </a:p>
+        </p:txBody>
+      </p:sp>
+      <p:sp>
+        <p:nvSpPr>
+          <p:cNvPr id="4" name="Slide Number Placeholder 3"/>
+          <p:cNvSpPr>
+            <a:spLocks noGrp="1"/>
+          </p:cNvSpPr>
+          <p:nvPr>
+            <p:ph type="sldNum" sz="quarter" idx="10"/>
+          </p:nvPr>
+        </p:nvSpPr>
+        <p:spPr/>
+        <p:txBody>
+          <a:bodyPr/>
+          <a:lstStyle/>
+          <a:p>
+            <a:fld id="{8C82A14D-CD87-3040-B8A6-05D9C670C6BA}" type="slidenum">
+              <a:rPr lang="en-US" smtClean="0"/>
+              <a:t>32</a:t>
+            </a:fld>
+            <a:endParaRPr lang="en-US"/>
+          </a:p>
+        </p:txBody>
+      </p:sp>
+    </p:spTree>
+    <p:extLst>
+      <p:ext uri="{BB962C8B-B14F-4D97-AF65-F5344CB8AC3E}">
+        <p14:creationId xmlns:p14="http://schemas.microsoft.com/office/powerpoint/2010/main" val="3400471532"/>
+      </p:ext>
+    </p:extLst>
+  </p:cSld>
+  <p:clrMapOvr>
+    <a:masterClrMapping/>
+  </p:clrMapOvr>
+</p:notes>
+</file>
+
+<file path=ppt/notesSlides/notesSlide28.xml><?xml version="1.0" encoding="utf-8"?>
+<p:notes xmlns:a="http://schemas.openxmlformats.org/drawingml/2006/main" xmlns:r="http://schemas.openxmlformats.org/officeDocument/2006/relationships" xmlns:p="http://schemas.openxmlformats.org/presentationml/2006/main">
+  <p:cSld>
+    <p:spTree>
+      <p:nvGrpSpPr>
+        <p:cNvPr id="1" name=""/>
+        <p:cNvGrpSpPr/>
+        <p:nvPr/>
+      </p:nvGrpSpPr>
+      <p:grpSpPr>
+        <a:xfrm>
+          <a:off x="0" y="0"/>
+          <a:ext cx="0" cy="0"/>
+          <a:chOff x="0" y="0"/>
+          <a:chExt cx="0" cy="0"/>
+        </a:xfrm>
+      </p:grpSpPr>
+      <p:sp>
+        <p:nvSpPr>
+          <p:cNvPr id="2" name="Slide Image Placeholder 1"/>
+          <p:cNvSpPr>
+            <a:spLocks noGrp="1" noRot="1" noChangeAspect="1"/>
+          </p:cNvSpPr>
+          <p:nvPr>
+            <p:ph type="sldImg"/>
+          </p:nvPr>
+        </p:nvSpPr>
+        <p:spPr/>
+      </p:sp>
+      <p:sp>
+        <p:nvSpPr>
+          <p:cNvPr id="3" name="Notes Placeholder 2"/>
+          <p:cNvSpPr>
+            <a:spLocks noGrp="1"/>
+          </p:cNvSpPr>
+          <p:nvPr>
+            <p:ph type="body" idx="1"/>
+          </p:nvPr>
+        </p:nvSpPr>
+        <p:spPr/>
+        <p:txBody>
+          <a:bodyPr/>
+          <a:lstStyle/>
+          <a:p>
+            <a:endParaRPr lang="en-US" dirty="0"/>
+          </a:p>
+        </p:txBody>
+      </p:sp>
+      <p:sp>
+        <p:nvSpPr>
+          <p:cNvPr id="4" name="Slide Number Placeholder 3"/>
+          <p:cNvSpPr>
+            <a:spLocks noGrp="1"/>
+          </p:cNvSpPr>
+          <p:nvPr>
+            <p:ph type="sldNum" sz="quarter" idx="10"/>
+          </p:nvPr>
+        </p:nvSpPr>
+        <p:spPr/>
+        <p:txBody>
+          <a:bodyPr/>
+          <a:lstStyle/>
+          <a:p>
+            <a:fld id="{088463DC-7783-B141-91C8-05522551CF48}" type="slidenum">
+              <a:rPr lang="en-US" smtClean="0"/>
+              <a:t>33</a:t>
+            </a:fld>
+            <a:endParaRPr lang="en-US"/>
+          </a:p>
+        </p:txBody>
+      </p:sp>
+    </p:spTree>
+    <p:extLst>
+      <p:ext uri="{BB962C8B-B14F-4D97-AF65-F5344CB8AC3E}">
+        <p14:creationId xmlns:p14="http://schemas.microsoft.com/office/powerpoint/2010/main" val="988495278"/>
+      </p:ext>
+    </p:extLst>
+  </p:cSld>
+  <p:clrMapOvr>
+    <a:masterClrMapping/>
+  </p:clrMapOvr>
+</p:notes>
+</file>
+
+<file path=ppt/notesSlides/notesSlide29.xml><?xml version="1.0" encoding="utf-8"?>
+<p:notes xmlns:a="http://schemas.openxmlformats.org/drawingml/2006/main" xmlns:r="http://schemas.openxmlformats.org/officeDocument/2006/relationships" xmlns:p="http://schemas.openxmlformats.org/presentationml/2006/main">
+  <p:cSld>
+    <p:spTree>
+      <p:nvGrpSpPr>
+        <p:cNvPr id="1" name=""/>
+        <p:cNvGrpSpPr/>
+        <p:nvPr/>
+      </p:nvGrpSpPr>
+      <p:grpSpPr>
+        <a:xfrm>
+          <a:off x="0" y="0"/>
+          <a:ext cx="0" cy="0"/>
+          <a:chOff x="0" y="0"/>
+          <a:chExt cx="0" cy="0"/>
+        </a:xfrm>
+      </p:grpSpPr>
+      <p:sp>
+        <p:nvSpPr>
+          <p:cNvPr id="2" name="Slide Image Placeholder 1"/>
+          <p:cNvSpPr>
+            <a:spLocks noGrp="1" noRot="1" noChangeAspect="1"/>
+          </p:cNvSpPr>
+          <p:nvPr>
+            <p:ph type="sldImg"/>
+          </p:nvPr>
+        </p:nvSpPr>
+        <p:spPr/>
+      </p:sp>
+      <p:sp>
+        <p:nvSpPr>
+          <p:cNvPr id="3" name="Notes Placeholder 2"/>
+          <p:cNvSpPr>
+            <a:spLocks noGrp="1"/>
+          </p:cNvSpPr>
+          <p:nvPr>
+            <p:ph type="body" idx="1"/>
+          </p:nvPr>
+        </p:nvSpPr>
+        <p:spPr/>
+        <p:txBody>
+          <a:bodyPr/>
+          <a:lstStyle/>
+          <a:p>
+            <a:pPr marL="0" marR="0" indent="0" algn="l" defTabSz="457200" rtl="0" eaLnBrk="1" fontAlgn="auto" latinLnBrk="0" hangingPunct="1">
+              <a:lnSpc>
+                <a:spcPct val="100000"/>
+              </a:lnSpc>
+              <a:spcBef>
+                <a:spcPts val="0"/>
+              </a:spcBef>
+              <a:spcAft>
+                <a:spcPts val="0"/>
+              </a:spcAft>
+              <a:buClrTx/>
+              <a:buSzTx/>
+              <a:buFontTx/>
+              <a:buNone/>
+              <a:tabLst/>
+              <a:defRPr/>
+            </a:pPr>
+            <a:endParaRPr lang="en-US" dirty="0" smtClean="0"/>
+          </a:p>
+        </p:txBody>
+      </p:sp>
+      <p:sp>
+        <p:nvSpPr>
+          <p:cNvPr id="4" name="Slide Number Placeholder 3"/>
+          <p:cNvSpPr>
+            <a:spLocks noGrp="1"/>
+          </p:cNvSpPr>
+          <p:nvPr>
+            <p:ph type="sldNum" sz="quarter" idx="10"/>
+          </p:nvPr>
+        </p:nvSpPr>
+        <p:spPr/>
+        <p:txBody>
+          <a:bodyPr/>
+          <a:lstStyle/>
+          <a:p>
+            <a:fld id="{8C82A14D-CD87-3040-B8A6-05D9C670C6BA}" type="slidenum">
+              <a:rPr lang="en-US" smtClean="0"/>
+              <a:t>34</a:t>
+            </a:fld>
+            <a:endParaRPr lang="en-US"/>
+          </a:p>
+        </p:txBody>
+      </p:sp>
+    </p:spTree>
+    <p:extLst>
+      <p:ext uri="{BB962C8B-B14F-4D97-AF65-F5344CB8AC3E}">
+        <p14:creationId xmlns:p14="http://schemas.microsoft.com/office/powerpoint/2010/main" val="3400471532"/>
       </p:ext>
     </p:extLst>
   </p:cSld>
@@ -730,7 +2712,11 @@
           <a:p>
             <a:r>
               <a:rPr lang="en-US" dirty="0" smtClean="0"/>
-              <a:t>TODO</a:t>
+              <a:t>Liquid types are to Dependent</a:t>
+            </a:r>
+            <a:r>
+              <a:rPr lang="en-US" baseline="0" dirty="0" smtClean="0"/>
+              <a:t> types as Houdini was to ESC/Java</a:t>
             </a:r>
             <a:endParaRPr lang="en-US" dirty="0"/>
           </a:p>
@@ -763,6 +2749,292 @@
     <p:extLst>
       <p:ext uri="{BB962C8B-B14F-4D97-AF65-F5344CB8AC3E}">
         <p14:creationId xmlns:p14="http://schemas.microsoft.com/office/powerpoint/2010/main" val="3400471532"/>
+      </p:ext>
+    </p:extLst>
+  </p:cSld>
+  <p:clrMapOvr>
+    <a:masterClrMapping/>
+  </p:clrMapOvr>
+</p:notes>
+</file>
+
+<file path=ppt/notesSlides/notesSlide30.xml><?xml version="1.0" encoding="utf-8"?>
+<p:notes xmlns:a="http://schemas.openxmlformats.org/drawingml/2006/main" xmlns:r="http://schemas.openxmlformats.org/officeDocument/2006/relationships" xmlns:p="http://schemas.openxmlformats.org/presentationml/2006/main">
+  <p:cSld>
+    <p:spTree>
+      <p:nvGrpSpPr>
+        <p:cNvPr id="1" name=""/>
+        <p:cNvGrpSpPr/>
+        <p:nvPr/>
+      </p:nvGrpSpPr>
+      <p:grpSpPr>
+        <a:xfrm>
+          <a:off x="0" y="0"/>
+          <a:ext cx="0" cy="0"/>
+          <a:chOff x="0" y="0"/>
+          <a:chExt cx="0" cy="0"/>
+        </a:xfrm>
+      </p:grpSpPr>
+      <p:sp>
+        <p:nvSpPr>
+          <p:cNvPr id="2" name="Slide Image Placeholder 1"/>
+          <p:cNvSpPr>
+            <a:spLocks noGrp="1" noRot="1" noChangeAspect="1"/>
+          </p:cNvSpPr>
+          <p:nvPr>
+            <p:ph type="sldImg"/>
+          </p:nvPr>
+        </p:nvSpPr>
+        <p:spPr/>
+      </p:sp>
+      <p:sp>
+        <p:nvSpPr>
+          <p:cNvPr id="3" name="Notes Placeholder 2"/>
+          <p:cNvSpPr>
+            <a:spLocks noGrp="1"/>
+          </p:cNvSpPr>
+          <p:nvPr>
+            <p:ph type="body" idx="1"/>
+          </p:nvPr>
+        </p:nvSpPr>
+        <p:spPr/>
+        <p:txBody>
+          <a:bodyPr/>
+          <a:lstStyle/>
+          <a:p>
+            <a:pPr marL="0" marR="0" indent="0" algn="l" defTabSz="457200" rtl="0" eaLnBrk="1" fontAlgn="auto" latinLnBrk="0" hangingPunct="1">
+              <a:lnSpc>
+                <a:spcPct val="100000"/>
+              </a:lnSpc>
+              <a:spcBef>
+                <a:spcPts val="0"/>
+              </a:spcBef>
+              <a:spcAft>
+                <a:spcPts val="0"/>
+              </a:spcAft>
+              <a:buClrTx/>
+              <a:buSzTx/>
+              <a:buFontTx/>
+              <a:buNone/>
+              <a:tabLst/>
+              <a:defRPr/>
+            </a:pPr>
+            <a:endParaRPr lang="en-US" dirty="0" smtClean="0"/>
+          </a:p>
+        </p:txBody>
+      </p:sp>
+      <p:sp>
+        <p:nvSpPr>
+          <p:cNvPr id="4" name="Slide Number Placeholder 3"/>
+          <p:cNvSpPr>
+            <a:spLocks noGrp="1"/>
+          </p:cNvSpPr>
+          <p:nvPr>
+            <p:ph type="sldNum" sz="quarter" idx="10"/>
+          </p:nvPr>
+        </p:nvSpPr>
+        <p:spPr/>
+        <p:txBody>
+          <a:bodyPr/>
+          <a:lstStyle/>
+          <a:p>
+            <a:fld id="{8C82A14D-CD87-3040-B8A6-05D9C670C6BA}" type="slidenum">
+              <a:rPr lang="en-US" smtClean="0"/>
+              <a:t>35</a:t>
+            </a:fld>
+            <a:endParaRPr lang="en-US"/>
+          </a:p>
+        </p:txBody>
+      </p:sp>
+    </p:spTree>
+    <p:extLst>
+      <p:ext uri="{BB962C8B-B14F-4D97-AF65-F5344CB8AC3E}">
+        <p14:creationId xmlns:p14="http://schemas.microsoft.com/office/powerpoint/2010/main" val="3400471532"/>
+      </p:ext>
+    </p:extLst>
+  </p:cSld>
+  <p:clrMapOvr>
+    <a:masterClrMapping/>
+  </p:clrMapOvr>
+</p:notes>
+</file>
+
+<file path=ppt/notesSlides/notesSlide31.xml><?xml version="1.0" encoding="utf-8"?>
+<p:notes xmlns:a="http://schemas.openxmlformats.org/drawingml/2006/main" xmlns:r="http://schemas.openxmlformats.org/officeDocument/2006/relationships" xmlns:p="http://schemas.openxmlformats.org/presentationml/2006/main">
+  <p:cSld>
+    <p:spTree>
+      <p:nvGrpSpPr>
+        <p:cNvPr id="1" name=""/>
+        <p:cNvGrpSpPr/>
+        <p:nvPr/>
+      </p:nvGrpSpPr>
+      <p:grpSpPr>
+        <a:xfrm>
+          <a:off x="0" y="0"/>
+          <a:ext cx="0" cy="0"/>
+          <a:chOff x="0" y="0"/>
+          <a:chExt cx="0" cy="0"/>
+        </a:xfrm>
+      </p:grpSpPr>
+      <p:sp>
+        <p:nvSpPr>
+          <p:cNvPr id="2" name="Slide Image Placeholder 1"/>
+          <p:cNvSpPr>
+            <a:spLocks noGrp="1" noRot="1" noChangeAspect="1"/>
+          </p:cNvSpPr>
+          <p:nvPr>
+            <p:ph type="sldImg"/>
+          </p:nvPr>
+        </p:nvSpPr>
+        <p:spPr/>
+      </p:sp>
+      <p:sp>
+        <p:nvSpPr>
+          <p:cNvPr id="3" name="Notes Placeholder 2"/>
+          <p:cNvSpPr>
+            <a:spLocks noGrp="1"/>
+          </p:cNvSpPr>
+          <p:nvPr>
+            <p:ph type="body" idx="1"/>
+          </p:nvPr>
+        </p:nvSpPr>
+        <p:spPr/>
+        <p:txBody>
+          <a:bodyPr/>
+          <a:lstStyle/>
+          <a:p>
+            <a:pPr marL="0" marR="0" indent="0" algn="l" defTabSz="457200" rtl="0" eaLnBrk="1" fontAlgn="auto" latinLnBrk="0" hangingPunct="1">
+              <a:lnSpc>
+                <a:spcPct val="100000"/>
+              </a:lnSpc>
+              <a:spcBef>
+                <a:spcPts val="0"/>
+              </a:spcBef>
+              <a:spcAft>
+                <a:spcPts val="0"/>
+              </a:spcAft>
+              <a:buClrTx/>
+              <a:buSzTx/>
+              <a:buFontTx/>
+              <a:buNone/>
+              <a:tabLst/>
+              <a:defRPr/>
+            </a:pPr>
+            <a:endParaRPr lang="en-US" dirty="0" smtClean="0"/>
+          </a:p>
+        </p:txBody>
+      </p:sp>
+      <p:sp>
+        <p:nvSpPr>
+          <p:cNvPr id="4" name="Slide Number Placeholder 3"/>
+          <p:cNvSpPr>
+            <a:spLocks noGrp="1"/>
+          </p:cNvSpPr>
+          <p:nvPr>
+            <p:ph type="sldNum" sz="quarter" idx="10"/>
+          </p:nvPr>
+        </p:nvSpPr>
+        <p:spPr/>
+        <p:txBody>
+          <a:bodyPr/>
+          <a:lstStyle/>
+          <a:p>
+            <a:fld id="{8C82A14D-CD87-3040-B8A6-05D9C670C6BA}" type="slidenum">
+              <a:rPr lang="en-US" smtClean="0"/>
+              <a:t>36</a:t>
+            </a:fld>
+            <a:endParaRPr lang="en-US"/>
+          </a:p>
+        </p:txBody>
+      </p:sp>
+    </p:spTree>
+    <p:extLst>
+      <p:ext uri="{BB962C8B-B14F-4D97-AF65-F5344CB8AC3E}">
+        <p14:creationId xmlns:p14="http://schemas.microsoft.com/office/powerpoint/2010/main" val="3400471532"/>
+      </p:ext>
+    </p:extLst>
+  </p:cSld>
+  <p:clrMapOvr>
+    <a:masterClrMapping/>
+  </p:clrMapOvr>
+</p:notes>
+</file>
+
+<file path=ppt/notesSlides/notesSlide32.xml><?xml version="1.0" encoding="utf-8"?>
+<p:notes xmlns:a="http://schemas.openxmlformats.org/drawingml/2006/main" xmlns:r="http://schemas.openxmlformats.org/officeDocument/2006/relationships" xmlns:p="http://schemas.openxmlformats.org/presentationml/2006/main">
+  <p:cSld>
+    <p:spTree>
+      <p:nvGrpSpPr>
+        <p:cNvPr id="1" name=""/>
+        <p:cNvGrpSpPr/>
+        <p:nvPr/>
+      </p:nvGrpSpPr>
+      <p:grpSpPr>
+        <a:xfrm>
+          <a:off x="0" y="0"/>
+          <a:ext cx="0" cy="0"/>
+          <a:chOff x="0" y="0"/>
+          <a:chExt cx="0" cy="0"/>
+        </a:xfrm>
+      </p:grpSpPr>
+      <p:sp>
+        <p:nvSpPr>
+          <p:cNvPr id="2" name="Slide Image Placeholder 1"/>
+          <p:cNvSpPr>
+            <a:spLocks noGrp="1" noRot="1" noChangeAspect="1"/>
+          </p:cNvSpPr>
+          <p:nvPr>
+            <p:ph type="sldImg"/>
+          </p:nvPr>
+        </p:nvSpPr>
+        <p:spPr/>
+      </p:sp>
+      <p:sp>
+        <p:nvSpPr>
+          <p:cNvPr id="3" name="Notes Placeholder 2"/>
+          <p:cNvSpPr>
+            <a:spLocks noGrp="1"/>
+          </p:cNvSpPr>
+          <p:nvPr>
+            <p:ph type="body" idx="1"/>
+          </p:nvPr>
+        </p:nvSpPr>
+        <p:spPr/>
+        <p:txBody>
+          <a:bodyPr/>
+          <a:lstStyle/>
+          <a:p>
+            <a:endParaRPr lang="en-US" dirty="0"/>
+          </a:p>
+        </p:txBody>
+      </p:sp>
+      <p:sp>
+        <p:nvSpPr>
+          <p:cNvPr id="4" name="Slide Number Placeholder 3"/>
+          <p:cNvSpPr>
+            <a:spLocks noGrp="1"/>
+          </p:cNvSpPr>
+          <p:nvPr>
+            <p:ph type="sldNum" sz="quarter" idx="10"/>
+          </p:nvPr>
+        </p:nvSpPr>
+        <p:spPr/>
+        <p:txBody>
+          <a:bodyPr/>
+          <a:lstStyle/>
+          <a:p>
+            <a:fld id="{088463DC-7783-B141-91C8-05522551CF48}" type="slidenum">
+              <a:rPr lang="en-US" smtClean="0"/>
+              <a:t>37</a:t>
+            </a:fld>
+            <a:endParaRPr lang="en-US"/>
+          </a:p>
+        </p:txBody>
+      </p:sp>
+    </p:spTree>
+    <p:extLst>
+      <p:ext uri="{BB962C8B-B14F-4D97-AF65-F5344CB8AC3E}">
+        <p14:creationId xmlns:p14="http://schemas.microsoft.com/office/powerpoint/2010/main" val="988495278"/>
       </p:ext>
     </p:extLst>
   </p:cSld>
@@ -818,8 +3090,137 @@
           <a:p>
             <a:r>
               <a:rPr lang="en-US" dirty="0" smtClean="0"/>
-              <a:t>TODO</a:t>
-            </a:r>
+              <a:t>Use some qualifiers</a:t>
+            </a:r>
+            <a:r>
+              <a:rPr lang="en-US" baseline="0" dirty="0" smtClean="0"/>
+              <a:t> to prove </a:t>
+            </a:r>
+            <a:r>
+              <a:rPr lang="en-US" baseline="0" smtClean="0"/>
+              <a:t>some property</a:t>
+            </a:r>
+            <a:endParaRPr lang="en-US" dirty="0"/>
+          </a:p>
+        </p:txBody>
+      </p:sp>
+      <p:sp>
+        <p:nvSpPr>
+          <p:cNvPr id="4" name="Slide Number Placeholder 3"/>
+          <p:cNvSpPr>
+            <a:spLocks noGrp="1"/>
+          </p:cNvSpPr>
+          <p:nvPr>
+            <p:ph type="sldNum" sz="quarter" idx="10"/>
+          </p:nvPr>
+        </p:nvSpPr>
+        <p:spPr/>
+        <p:txBody>
+          <a:bodyPr/>
+          <a:lstStyle/>
+          <a:p>
+            <a:fld id="{8C82A14D-CD87-3040-B8A6-05D9C670C6BA}" type="slidenum">
+              <a:rPr lang="en-US" smtClean="0"/>
+              <a:t>6</a:t>
+            </a:fld>
+            <a:endParaRPr lang="en-US"/>
+          </a:p>
+        </p:txBody>
+      </p:sp>
+    </p:spTree>
+    <p:extLst>
+      <p:ext uri="{BB962C8B-B14F-4D97-AF65-F5344CB8AC3E}">
+        <p14:creationId xmlns:p14="http://schemas.microsoft.com/office/powerpoint/2010/main" val="3400471532"/>
+      </p:ext>
+    </p:extLst>
+  </p:cSld>
+  <p:clrMapOvr>
+    <a:masterClrMapping/>
+  </p:clrMapOvr>
+</p:notes>
+</file>
+
+<file path=ppt/notesSlides/notesSlide5.xml><?xml version="1.0" encoding="utf-8"?>
+<p:notes xmlns:a="http://schemas.openxmlformats.org/drawingml/2006/main" xmlns:r="http://schemas.openxmlformats.org/officeDocument/2006/relationships" xmlns:p="http://schemas.openxmlformats.org/presentationml/2006/main">
+  <p:cSld>
+    <p:spTree>
+      <p:nvGrpSpPr>
+        <p:cNvPr id="1" name=""/>
+        <p:cNvGrpSpPr/>
+        <p:nvPr/>
+      </p:nvGrpSpPr>
+      <p:grpSpPr>
+        <a:xfrm>
+          <a:off x="0" y="0"/>
+          <a:ext cx="0" cy="0"/>
+          <a:chOff x="0" y="0"/>
+          <a:chExt cx="0" cy="0"/>
+        </a:xfrm>
+      </p:grpSpPr>
+      <p:sp>
+        <p:nvSpPr>
+          <p:cNvPr id="2" name="Slide Image Placeholder 1"/>
+          <p:cNvSpPr>
+            <a:spLocks noGrp="1" noRot="1" noChangeAspect="1"/>
+          </p:cNvSpPr>
+          <p:nvPr>
+            <p:ph type="sldImg"/>
+          </p:nvPr>
+        </p:nvSpPr>
+        <p:spPr/>
+      </p:sp>
+      <p:sp>
+        <p:nvSpPr>
+          <p:cNvPr id="3" name="Notes Placeholder 2"/>
+          <p:cNvSpPr>
+            <a:spLocks noGrp="1"/>
+          </p:cNvSpPr>
+          <p:nvPr>
+            <p:ph type="body" idx="1"/>
+          </p:nvPr>
+        </p:nvSpPr>
+        <p:spPr/>
+        <p:txBody>
+          <a:bodyPr/>
+          <a:lstStyle/>
+          <a:p>
+            <a:r>
+              <a:rPr lang="en-US" dirty="0" smtClean="0"/>
+              <a:t>“expression has a valid liquid type derivation only if it has a valid ML type derivation”</a:t>
+            </a:r>
+          </a:p>
+          <a:p>
+            <a:endParaRPr lang="en-US" dirty="0" smtClean="0"/>
+          </a:p>
+          <a:p>
+            <a:r>
+              <a:rPr lang="en-US" dirty="0" smtClean="0"/>
+              <a:t>“dependent</a:t>
+            </a:r>
+            <a:r>
+              <a:rPr lang="en-US" baseline="0" dirty="0" smtClean="0"/>
+              <a:t> type of every </a:t>
+            </a:r>
+            <a:r>
+              <a:rPr lang="en-US" baseline="0" dirty="0" err="1" smtClean="0"/>
+              <a:t>subexpression</a:t>
+            </a:r>
+            <a:r>
+              <a:rPr lang="en-US" baseline="0" dirty="0" smtClean="0"/>
+              <a:t> is a refinement of its ML type”</a:t>
+            </a:r>
+          </a:p>
+          <a:p>
+            <a:endParaRPr lang="en-US" baseline="0" dirty="0" smtClean="0"/>
+          </a:p>
+          <a:p>
+            <a:r>
+              <a:rPr lang="en-US" baseline="0" dirty="0" smtClean="0"/>
+              <a:t>In the worst case scenario, no dependent type can be inferred and the inferred type is just the HM type</a:t>
+            </a:r>
+            <a:endParaRPr lang="en-US" dirty="0" smtClean="0"/>
+          </a:p>
+          <a:p>
             <a:endParaRPr lang="en-US" dirty="0"/>
           </a:p>
         </p:txBody>
@@ -850,7 +3251,368 @@
     </p:spTree>
     <p:extLst>
       <p:ext uri="{BB962C8B-B14F-4D97-AF65-F5344CB8AC3E}">
-        <p14:creationId xmlns:p14="http://schemas.microsoft.com/office/powerpoint/2010/main" val="495899549"/>
+        <p14:creationId xmlns:p14="http://schemas.microsoft.com/office/powerpoint/2010/main" val="3400471532"/>
+      </p:ext>
+    </p:extLst>
+  </p:cSld>
+  <p:clrMapOvr>
+    <a:masterClrMapping/>
+  </p:clrMapOvr>
+</p:notes>
+</file>
+
+<file path=ppt/notesSlides/notesSlide6.xml><?xml version="1.0" encoding="utf-8"?>
+<p:notes xmlns:a="http://schemas.openxmlformats.org/drawingml/2006/main" xmlns:r="http://schemas.openxmlformats.org/officeDocument/2006/relationships" xmlns:p="http://schemas.openxmlformats.org/presentationml/2006/main">
+  <p:cSld>
+    <p:spTree>
+      <p:nvGrpSpPr>
+        <p:cNvPr id="1" name=""/>
+        <p:cNvGrpSpPr/>
+        <p:nvPr/>
+      </p:nvGrpSpPr>
+      <p:grpSpPr>
+        <a:xfrm>
+          <a:off x="0" y="0"/>
+          <a:ext cx="0" cy="0"/>
+          <a:chOff x="0" y="0"/>
+          <a:chExt cx="0" cy="0"/>
+        </a:xfrm>
+      </p:grpSpPr>
+      <p:sp>
+        <p:nvSpPr>
+          <p:cNvPr id="2" name="Slide Image Placeholder 1"/>
+          <p:cNvSpPr>
+            <a:spLocks noGrp="1" noRot="1" noChangeAspect="1"/>
+          </p:cNvSpPr>
+          <p:nvPr>
+            <p:ph type="sldImg"/>
+          </p:nvPr>
+        </p:nvSpPr>
+        <p:spPr/>
+      </p:sp>
+      <p:sp>
+        <p:nvSpPr>
+          <p:cNvPr id="3" name="Notes Placeholder 2"/>
+          <p:cNvSpPr>
+            <a:spLocks noGrp="1"/>
+          </p:cNvSpPr>
+          <p:nvPr>
+            <p:ph type="body" idx="1"/>
+          </p:nvPr>
+        </p:nvSpPr>
+        <p:spPr/>
+        <p:txBody>
+          <a:bodyPr/>
+          <a:lstStyle/>
+          <a:p>
+            <a:r>
+              <a:rPr lang="en-US" dirty="0" smtClean="0"/>
+              <a:t>Bounded because there is a finite</a:t>
+            </a:r>
+            <a:r>
+              <a:rPr lang="en-US" baseline="0" dirty="0" smtClean="0"/>
+              <a:t> Q</a:t>
+            </a:r>
+          </a:p>
+          <a:p>
+            <a:endParaRPr lang="en-US" baseline="0" dirty="0" smtClean="0"/>
+          </a:p>
+          <a:p>
+            <a:r>
+              <a:rPr lang="en-US" baseline="0" dirty="0" smtClean="0"/>
+              <a:t>This is where stuff like control flow gets inserted into constraints</a:t>
+            </a:r>
+            <a:endParaRPr lang="en-US" dirty="0" smtClean="0"/>
+          </a:p>
+        </p:txBody>
+      </p:sp>
+      <p:sp>
+        <p:nvSpPr>
+          <p:cNvPr id="4" name="Slide Number Placeholder 3"/>
+          <p:cNvSpPr>
+            <a:spLocks noGrp="1"/>
+          </p:cNvSpPr>
+          <p:nvPr>
+            <p:ph type="sldNum" sz="quarter" idx="10"/>
+          </p:nvPr>
+        </p:nvSpPr>
+        <p:spPr/>
+        <p:txBody>
+          <a:bodyPr/>
+          <a:lstStyle/>
+          <a:p>
+            <a:fld id="{8C82A14D-CD87-3040-B8A6-05D9C670C6BA}" type="slidenum">
+              <a:rPr lang="en-US" smtClean="0"/>
+              <a:t>9</a:t>
+            </a:fld>
+            <a:endParaRPr lang="en-US"/>
+          </a:p>
+        </p:txBody>
+      </p:sp>
+    </p:spTree>
+    <p:extLst>
+      <p:ext uri="{BB962C8B-B14F-4D97-AF65-F5344CB8AC3E}">
+        <p14:creationId xmlns:p14="http://schemas.microsoft.com/office/powerpoint/2010/main" val="3400471532"/>
+      </p:ext>
+    </p:extLst>
+  </p:cSld>
+  <p:clrMapOvr>
+    <a:masterClrMapping/>
+  </p:clrMapOvr>
+</p:notes>
+</file>
+
+<file path=ppt/notesSlides/notesSlide7.xml><?xml version="1.0" encoding="utf-8"?>
+<p:notes xmlns:a="http://schemas.openxmlformats.org/drawingml/2006/main" xmlns:r="http://schemas.openxmlformats.org/officeDocument/2006/relationships" xmlns:p="http://schemas.openxmlformats.org/presentationml/2006/main">
+  <p:cSld>
+    <p:spTree>
+      <p:nvGrpSpPr>
+        <p:cNvPr id="1" name=""/>
+        <p:cNvGrpSpPr/>
+        <p:nvPr/>
+      </p:nvGrpSpPr>
+      <p:grpSpPr>
+        <a:xfrm>
+          <a:off x="0" y="0"/>
+          <a:ext cx="0" cy="0"/>
+          <a:chOff x="0" y="0"/>
+          <a:chExt cx="0" cy="0"/>
+        </a:xfrm>
+      </p:grpSpPr>
+      <p:sp>
+        <p:nvSpPr>
+          <p:cNvPr id="2" name="Slide Image Placeholder 1"/>
+          <p:cNvSpPr>
+            <a:spLocks noGrp="1" noRot="1" noChangeAspect="1"/>
+          </p:cNvSpPr>
+          <p:nvPr>
+            <p:ph type="sldImg"/>
+          </p:nvPr>
+        </p:nvSpPr>
+        <p:spPr/>
+      </p:sp>
+      <p:sp>
+        <p:nvSpPr>
+          <p:cNvPr id="3" name="Notes Placeholder 2"/>
+          <p:cNvSpPr>
+            <a:spLocks noGrp="1"/>
+          </p:cNvSpPr>
+          <p:nvPr>
+            <p:ph type="body" idx="1"/>
+          </p:nvPr>
+        </p:nvSpPr>
+        <p:spPr/>
+        <p:txBody>
+          <a:bodyPr/>
+          <a:lstStyle/>
+          <a:p>
+            <a:r>
+              <a:rPr lang="en-US" dirty="0" smtClean="0"/>
+              <a:t>Here</a:t>
+            </a:r>
+            <a:r>
+              <a:rPr lang="en-US" baseline="0" dirty="0" smtClean="0"/>
+              <a:t> the control flow is simplified with predicate abstraction to get a set of constraints that can be solved</a:t>
+            </a:r>
+            <a:endParaRPr lang="en-US" dirty="0" smtClean="0"/>
+          </a:p>
+        </p:txBody>
+      </p:sp>
+      <p:sp>
+        <p:nvSpPr>
+          <p:cNvPr id="4" name="Slide Number Placeholder 3"/>
+          <p:cNvSpPr>
+            <a:spLocks noGrp="1"/>
+          </p:cNvSpPr>
+          <p:nvPr>
+            <p:ph type="sldNum" sz="quarter" idx="10"/>
+          </p:nvPr>
+        </p:nvSpPr>
+        <p:spPr/>
+        <p:txBody>
+          <a:bodyPr/>
+          <a:lstStyle/>
+          <a:p>
+            <a:fld id="{8C82A14D-CD87-3040-B8A6-05D9C670C6BA}" type="slidenum">
+              <a:rPr lang="en-US" smtClean="0"/>
+              <a:t>10</a:t>
+            </a:fld>
+            <a:endParaRPr lang="en-US"/>
+          </a:p>
+        </p:txBody>
+      </p:sp>
+    </p:spTree>
+    <p:extLst>
+      <p:ext uri="{BB962C8B-B14F-4D97-AF65-F5344CB8AC3E}">
+        <p14:creationId xmlns:p14="http://schemas.microsoft.com/office/powerpoint/2010/main" val="3400471532"/>
+      </p:ext>
+    </p:extLst>
+  </p:cSld>
+  <p:clrMapOvr>
+    <a:masterClrMapping/>
+  </p:clrMapOvr>
+</p:notes>
+</file>
+
+<file path=ppt/notesSlides/notesSlide8.xml><?xml version="1.0" encoding="utf-8"?>
+<p:notes xmlns:a="http://schemas.openxmlformats.org/drawingml/2006/main" xmlns:r="http://schemas.openxmlformats.org/officeDocument/2006/relationships" xmlns:p="http://schemas.openxmlformats.org/presentationml/2006/main">
+  <p:cSld>
+    <p:spTree>
+      <p:nvGrpSpPr>
+        <p:cNvPr id="1" name=""/>
+        <p:cNvGrpSpPr/>
+        <p:nvPr/>
+      </p:nvGrpSpPr>
+      <p:grpSpPr>
+        <a:xfrm>
+          <a:off x="0" y="0"/>
+          <a:ext cx="0" cy="0"/>
+          <a:chOff x="0" y="0"/>
+          <a:chExt cx="0" cy="0"/>
+        </a:xfrm>
+      </p:grpSpPr>
+      <p:sp>
+        <p:nvSpPr>
+          <p:cNvPr id="2" name="Slide Image Placeholder 1"/>
+          <p:cNvSpPr>
+            <a:spLocks noGrp="1" noRot="1" noChangeAspect="1"/>
+          </p:cNvSpPr>
+          <p:nvPr>
+            <p:ph type="sldImg"/>
+          </p:nvPr>
+        </p:nvSpPr>
+        <p:spPr/>
+      </p:sp>
+      <p:sp>
+        <p:nvSpPr>
+          <p:cNvPr id="3" name="Notes Placeholder 2"/>
+          <p:cNvSpPr>
+            <a:spLocks noGrp="1"/>
+          </p:cNvSpPr>
+          <p:nvPr>
+            <p:ph type="body" idx="1"/>
+          </p:nvPr>
+        </p:nvSpPr>
+        <p:spPr/>
+        <p:txBody>
+          <a:bodyPr/>
+          <a:lstStyle/>
+          <a:p>
+            <a:endParaRPr lang="en-US" dirty="0" smtClean="0"/>
+          </a:p>
+        </p:txBody>
+      </p:sp>
+      <p:sp>
+        <p:nvSpPr>
+          <p:cNvPr id="4" name="Slide Number Placeholder 3"/>
+          <p:cNvSpPr>
+            <a:spLocks noGrp="1"/>
+          </p:cNvSpPr>
+          <p:nvPr>
+            <p:ph type="sldNum" sz="quarter" idx="10"/>
+          </p:nvPr>
+        </p:nvSpPr>
+        <p:spPr/>
+        <p:txBody>
+          <a:bodyPr/>
+          <a:lstStyle/>
+          <a:p>
+            <a:fld id="{8C82A14D-CD87-3040-B8A6-05D9C670C6BA}" type="slidenum">
+              <a:rPr lang="en-US" smtClean="0"/>
+              <a:t>12</a:t>
+            </a:fld>
+            <a:endParaRPr lang="en-US"/>
+          </a:p>
+        </p:txBody>
+      </p:sp>
+    </p:spTree>
+    <p:extLst>
+      <p:ext uri="{BB962C8B-B14F-4D97-AF65-F5344CB8AC3E}">
+        <p14:creationId xmlns:p14="http://schemas.microsoft.com/office/powerpoint/2010/main" val="3400471532"/>
+      </p:ext>
+    </p:extLst>
+  </p:cSld>
+  <p:clrMapOvr>
+    <a:masterClrMapping/>
+  </p:clrMapOvr>
+</p:notes>
+</file>
+
+<file path=ppt/notesSlides/notesSlide9.xml><?xml version="1.0" encoding="utf-8"?>
+<p:notes xmlns:a="http://schemas.openxmlformats.org/drawingml/2006/main" xmlns:r="http://schemas.openxmlformats.org/officeDocument/2006/relationships" xmlns:p="http://schemas.openxmlformats.org/presentationml/2006/main">
+  <p:cSld>
+    <p:spTree>
+      <p:nvGrpSpPr>
+        <p:cNvPr id="1" name=""/>
+        <p:cNvGrpSpPr/>
+        <p:nvPr/>
+      </p:nvGrpSpPr>
+      <p:grpSpPr>
+        <a:xfrm>
+          <a:off x="0" y="0"/>
+          <a:ext cx="0" cy="0"/>
+          <a:chOff x="0" y="0"/>
+          <a:chExt cx="0" cy="0"/>
+        </a:xfrm>
+      </p:grpSpPr>
+      <p:sp>
+        <p:nvSpPr>
+          <p:cNvPr id="2" name="Slide Image Placeholder 1"/>
+          <p:cNvSpPr>
+            <a:spLocks noGrp="1" noRot="1" noChangeAspect="1"/>
+          </p:cNvSpPr>
+          <p:nvPr>
+            <p:ph type="sldImg"/>
+          </p:nvPr>
+        </p:nvSpPr>
+        <p:spPr/>
+      </p:sp>
+      <p:sp>
+        <p:nvSpPr>
+          <p:cNvPr id="3" name="Notes Placeholder 2"/>
+          <p:cNvSpPr>
+            <a:spLocks noGrp="1"/>
+          </p:cNvSpPr>
+          <p:nvPr>
+            <p:ph type="body" idx="1"/>
+          </p:nvPr>
+        </p:nvSpPr>
+        <p:spPr/>
+        <p:txBody>
+          <a:bodyPr/>
+          <a:lstStyle/>
+          <a:p>
+            <a:endParaRPr lang="en-US" dirty="0" smtClean="0"/>
+          </a:p>
+        </p:txBody>
+      </p:sp>
+      <p:sp>
+        <p:nvSpPr>
+          <p:cNvPr id="4" name="Slide Number Placeholder 3"/>
+          <p:cNvSpPr>
+            <a:spLocks noGrp="1"/>
+          </p:cNvSpPr>
+          <p:nvPr>
+            <p:ph type="sldNum" sz="quarter" idx="10"/>
+          </p:nvPr>
+        </p:nvSpPr>
+        <p:spPr/>
+        <p:txBody>
+          <a:bodyPr/>
+          <a:lstStyle/>
+          <a:p>
+            <a:fld id="{8C82A14D-CD87-3040-B8A6-05D9C670C6BA}" type="slidenum">
+              <a:rPr lang="en-US" smtClean="0"/>
+              <a:t>13</a:t>
+            </a:fld>
+            <a:endParaRPr lang="en-US"/>
+          </a:p>
+        </p:txBody>
+      </p:sp>
+    </p:spTree>
+    <p:extLst>
+      <p:ext uri="{BB962C8B-B14F-4D97-AF65-F5344CB8AC3E}">
+        <p14:creationId xmlns:p14="http://schemas.microsoft.com/office/powerpoint/2010/main" val="3400471532"/>
       </p:ext>
     </p:extLst>
   </p:cSld>
@@ -1138,9 +3900,9 @@
           <a:bodyPr/>
           <a:lstStyle/>
           <a:p>
-            <a:fld id="{8A47C9AD-984C-4B40-A216-5587B3FD1516}" type="datetimeFigureOut">
+            <a:fld id="{58245A9B-CE3E-654D-B6CA-BE80B6E53484}" type="datetimeFigureOut">
               <a:rPr lang="en-US" smtClean="0"/>
-              <a:t>3/17/17</a:t>
+              <a:t>3/19/17</a:t>
             </a:fld>
             <a:endParaRPr lang="en-US"/>
           </a:p>
@@ -1367,7 +4129,7 @@
             </a:lvl1pPr>
           </a:lstStyle>
           <a:p>
-            <a:fld id="{2A9DE454-7C6F-6A44-81E1-5AFB5B8C868D}" type="slidenum">
+            <a:fld id="{99A5407A-41D5-A744-903B-EDB8B05F9253}" type="slidenum">
               <a:rPr lang="en-US" smtClean="0"/>
               <a:t>‹#›</a:t>
             </a:fld>
@@ -1531,9 +4293,9 @@
           <a:bodyPr/>
           <a:lstStyle/>
           <a:p>
-            <a:fld id="{8A47C9AD-984C-4B40-A216-5587B3FD1516}" type="datetimeFigureOut">
+            <a:fld id="{58245A9B-CE3E-654D-B6CA-BE80B6E53484}" type="datetimeFigureOut">
               <a:rPr lang="en-US" smtClean="0"/>
-              <a:t>3/17/17</a:t>
+              <a:t>3/19/17</a:t>
             </a:fld>
             <a:endParaRPr lang="en-US"/>
           </a:p>
@@ -1573,7 +4335,7 @@
           <a:bodyPr/>
           <a:lstStyle/>
           <a:p>
-            <a:fld id="{2A9DE454-7C6F-6A44-81E1-5AFB5B8C868D}" type="slidenum">
+            <a:fld id="{99A5407A-41D5-A744-903B-EDB8B05F9253}" type="slidenum">
               <a:rPr lang="en-US" smtClean="0"/>
               <a:t>‹#›</a:t>
             </a:fld>
@@ -1983,7 +4745,7 @@
           <a:bodyPr/>
           <a:lstStyle/>
           <a:p>
-            <a:fld id="{2A9DE454-7C6F-6A44-81E1-5AFB5B8C868D}" type="slidenum">
+            <a:fld id="{99A5407A-41D5-A744-903B-EDB8B05F9253}" type="slidenum">
               <a:rPr lang="en-US" smtClean="0"/>
               <a:t>‹#›</a:t>
             </a:fld>
@@ -2063,9 +4825,9 @@
           <a:bodyPr/>
           <a:lstStyle/>
           <a:p>
-            <a:fld id="{8A47C9AD-984C-4B40-A216-5587B3FD1516}" type="datetimeFigureOut">
+            <a:fld id="{58245A9B-CE3E-654D-B6CA-BE80B6E53484}" type="datetimeFigureOut">
               <a:rPr lang="en-US" smtClean="0"/>
-              <a:t>3/17/17</a:t>
+              <a:t>3/19/17</a:t>
             </a:fld>
             <a:endParaRPr lang="en-US"/>
           </a:p>
@@ -2196,9 +4958,9 @@
           <a:bodyPr/>
           <a:lstStyle/>
           <a:p>
-            <a:fld id="{8A47C9AD-984C-4B40-A216-5587B3FD1516}" type="datetimeFigureOut">
+            <a:fld id="{58245A9B-CE3E-654D-B6CA-BE80B6E53484}" type="datetimeFigureOut">
               <a:rPr lang="en-US" smtClean="0"/>
-              <a:t>3/17/17</a:t>
+              <a:t>3/19/17</a:t>
             </a:fld>
             <a:endParaRPr lang="en-US"/>
           </a:p>
@@ -2243,7 +5005,7 @@
           <a:bodyPr/>
           <a:lstStyle/>
           <a:p>
-            <a:fld id="{2A9DE454-7C6F-6A44-81E1-5AFB5B8C868D}" type="slidenum">
+            <a:fld id="{99A5407A-41D5-A744-903B-EDB8B05F9253}" type="slidenum">
               <a:rPr lang="en-US" smtClean="0"/>
               <a:t>‹#›</a:t>
             </a:fld>
@@ -2739,9 +5501,9 @@
           <a:bodyPr/>
           <a:lstStyle/>
           <a:p>
-            <a:fld id="{8A47C9AD-984C-4B40-A216-5587B3FD1516}" type="datetimeFigureOut">
+            <a:fld id="{58245A9B-CE3E-654D-B6CA-BE80B6E53484}" type="datetimeFigureOut">
               <a:rPr lang="en-US" smtClean="0"/>
-              <a:t>3/17/17</a:t>
+              <a:t>3/19/17</a:t>
             </a:fld>
             <a:endParaRPr lang="en-US"/>
           </a:p>
@@ -2911,7 +5673,7 @@
             </a:lvl1pPr>
           </a:lstStyle>
           <a:p>
-            <a:fld id="{2A9DE454-7C6F-6A44-81E1-5AFB5B8C868D}" type="slidenum">
+            <a:fld id="{99A5407A-41D5-A744-903B-EDB8B05F9253}" type="slidenum">
               <a:rPr lang="en-US" smtClean="0"/>
               <a:t>‹#›</a:t>
             </a:fld>
@@ -3034,9 +5796,9 @@
           <a:bodyPr/>
           <a:lstStyle/>
           <a:p>
-            <a:fld id="{8A47C9AD-984C-4B40-A216-5587B3FD1516}" type="datetimeFigureOut">
+            <a:fld id="{58245A9B-CE3E-654D-B6CA-BE80B6E53484}" type="datetimeFigureOut">
               <a:rPr lang="en-US" smtClean="0"/>
-              <a:t>3/17/17</a:t>
+              <a:t>3/19/17</a:t>
             </a:fld>
             <a:endParaRPr lang="en-US"/>
           </a:p>
@@ -3076,7 +5838,7 @@
           <a:bodyPr/>
           <a:lstStyle/>
           <a:p>
-            <a:fld id="{2A9DE454-7C6F-6A44-81E1-5AFB5B8C868D}" type="slidenum">
+            <a:fld id="{99A5407A-41D5-A744-903B-EDB8B05F9253}" type="slidenum">
               <a:rPr lang="en-US" smtClean="0"/>
               <a:t>‹#›</a:t>
             </a:fld>
@@ -3693,9 +6455,9 @@
           <a:bodyPr/>
           <a:lstStyle/>
           <a:p>
-            <a:fld id="{8A47C9AD-984C-4B40-A216-5587B3FD1516}" type="datetimeFigureOut">
+            <a:fld id="{58245A9B-CE3E-654D-B6CA-BE80B6E53484}" type="datetimeFigureOut">
               <a:rPr lang="en-US" smtClean="0"/>
-              <a:t>3/17/17</a:t>
+              <a:t>3/19/17</a:t>
             </a:fld>
             <a:endParaRPr lang="en-US"/>
           </a:p>
@@ -4035,7 +6797,7 @@
             </a:lvl1pPr>
           </a:lstStyle>
           <a:p>
-            <a:fld id="{2A9DE454-7C6F-6A44-81E1-5AFB5B8C868D}" type="slidenum">
+            <a:fld id="{99A5407A-41D5-A744-903B-EDB8B05F9253}" type="slidenum">
               <a:rPr lang="en-US" smtClean="0"/>
               <a:t>‹#›</a:t>
             </a:fld>
@@ -4129,9 +6891,9 @@
           <a:bodyPr/>
           <a:lstStyle/>
           <a:p>
-            <a:fld id="{8A47C9AD-984C-4B40-A216-5587B3FD1516}" type="datetimeFigureOut">
+            <a:fld id="{58245A9B-CE3E-654D-B6CA-BE80B6E53484}" type="datetimeFigureOut">
               <a:rPr lang="en-US" smtClean="0"/>
-              <a:t>3/17/17</a:t>
+              <a:t>3/19/17</a:t>
             </a:fld>
             <a:endParaRPr lang="en-US"/>
           </a:p>
@@ -4176,7 +6938,7 @@
           <a:bodyPr/>
           <a:lstStyle/>
           <a:p>
-            <a:fld id="{2A9DE454-7C6F-6A44-81E1-5AFB5B8C868D}" type="slidenum">
+            <a:fld id="{99A5407A-41D5-A744-903B-EDB8B05F9253}" type="slidenum">
               <a:rPr lang="en-US" smtClean="0"/>
               <a:t>‹#›</a:t>
             </a:fld>
@@ -4442,9 +7204,9 @@
           <a:bodyPr/>
           <a:lstStyle/>
           <a:p>
-            <a:fld id="{8A47C9AD-984C-4B40-A216-5587B3FD1516}" type="datetimeFigureOut">
+            <a:fld id="{58245A9B-CE3E-654D-B6CA-BE80B6E53484}" type="datetimeFigureOut">
               <a:rPr lang="en-US" smtClean="0"/>
-              <a:t>3/17/17</a:t>
+              <a:t>3/19/17</a:t>
             </a:fld>
             <a:endParaRPr lang="en-US"/>
           </a:p>
@@ -4497,7 +7259,7 @@
             </a:lvl1pPr>
           </a:lstStyle>
           <a:p>
-            <a:fld id="{2A9DE454-7C6F-6A44-81E1-5AFB5B8C868D}" type="slidenum">
+            <a:fld id="{99A5407A-41D5-A744-903B-EDB8B05F9253}" type="slidenum">
               <a:rPr lang="en-US" smtClean="0"/>
               <a:t>‹#›</a:t>
             </a:fld>
@@ -5115,7 +7877,7 @@
             </a:lvl1pPr>
           </a:lstStyle>
           <a:p>
-            <a:fld id="{2A9DE454-7C6F-6A44-81E1-5AFB5B8C868D}" type="slidenum">
+            <a:fld id="{99A5407A-41D5-A744-903B-EDB8B05F9253}" type="slidenum">
               <a:rPr lang="en-US" smtClean="0"/>
               <a:t>‹#›</a:t>
             </a:fld>
@@ -5174,9 +7936,9 @@
           <a:bodyPr/>
           <a:lstStyle/>
           <a:p>
-            <a:fld id="{8A47C9AD-984C-4B40-A216-5587B3FD1516}" type="datetimeFigureOut">
+            <a:fld id="{58245A9B-CE3E-654D-B6CA-BE80B6E53484}" type="datetimeFigureOut">
               <a:rPr lang="en-US" smtClean="0"/>
-              <a:t>3/17/17</a:t>
+              <a:t>3/19/17</a:t>
             </a:fld>
             <a:endParaRPr lang="en-US"/>
           </a:p>
@@ -5649,7 +8411,7 @@
           <a:bodyPr/>
           <a:lstStyle/>
           <a:p>
-            <a:fld id="{2A9DE454-7C6F-6A44-81E1-5AFB5B8C868D}" type="slidenum">
+            <a:fld id="{99A5407A-41D5-A744-903B-EDB8B05F9253}" type="slidenum">
               <a:rPr lang="en-US" smtClean="0"/>
               <a:t>‹#›</a:t>
             </a:fld>
@@ -5838,9 +8600,9 @@
           <a:bodyPr/>
           <a:lstStyle/>
           <a:p>
-            <a:fld id="{8A47C9AD-984C-4B40-A216-5587B3FD1516}" type="datetimeFigureOut">
+            <a:fld id="{58245A9B-CE3E-654D-B6CA-BE80B6E53484}" type="datetimeFigureOut">
               <a:rPr lang="en-US" smtClean="0"/>
-              <a:t>3/17/17</a:t>
+              <a:t>3/19/17</a:t>
             </a:fld>
             <a:endParaRPr lang="en-US"/>
           </a:p>
@@ -6111,9 +8873,9 @@
             </a:lvl1pPr>
           </a:lstStyle>
           <a:p>
-            <a:fld id="{8A47C9AD-984C-4B40-A216-5587B3FD1516}" type="datetimeFigureOut">
+            <a:fld id="{58245A9B-CE3E-654D-B6CA-BE80B6E53484}" type="datetimeFigureOut">
               <a:rPr lang="en-US" smtClean="0"/>
-              <a:t>3/17/17</a:t>
+              <a:t>3/19/17</a:t>
             </a:fld>
             <a:endParaRPr lang="en-US"/>
           </a:p>
@@ -6361,7 +9123,7 @@
             </a:lvl1pPr>
           </a:lstStyle>
           <a:p>
-            <a:fld id="{2A9DE454-7C6F-6A44-81E1-5AFB5B8C868D}" type="slidenum">
+            <a:fld id="{99A5407A-41D5-A744-903B-EDB8B05F9253}" type="slidenum">
               <a:rPr lang="en-US" smtClean="0"/>
               <a:t>‹#›</a:t>
             </a:fld>
@@ -6468,17 +9230,17 @@
   </p:cSld>
   <p:clrMap bg1="lt1" tx1="dk1" bg2="lt2" tx2="dk2" accent1="accent1" accent2="accent2" accent3="accent3" accent4="accent4" accent5="accent5" accent6="accent6" hlink="hlink" folHlink="folHlink"/>
   <p:sldLayoutIdLst>
-    <p:sldLayoutId id="2147483698" r:id="rId1"/>
-    <p:sldLayoutId id="2147483699" r:id="rId2"/>
-    <p:sldLayoutId id="2147483700" r:id="rId3"/>
-    <p:sldLayoutId id="2147483701" r:id="rId4"/>
-    <p:sldLayoutId id="2147483702" r:id="rId5"/>
-    <p:sldLayoutId id="2147483703" r:id="rId6"/>
-    <p:sldLayoutId id="2147483704" r:id="rId7"/>
-    <p:sldLayoutId id="2147483705" r:id="rId8"/>
-    <p:sldLayoutId id="2147483706" r:id="rId9"/>
-    <p:sldLayoutId id="2147483707" r:id="rId10"/>
-    <p:sldLayoutId id="2147483708" r:id="rId11"/>
+    <p:sldLayoutId id="2147483661" r:id="rId1"/>
+    <p:sldLayoutId id="2147483662" r:id="rId2"/>
+    <p:sldLayoutId id="2147483663" r:id="rId3"/>
+    <p:sldLayoutId id="2147483664" r:id="rId4"/>
+    <p:sldLayoutId id="2147483665" r:id="rId5"/>
+    <p:sldLayoutId id="2147483666" r:id="rId6"/>
+    <p:sldLayoutId id="2147483667" r:id="rId7"/>
+    <p:sldLayoutId id="2147483668" r:id="rId8"/>
+    <p:sldLayoutId id="2147483669" r:id="rId9"/>
+    <p:sldLayoutId id="2147483670" r:id="rId10"/>
+    <p:sldLayoutId id="2147483671" r:id="rId11"/>
   </p:sldLayoutIdLst>
   <p:txStyles>
     <p:titleStyle>
@@ -7034,7 +9796,1704 @@
     </p:spTree>
     <p:extLst>
       <p:ext uri="{BB962C8B-B14F-4D97-AF65-F5344CB8AC3E}">
-        <p14:creationId xmlns:p14="http://schemas.microsoft.com/office/powerpoint/2010/main" val="1041564188"/>
+        <p14:creationId xmlns:p14="http://schemas.microsoft.com/office/powerpoint/2010/main" val="914921716"/>
+      </p:ext>
+    </p:extLst>
+  </p:cSld>
+  <p:clrMapOvr>
+    <a:masterClrMapping/>
+  </p:clrMapOvr>
+  <p:timing>
+    <p:tnLst>
+      <p:par>
+        <p:cTn xmlns:p14="http://schemas.microsoft.com/office/powerpoint/2010/main" id="1" dur="indefinite" restart="never" nodeType="tmRoot"/>
+      </p:par>
+    </p:tnLst>
+  </p:timing>
+</p:sld>
+</file>
+
+<file path=ppt/slides/slide10.xml><?xml version="1.0" encoding="utf-8"?>
+<p:sld xmlns:a="http://schemas.openxmlformats.org/drawingml/2006/main" xmlns:r="http://schemas.openxmlformats.org/officeDocument/2006/relationships" xmlns:p="http://schemas.openxmlformats.org/presentationml/2006/main">
+  <p:cSld>
+    <p:spTree>
+      <p:nvGrpSpPr>
+        <p:cNvPr id="1" name=""/>
+        <p:cNvGrpSpPr/>
+        <p:nvPr/>
+      </p:nvGrpSpPr>
+      <p:grpSpPr>
+        <a:xfrm>
+          <a:off x="0" y="0"/>
+          <a:ext cx="0" cy="0"/>
+          <a:chOff x="0" y="0"/>
+          <a:chExt cx="0" cy="0"/>
+        </a:xfrm>
+      </p:grpSpPr>
+      <p:sp>
+        <p:nvSpPr>
+          <p:cNvPr id="2" name="Title 1"/>
+          <p:cNvSpPr>
+            <a:spLocks noGrp="1"/>
+          </p:cNvSpPr>
+          <p:nvPr>
+            <p:ph type="title"/>
+          </p:nvPr>
+        </p:nvSpPr>
+        <p:spPr/>
+        <p:txBody>
+          <a:bodyPr/>
+          <a:lstStyle/>
+          <a:p>
+            <a:r>
+              <a:rPr lang="en-US" dirty="0" smtClean="0"/>
+              <a:t>Constraint Solving</a:t>
+            </a:r>
+            <a:endParaRPr lang="en-US" dirty="0"/>
+          </a:p>
+        </p:txBody>
+      </p:sp>
+      <p:sp>
+        <p:nvSpPr>
+          <p:cNvPr id="10" name="Content Placeholder 9"/>
+          <p:cNvSpPr>
+            <a:spLocks noGrp="1"/>
+          </p:cNvSpPr>
+          <p:nvPr>
+            <p:ph sz="quarter" idx="1"/>
+          </p:nvPr>
+        </p:nvSpPr>
+        <p:spPr/>
+        <p:txBody>
+          <a:bodyPr/>
+          <a:lstStyle/>
+          <a:p>
+            <a:r>
+              <a:rPr lang="en-US" dirty="0" smtClean="0"/>
+              <a:t>Split the generated complex constraints into simpler constraints</a:t>
+            </a:r>
+          </a:p>
+          <a:p>
+            <a:r>
+              <a:rPr lang="en-US" dirty="0" smtClean="0"/>
+              <a:t>Solve by iteratively weakening the constraints</a:t>
+            </a:r>
+          </a:p>
+          <a:p>
+            <a:r>
+              <a:rPr lang="en-US" dirty="0" smtClean="0"/>
+              <a:t>This will find the “</a:t>
+            </a:r>
+            <a:r>
+              <a:rPr lang="en-US" dirty="0" err="1" smtClean="0"/>
+              <a:t>fixpoint</a:t>
+            </a:r>
+            <a:r>
+              <a:rPr lang="en-US" dirty="0" smtClean="0"/>
+              <a:t>” </a:t>
+            </a:r>
+          </a:p>
+          <a:p>
+            <a:pPr lvl="1"/>
+            <a:r>
+              <a:rPr lang="en-US" dirty="0" smtClean="0"/>
+              <a:t>Dependent type annotations that work </a:t>
+            </a:r>
+            <a:endParaRPr lang="en-US" dirty="0"/>
+          </a:p>
+        </p:txBody>
+      </p:sp>
+      <p:sp>
+        <p:nvSpPr>
+          <p:cNvPr id="9" name="TextBox 8"/>
+          <p:cNvSpPr txBox="1"/>
+          <p:nvPr/>
+        </p:nvSpPr>
+        <p:spPr>
+          <a:xfrm>
+            <a:off x="4438315" y="1069513"/>
+            <a:ext cx="588209" cy="400110"/>
+          </a:xfrm>
+          <a:prstGeom prst="rect">
+            <a:avLst/>
+          </a:prstGeom>
+          <a:noFill/>
+        </p:spPr>
+        <p:txBody>
+          <a:bodyPr wrap="square" rtlCol="0">
+            <a:spAutoFit/>
+          </a:bodyPr>
+          <a:lstStyle/>
+          <a:p>
+            <a:r>
+              <a:rPr lang="el-GR" sz="2000" dirty="0" smtClean="0"/>
+              <a:t>λ</a:t>
+            </a:r>
+            <a:endParaRPr lang="en-US" sz="2000" dirty="0"/>
+          </a:p>
+        </p:txBody>
+      </p:sp>
+    </p:spTree>
+    <p:extLst>
+      <p:ext uri="{BB962C8B-B14F-4D97-AF65-F5344CB8AC3E}">
+        <p14:creationId xmlns:p14="http://schemas.microsoft.com/office/powerpoint/2010/main" val="2271420296"/>
+      </p:ext>
+    </p:extLst>
+  </p:cSld>
+  <p:clrMapOvr>
+    <a:masterClrMapping/>
+  </p:clrMapOvr>
+  <p:timing>
+    <p:tnLst>
+      <p:par>
+        <p:cTn xmlns:p14="http://schemas.microsoft.com/office/powerpoint/2010/main" id="1" dur="indefinite" restart="never" nodeType="tmRoot"/>
+      </p:par>
+    </p:tnLst>
+  </p:timing>
+</p:sld>
+</file>
+
+<file path=ppt/slides/slide11.xml><?xml version="1.0" encoding="utf-8"?>
+<p:sld xmlns:a="http://schemas.openxmlformats.org/drawingml/2006/main" xmlns:r="http://schemas.openxmlformats.org/officeDocument/2006/relationships" xmlns:p="http://schemas.openxmlformats.org/presentationml/2006/main">
+  <p:cSld>
+    <p:spTree>
+      <p:nvGrpSpPr>
+        <p:cNvPr id="1" name=""/>
+        <p:cNvGrpSpPr/>
+        <p:nvPr/>
+      </p:nvGrpSpPr>
+      <p:grpSpPr>
+        <a:xfrm>
+          <a:off x="0" y="0"/>
+          <a:ext cx="0" cy="0"/>
+          <a:chOff x="0" y="0"/>
+          <a:chExt cx="0" cy="0"/>
+        </a:xfrm>
+      </p:grpSpPr>
+      <p:sp>
+        <p:nvSpPr>
+          <p:cNvPr id="2" name="Text Placeholder 1"/>
+          <p:cNvSpPr>
+            <a:spLocks noGrp="1"/>
+          </p:cNvSpPr>
+          <p:nvPr>
+            <p:ph type="body" idx="1"/>
+          </p:nvPr>
+        </p:nvSpPr>
+        <p:spPr/>
+        <p:txBody>
+          <a:bodyPr/>
+          <a:lstStyle/>
+          <a:p>
+            <a:r>
+              <a:rPr lang="en-US" dirty="0" smtClean="0"/>
+              <a:t>Notation</a:t>
+            </a:r>
+          </a:p>
+          <a:p>
+            <a:r>
+              <a:rPr lang="en-US" dirty="0" smtClean="0"/>
+              <a:t>Features</a:t>
+            </a:r>
+          </a:p>
+          <a:p>
+            <a:endParaRPr lang="en-US" dirty="0"/>
+          </a:p>
+        </p:txBody>
+      </p:sp>
+      <p:sp>
+        <p:nvSpPr>
+          <p:cNvPr id="3" name="Title 2"/>
+          <p:cNvSpPr>
+            <a:spLocks noGrp="1"/>
+          </p:cNvSpPr>
+          <p:nvPr>
+            <p:ph type="title"/>
+          </p:nvPr>
+        </p:nvSpPr>
+        <p:spPr/>
+        <p:txBody>
+          <a:bodyPr/>
+          <a:lstStyle/>
+          <a:p>
+            <a:r>
+              <a:rPr lang="en-US" dirty="0" smtClean="0"/>
+              <a:t>Example</a:t>
+            </a:r>
+            <a:endParaRPr lang="en-US" dirty="0"/>
+          </a:p>
+        </p:txBody>
+      </p:sp>
+      <p:sp>
+        <p:nvSpPr>
+          <p:cNvPr id="4" name="TextBox 3"/>
+          <p:cNvSpPr txBox="1"/>
+          <p:nvPr/>
+        </p:nvSpPr>
+        <p:spPr>
+          <a:xfrm>
+            <a:off x="4438315" y="2204353"/>
+            <a:ext cx="588209" cy="400110"/>
+          </a:xfrm>
+          <a:prstGeom prst="rect">
+            <a:avLst/>
+          </a:prstGeom>
+          <a:noFill/>
+        </p:spPr>
+        <p:txBody>
+          <a:bodyPr wrap="square" rtlCol="0">
+            <a:spAutoFit/>
+          </a:bodyPr>
+          <a:lstStyle/>
+          <a:p>
+            <a:r>
+              <a:rPr lang="el-GR" sz="2000" dirty="0" smtClean="0"/>
+              <a:t>λ</a:t>
+            </a:r>
+            <a:endParaRPr lang="en-US" sz="2000" dirty="0"/>
+          </a:p>
+        </p:txBody>
+      </p:sp>
+    </p:spTree>
+    <p:extLst>
+      <p:ext uri="{BB962C8B-B14F-4D97-AF65-F5344CB8AC3E}">
+        <p14:creationId xmlns:p14="http://schemas.microsoft.com/office/powerpoint/2010/main" val="4192674816"/>
+      </p:ext>
+    </p:extLst>
+  </p:cSld>
+  <p:clrMapOvr>
+    <a:masterClrMapping/>
+  </p:clrMapOvr>
+  <p:timing>
+    <p:tnLst>
+      <p:par>
+        <p:cTn xmlns:p14="http://schemas.microsoft.com/office/powerpoint/2010/main" id="1" dur="indefinite" restart="never" nodeType="tmRoot"/>
+      </p:par>
+    </p:tnLst>
+  </p:timing>
+</p:sld>
+</file>
+
+<file path=ppt/slides/slide12.xml><?xml version="1.0" encoding="utf-8"?>
+<p:sld xmlns:a="http://schemas.openxmlformats.org/drawingml/2006/main" xmlns:r="http://schemas.openxmlformats.org/officeDocument/2006/relationships" xmlns:p="http://schemas.openxmlformats.org/presentationml/2006/main">
+  <p:cSld>
+    <p:spTree>
+      <p:nvGrpSpPr>
+        <p:cNvPr id="1" name=""/>
+        <p:cNvGrpSpPr/>
+        <p:nvPr/>
+      </p:nvGrpSpPr>
+      <p:grpSpPr>
+        <a:xfrm>
+          <a:off x="0" y="0"/>
+          <a:ext cx="0" cy="0"/>
+          <a:chOff x="0" y="0"/>
+          <a:chExt cx="0" cy="0"/>
+        </a:xfrm>
+      </p:grpSpPr>
+      <p:sp>
+        <p:nvSpPr>
+          <p:cNvPr id="2" name="Title 1"/>
+          <p:cNvSpPr>
+            <a:spLocks noGrp="1"/>
+          </p:cNvSpPr>
+          <p:nvPr>
+            <p:ph type="title"/>
+          </p:nvPr>
+        </p:nvSpPr>
+        <p:spPr/>
+        <p:txBody>
+          <a:bodyPr/>
+          <a:lstStyle/>
+          <a:p>
+            <a:r>
+              <a:rPr lang="en-US" dirty="0" smtClean="0"/>
+              <a:t>Example OCAML Program</a:t>
+            </a:r>
+            <a:endParaRPr lang="en-US" dirty="0"/>
+          </a:p>
+        </p:txBody>
+      </p:sp>
+      <p:sp>
+        <p:nvSpPr>
+          <p:cNvPr id="10" name="Content Placeholder 9"/>
+          <p:cNvSpPr>
+            <a:spLocks noGrp="1"/>
+          </p:cNvSpPr>
+          <p:nvPr>
+            <p:ph sz="quarter" idx="1"/>
+          </p:nvPr>
+        </p:nvSpPr>
+        <p:spPr/>
+        <p:txBody>
+          <a:bodyPr/>
+          <a:lstStyle/>
+          <a:p>
+            <a:pPr marL="0" indent="0">
+              <a:buNone/>
+            </a:pPr>
+            <a:r>
+              <a:rPr lang="en-US" dirty="0"/>
+              <a:t>Example OCAML </a:t>
+            </a:r>
+            <a:r>
+              <a:rPr lang="en-US" dirty="0" smtClean="0"/>
+              <a:t>Program:</a:t>
+            </a:r>
+            <a:endParaRPr lang="en-US" dirty="0" smtClean="0">
+              <a:latin typeface="Consolas"/>
+              <a:cs typeface="Consolas"/>
+            </a:endParaRPr>
+          </a:p>
+          <a:p>
+            <a:pPr marL="0" indent="0">
+              <a:buNone/>
+            </a:pPr>
+            <a:r>
+              <a:rPr lang="en-US" dirty="0" smtClean="0">
+                <a:latin typeface="Consolas"/>
+                <a:cs typeface="Consolas"/>
+              </a:rPr>
+              <a:t>let max x y = </a:t>
+            </a:r>
+          </a:p>
+          <a:p>
+            <a:pPr marL="0" indent="0">
+              <a:buNone/>
+            </a:pPr>
+            <a:r>
+              <a:rPr lang="en-US" dirty="0">
+                <a:latin typeface="Consolas"/>
+                <a:cs typeface="Consolas"/>
+              </a:rPr>
+              <a:t>	</a:t>
+            </a:r>
+            <a:r>
+              <a:rPr lang="en-US" dirty="0" smtClean="0">
+                <a:latin typeface="Consolas"/>
+                <a:cs typeface="Consolas"/>
+              </a:rPr>
+              <a:t>if x &gt; y</a:t>
+            </a:r>
+          </a:p>
+          <a:p>
+            <a:pPr marL="0" indent="0">
+              <a:buNone/>
+            </a:pPr>
+            <a:r>
+              <a:rPr lang="en-US" dirty="0">
+                <a:latin typeface="Consolas"/>
+                <a:cs typeface="Consolas"/>
+              </a:rPr>
+              <a:t>	</a:t>
+            </a:r>
+            <a:r>
+              <a:rPr lang="en-US" dirty="0" smtClean="0">
+                <a:latin typeface="Consolas"/>
+                <a:cs typeface="Consolas"/>
+              </a:rPr>
+              <a:t>	then x</a:t>
+            </a:r>
+          </a:p>
+          <a:p>
+            <a:pPr marL="0" indent="0">
+              <a:buNone/>
+            </a:pPr>
+            <a:r>
+              <a:rPr lang="en-US" dirty="0">
+                <a:latin typeface="Consolas"/>
+                <a:cs typeface="Consolas"/>
+              </a:rPr>
+              <a:t>	</a:t>
+            </a:r>
+            <a:r>
+              <a:rPr lang="en-US" dirty="0" smtClean="0">
+                <a:latin typeface="Consolas"/>
+                <a:cs typeface="Consolas"/>
+              </a:rPr>
+              <a:t>	else y </a:t>
+            </a:r>
+          </a:p>
+          <a:p>
+            <a:pPr marL="0" indent="0">
+              <a:buNone/>
+            </a:pPr>
+            <a:endParaRPr lang="en-US" dirty="0" smtClean="0">
+              <a:latin typeface="Consolas"/>
+              <a:cs typeface="Consolas"/>
+            </a:endParaRPr>
+          </a:p>
+          <a:p>
+            <a:pPr marL="0" indent="0">
+              <a:buNone/>
+            </a:pPr>
+            <a:r>
+              <a:rPr lang="en-US" dirty="0" smtClean="0"/>
+              <a:t>Example </a:t>
+            </a:r>
+            <a:r>
+              <a:rPr lang="en-US" dirty="0" err="1" smtClean="0"/>
+              <a:t>Qualifers</a:t>
+            </a:r>
+            <a:r>
+              <a:rPr lang="en-US" dirty="0" smtClean="0"/>
+              <a:t>:</a:t>
+            </a:r>
+            <a:endParaRPr lang="en-US" dirty="0">
+              <a:latin typeface="Consolas"/>
+              <a:cs typeface="Consolas"/>
+            </a:endParaRPr>
+          </a:p>
+        </p:txBody>
+      </p:sp>
+      <p:sp>
+        <p:nvSpPr>
+          <p:cNvPr id="9" name="TextBox 8"/>
+          <p:cNvSpPr txBox="1"/>
+          <p:nvPr/>
+        </p:nvSpPr>
+        <p:spPr>
+          <a:xfrm>
+            <a:off x="4438315" y="1069513"/>
+            <a:ext cx="588209" cy="400110"/>
+          </a:xfrm>
+          <a:prstGeom prst="rect">
+            <a:avLst/>
+          </a:prstGeom>
+          <a:noFill/>
+        </p:spPr>
+        <p:txBody>
+          <a:bodyPr wrap="square" rtlCol="0">
+            <a:spAutoFit/>
+          </a:bodyPr>
+          <a:lstStyle/>
+          <a:p>
+            <a:r>
+              <a:rPr lang="el-GR" sz="2000" dirty="0" smtClean="0"/>
+              <a:t>λ</a:t>
+            </a:r>
+            <a:endParaRPr lang="en-US" sz="2000" dirty="0"/>
+          </a:p>
+        </p:txBody>
+      </p:sp>
+      <p:pic>
+        <p:nvPicPr>
+          <p:cNvPr id="6" name="Picture 5" descr="latex-image-1.pdf"/>
+          <p:cNvPicPr>
+            <a:picLocks noChangeAspect="1"/>
+          </p:cNvPicPr>
+          <p:nvPr/>
+        </p:nvPicPr>
+        <p:blipFill>
+          <a:blip r:embed="rId3">
+            <a:extLst>
+              <a:ext uri="{28A0092B-C50C-407E-A947-70E740481C1C}">
+                <a14:useLocalDpi xmlns:a14="http://schemas.microsoft.com/office/drawing/2010/main" val="0"/>
+              </a:ext>
+            </a:extLst>
+          </a:blip>
+          <a:stretch>
+            <a:fillRect/>
+          </a:stretch>
+        </p:blipFill>
+        <p:spPr>
+          <a:xfrm>
+            <a:off x="986349" y="5026927"/>
+            <a:ext cx="7196016" cy="471631"/>
+          </a:xfrm>
+          <a:prstGeom prst="rect">
+            <a:avLst/>
+          </a:prstGeom>
+        </p:spPr>
+      </p:pic>
+    </p:spTree>
+    <p:extLst>
+      <p:ext uri="{BB962C8B-B14F-4D97-AF65-F5344CB8AC3E}">
+        <p14:creationId xmlns:p14="http://schemas.microsoft.com/office/powerpoint/2010/main" val="1734296490"/>
+      </p:ext>
+    </p:extLst>
+  </p:cSld>
+  <p:clrMapOvr>
+    <a:masterClrMapping/>
+  </p:clrMapOvr>
+  <p:timing>
+    <p:tnLst>
+      <p:par>
+        <p:cTn xmlns:p14="http://schemas.microsoft.com/office/powerpoint/2010/main" id="1" dur="indefinite" restart="never" nodeType="tmRoot"/>
+      </p:par>
+    </p:tnLst>
+  </p:timing>
+</p:sld>
+</file>
+
+<file path=ppt/slides/slide13.xml><?xml version="1.0" encoding="utf-8"?>
+<p:sld xmlns:a="http://schemas.openxmlformats.org/drawingml/2006/main" xmlns:r="http://schemas.openxmlformats.org/officeDocument/2006/relationships" xmlns:p="http://schemas.openxmlformats.org/presentationml/2006/main">
+  <p:cSld>
+    <p:spTree>
+      <p:nvGrpSpPr>
+        <p:cNvPr id="1" name=""/>
+        <p:cNvGrpSpPr/>
+        <p:nvPr/>
+      </p:nvGrpSpPr>
+      <p:grpSpPr>
+        <a:xfrm>
+          <a:off x="0" y="0"/>
+          <a:ext cx="0" cy="0"/>
+          <a:chOff x="0" y="0"/>
+          <a:chExt cx="0" cy="0"/>
+        </a:xfrm>
+      </p:grpSpPr>
+      <p:sp>
+        <p:nvSpPr>
+          <p:cNvPr id="2" name="Title 1"/>
+          <p:cNvSpPr>
+            <a:spLocks noGrp="1"/>
+          </p:cNvSpPr>
+          <p:nvPr>
+            <p:ph type="title"/>
+          </p:nvPr>
+        </p:nvSpPr>
+        <p:spPr/>
+        <p:txBody>
+          <a:bodyPr/>
+          <a:lstStyle/>
+          <a:p>
+            <a:r>
+              <a:rPr lang="en-US" dirty="0" smtClean="0"/>
+              <a:t>Example Output</a:t>
+            </a:r>
+            <a:endParaRPr lang="en-US" dirty="0"/>
+          </a:p>
+        </p:txBody>
+      </p:sp>
+      <p:sp>
+        <p:nvSpPr>
+          <p:cNvPr id="10" name="Content Placeholder 9"/>
+          <p:cNvSpPr>
+            <a:spLocks noGrp="1"/>
+          </p:cNvSpPr>
+          <p:nvPr>
+            <p:ph sz="quarter" idx="1"/>
+          </p:nvPr>
+        </p:nvSpPr>
+        <p:spPr/>
+        <p:txBody>
+          <a:bodyPr/>
+          <a:lstStyle/>
+          <a:p>
+            <a:pPr marL="0" indent="0">
+              <a:buNone/>
+            </a:pPr>
+            <a:endParaRPr lang="en-US" dirty="0" smtClean="0">
+              <a:latin typeface="Consolas"/>
+              <a:cs typeface="Consolas"/>
+            </a:endParaRPr>
+          </a:p>
+          <a:p>
+            <a:pPr marL="0" indent="0">
+              <a:buNone/>
+            </a:pPr>
+            <a:r>
+              <a:rPr lang="en-US" dirty="0" smtClean="0">
+                <a:latin typeface="Consolas"/>
+                <a:cs typeface="Consolas"/>
+              </a:rPr>
+              <a:t>let max x y = </a:t>
+            </a:r>
+          </a:p>
+          <a:p>
+            <a:pPr marL="0" indent="0">
+              <a:buNone/>
+            </a:pPr>
+            <a:r>
+              <a:rPr lang="en-US" dirty="0">
+                <a:latin typeface="Consolas"/>
+                <a:cs typeface="Consolas"/>
+              </a:rPr>
+              <a:t>	</a:t>
+            </a:r>
+            <a:r>
+              <a:rPr lang="en-US" dirty="0" smtClean="0">
+                <a:latin typeface="Consolas"/>
+                <a:cs typeface="Consolas"/>
+              </a:rPr>
+              <a:t>if x &gt; y</a:t>
+            </a:r>
+          </a:p>
+          <a:p>
+            <a:pPr marL="0" indent="0">
+              <a:buNone/>
+            </a:pPr>
+            <a:r>
+              <a:rPr lang="en-US" dirty="0">
+                <a:latin typeface="Consolas"/>
+                <a:cs typeface="Consolas"/>
+              </a:rPr>
+              <a:t>	</a:t>
+            </a:r>
+            <a:r>
+              <a:rPr lang="en-US" dirty="0" smtClean="0">
+                <a:latin typeface="Consolas"/>
+                <a:cs typeface="Consolas"/>
+              </a:rPr>
+              <a:t>	then x</a:t>
+            </a:r>
+          </a:p>
+          <a:p>
+            <a:pPr marL="0" indent="0">
+              <a:buNone/>
+            </a:pPr>
+            <a:r>
+              <a:rPr lang="en-US" dirty="0">
+                <a:latin typeface="Consolas"/>
+                <a:cs typeface="Consolas"/>
+              </a:rPr>
+              <a:t>	</a:t>
+            </a:r>
+            <a:r>
+              <a:rPr lang="en-US" dirty="0" smtClean="0">
+                <a:latin typeface="Consolas"/>
+                <a:cs typeface="Consolas"/>
+              </a:rPr>
+              <a:t>	else y </a:t>
+            </a:r>
+            <a:endParaRPr lang="en-US" dirty="0">
+              <a:latin typeface="Consolas"/>
+              <a:cs typeface="Consolas"/>
+            </a:endParaRPr>
+          </a:p>
+        </p:txBody>
+      </p:sp>
+      <p:sp>
+        <p:nvSpPr>
+          <p:cNvPr id="9" name="TextBox 8"/>
+          <p:cNvSpPr txBox="1"/>
+          <p:nvPr/>
+        </p:nvSpPr>
+        <p:spPr>
+          <a:xfrm>
+            <a:off x="4438315" y="1069513"/>
+            <a:ext cx="588209" cy="400110"/>
+          </a:xfrm>
+          <a:prstGeom prst="rect">
+            <a:avLst/>
+          </a:prstGeom>
+          <a:noFill/>
+        </p:spPr>
+        <p:txBody>
+          <a:bodyPr wrap="square" rtlCol="0">
+            <a:spAutoFit/>
+          </a:bodyPr>
+          <a:lstStyle/>
+          <a:p>
+            <a:r>
+              <a:rPr lang="el-GR" sz="2000" dirty="0" smtClean="0"/>
+              <a:t>λ</a:t>
+            </a:r>
+            <a:endParaRPr lang="en-US" sz="2000" dirty="0"/>
+          </a:p>
+        </p:txBody>
+      </p:sp>
+      <p:pic>
+        <p:nvPicPr>
+          <p:cNvPr id="4" name="Picture 3" descr="latex-image-1.pdf"/>
+          <p:cNvPicPr>
+            <a:picLocks noChangeAspect="1"/>
+          </p:cNvPicPr>
+          <p:nvPr/>
+        </p:nvPicPr>
+        <p:blipFill>
+          <a:blip r:embed="rId3">
+            <a:extLst>
+              <a:ext uri="{28A0092B-C50C-407E-A947-70E740481C1C}">
+                <a14:useLocalDpi xmlns:a14="http://schemas.microsoft.com/office/drawing/2010/main" val="0"/>
+              </a:ext>
+            </a:extLst>
+          </a:blip>
+          <a:stretch>
+            <a:fillRect/>
+          </a:stretch>
+        </p:blipFill>
+        <p:spPr>
+          <a:xfrm>
+            <a:off x="423360" y="1686576"/>
+            <a:ext cx="7823200" cy="355600"/>
+          </a:xfrm>
+          <a:prstGeom prst="rect">
+            <a:avLst/>
+          </a:prstGeom>
+        </p:spPr>
+      </p:pic>
+    </p:spTree>
+    <p:extLst>
+      <p:ext uri="{BB962C8B-B14F-4D97-AF65-F5344CB8AC3E}">
+        <p14:creationId xmlns:p14="http://schemas.microsoft.com/office/powerpoint/2010/main" val="2826958485"/>
+      </p:ext>
+    </p:extLst>
+  </p:cSld>
+  <p:clrMapOvr>
+    <a:masterClrMapping/>
+  </p:clrMapOvr>
+  <p:timing>
+    <p:tnLst>
+      <p:par>
+        <p:cTn xmlns:p14="http://schemas.microsoft.com/office/powerpoint/2010/main" id="1" dur="indefinite" restart="never" nodeType="tmRoot"/>
+      </p:par>
+    </p:tnLst>
+  </p:timing>
+</p:sld>
+</file>
+
+<file path=ppt/slides/slide14.xml><?xml version="1.0" encoding="utf-8"?>
+<p:sld xmlns:a="http://schemas.openxmlformats.org/drawingml/2006/main" xmlns:r="http://schemas.openxmlformats.org/officeDocument/2006/relationships" xmlns:p="http://schemas.openxmlformats.org/presentationml/2006/main">
+  <p:cSld>
+    <p:spTree>
+      <p:nvGrpSpPr>
+        <p:cNvPr id="1" name=""/>
+        <p:cNvGrpSpPr/>
+        <p:nvPr/>
+      </p:nvGrpSpPr>
+      <p:grpSpPr>
+        <a:xfrm>
+          <a:off x="0" y="0"/>
+          <a:ext cx="0" cy="0"/>
+          <a:chOff x="0" y="0"/>
+          <a:chExt cx="0" cy="0"/>
+        </a:xfrm>
+      </p:grpSpPr>
+      <p:sp>
+        <p:nvSpPr>
+          <p:cNvPr id="2" name="Title 1"/>
+          <p:cNvSpPr>
+            <a:spLocks noGrp="1"/>
+          </p:cNvSpPr>
+          <p:nvPr>
+            <p:ph type="title"/>
+          </p:nvPr>
+        </p:nvSpPr>
+        <p:spPr/>
+        <p:txBody>
+          <a:bodyPr/>
+          <a:lstStyle/>
+          <a:p>
+            <a:r>
+              <a:rPr lang="en-US" dirty="0" smtClean="0"/>
+              <a:t>Step 1: Type Inference</a:t>
+            </a:r>
+            <a:endParaRPr lang="en-US" dirty="0"/>
+          </a:p>
+        </p:txBody>
+      </p:sp>
+      <p:sp>
+        <p:nvSpPr>
+          <p:cNvPr id="9" name="TextBox 8"/>
+          <p:cNvSpPr txBox="1"/>
+          <p:nvPr/>
+        </p:nvSpPr>
+        <p:spPr>
+          <a:xfrm>
+            <a:off x="4438315" y="1069513"/>
+            <a:ext cx="588209" cy="400110"/>
+          </a:xfrm>
+          <a:prstGeom prst="rect">
+            <a:avLst/>
+          </a:prstGeom>
+          <a:noFill/>
+        </p:spPr>
+        <p:txBody>
+          <a:bodyPr wrap="square" rtlCol="0">
+            <a:spAutoFit/>
+          </a:bodyPr>
+          <a:lstStyle/>
+          <a:p>
+            <a:r>
+              <a:rPr lang="el-GR" sz="2000" dirty="0" smtClean="0"/>
+              <a:t>λ</a:t>
+            </a:r>
+            <a:endParaRPr lang="en-US" sz="2000" dirty="0"/>
+          </a:p>
+        </p:txBody>
+      </p:sp>
+      <p:sp>
+        <p:nvSpPr>
+          <p:cNvPr id="3" name="Content Placeholder 2"/>
+          <p:cNvSpPr>
+            <a:spLocks noGrp="1"/>
+          </p:cNvSpPr>
+          <p:nvPr>
+            <p:ph sz="quarter" idx="1"/>
+          </p:nvPr>
+        </p:nvSpPr>
+        <p:spPr/>
+        <p:txBody>
+          <a:bodyPr/>
+          <a:lstStyle/>
+          <a:p>
+            <a:r>
+              <a:rPr lang="en-US" dirty="0" smtClean="0"/>
+              <a:t>HM infers </a:t>
+            </a:r>
+          </a:p>
+          <a:p>
+            <a:pPr lvl="1"/>
+            <a:r>
+              <a:rPr lang="en-US" dirty="0" smtClean="0"/>
+              <a:t>max :: </a:t>
+            </a:r>
+            <a:r>
+              <a:rPr lang="en-US" dirty="0" err="1" smtClean="0"/>
+              <a:t>x:int</a:t>
+            </a:r>
+            <a:r>
+              <a:rPr lang="en-US" dirty="0" smtClean="0"/>
+              <a:t> -&gt; </a:t>
+            </a:r>
+            <a:r>
+              <a:rPr lang="en-US" dirty="0" err="1" smtClean="0"/>
+              <a:t>y:int</a:t>
+            </a:r>
+            <a:r>
+              <a:rPr lang="en-US" dirty="0" smtClean="0"/>
+              <a:t> -&gt; </a:t>
+            </a:r>
+            <a:r>
+              <a:rPr lang="en-US" dirty="0" err="1" smtClean="0"/>
+              <a:t>int</a:t>
+            </a:r>
+            <a:endParaRPr lang="en-US" dirty="0" smtClean="0"/>
+          </a:p>
+          <a:p>
+            <a:r>
+              <a:rPr lang="en-US" dirty="0" smtClean="0"/>
+              <a:t>We create a template such that</a:t>
+            </a:r>
+          </a:p>
+          <a:p>
+            <a:endParaRPr lang="en-US" dirty="0"/>
+          </a:p>
+          <a:p>
+            <a:pPr lvl="1"/>
+            <a:r>
+              <a:rPr lang="en-US" dirty="0" smtClean="0"/>
+              <a:t>Where the k’s represent unknown liquid type variables</a:t>
+            </a:r>
+          </a:p>
+          <a:p>
+            <a:pPr lvl="1"/>
+            <a:endParaRPr lang="en-US" dirty="0" smtClean="0"/>
+          </a:p>
+          <a:p>
+            <a:endParaRPr lang="en-US" dirty="0"/>
+          </a:p>
+        </p:txBody>
+      </p:sp>
+      <p:pic>
+        <p:nvPicPr>
+          <p:cNvPr id="6" name="Picture 5" descr="latex-image-1.pdf"/>
+          <p:cNvPicPr>
+            <a:picLocks noChangeAspect="1"/>
+          </p:cNvPicPr>
+          <p:nvPr/>
+        </p:nvPicPr>
+        <p:blipFill>
+          <a:blip r:embed="rId3">
+            <a:extLst>
+              <a:ext uri="{28A0092B-C50C-407E-A947-70E740481C1C}">
+                <a14:useLocalDpi xmlns:a14="http://schemas.microsoft.com/office/drawing/2010/main" val="0"/>
+              </a:ext>
+            </a:extLst>
+          </a:blip>
+          <a:stretch>
+            <a:fillRect/>
+          </a:stretch>
+        </p:blipFill>
+        <p:spPr>
+          <a:xfrm>
+            <a:off x="2540187" y="3011753"/>
+            <a:ext cx="4051300" cy="342900"/>
+          </a:xfrm>
+          <a:prstGeom prst="rect">
+            <a:avLst/>
+          </a:prstGeom>
+        </p:spPr>
+      </p:pic>
+    </p:spTree>
+    <p:extLst>
+      <p:ext uri="{BB962C8B-B14F-4D97-AF65-F5344CB8AC3E}">
+        <p14:creationId xmlns:p14="http://schemas.microsoft.com/office/powerpoint/2010/main" val="3456847797"/>
+      </p:ext>
+    </p:extLst>
+  </p:cSld>
+  <p:clrMapOvr>
+    <a:masterClrMapping/>
+  </p:clrMapOvr>
+  <p:timing>
+    <p:tnLst>
+      <p:par>
+        <p:cTn xmlns:p14="http://schemas.microsoft.com/office/powerpoint/2010/main" id="1" dur="indefinite" restart="never" nodeType="tmRoot"/>
+      </p:par>
+    </p:tnLst>
+  </p:timing>
+</p:sld>
+</file>
+
+<file path=ppt/slides/slide15.xml><?xml version="1.0" encoding="utf-8"?>
+<p:sld xmlns:a="http://schemas.openxmlformats.org/drawingml/2006/main" xmlns:r="http://schemas.openxmlformats.org/officeDocument/2006/relationships" xmlns:p="http://schemas.openxmlformats.org/presentationml/2006/main">
+  <p:cSld>
+    <p:spTree>
+      <p:nvGrpSpPr>
+        <p:cNvPr id="1" name=""/>
+        <p:cNvGrpSpPr/>
+        <p:nvPr/>
+      </p:nvGrpSpPr>
+      <p:grpSpPr>
+        <a:xfrm>
+          <a:off x="0" y="0"/>
+          <a:ext cx="0" cy="0"/>
+          <a:chOff x="0" y="0"/>
+          <a:chExt cx="0" cy="0"/>
+        </a:xfrm>
+      </p:grpSpPr>
+      <p:sp>
+        <p:nvSpPr>
+          <p:cNvPr id="2" name="Title 1"/>
+          <p:cNvSpPr>
+            <a:spLocks noGrp="1"/>
+          </p:cNvSpPr>
+          <p:nvPr>
+            <p:ph type="title"/>
+          </p:nvPr>
+        </p:nvSpPr>
+        <p:spPr/>
+        <p:txBody>
+          <a:bodyPr/>
+          <a:lstStyle/>
+          <a:p>
+            <a:r>
+              <a:rPr lang="en-US" dirty="0" smtClean="0"/>
+              <a:t>Step 2: Constraint Generation</a:t>
+            </a:r>
+            <a:endParaRPr lang="en-US" dirty="0"/>
+          </a:p>
+        </p:txBody>
+      </p:sp>
+      <p:sp>
+        <p:nvSpPr>
+          <p:cNvPr id="9" name="TextBox 8"/>
+          <p:cNvSpPr txBox="1"/>
+          <p:nvPr/>
+        </p:nvSpPr>
+        <p:spPr>
+          <a:xfrm>
+            <a:off x="4438315" y="1069513"/>
+            <a:ext cx="588209" cy="400110"/>
+          </a:xfrm>
+          <a:prstGeom prst="rect">
+            <a:avLst/>
+          </a:prstGeom>
+          <a:noFill/>
+        </p:spPr>
+        <p:txBody>
+          <a:bodyPr wrap="square" rtlCol="0">
+            <a:spAutoFit/>
+          </a:bodyPr>
+          <a:lstStyle/>
+          <a:p>
+            <a:r>
+              <a:rPr lang="el-GR" sz="2000" dirty="0" smtClean="0"/>
+              <a:t>λ</a:t>
+            </a:r>
+            <a:endParaRPr lang="en-US" sz="2000" dirty="0"/>
+          </a:p>
+        </p:txBody>
+      </p:sp>
+      <p:sp>
+        <p:nvSpPr>
+          <p:cNvPr id="3" name="Content Placeholder 2"/>
+          <p:cNvSpPr>
+            <a:spLocks noGrp="1"/>
+          </p:cNvSpPr>
+          <p:nvPr>
+            <p:ph sz="quarter" idx="1"/>
+          </p:nvPr>
+        </p:nvSpPr>
+        <p:spPr/>
+        <p:txBody>
+          <a:bodyPr/>
+          <a:lstStyle/>
+          <a:p>
+            <a:r>
+              <a:rPr lang="en-US" dirty="0" smtClean="0"/>
+              <a:t>Subtypes</a:t>
+            </a:r>
+          </a:p>
+          <a:p>
+            <a:pPr lvl="1"/>
+            <a:r>
+              <a:rPr lang="en-US" dirty="0" smtClean="0"/>
+              <a:t>The constraint for a super-type is at least as strong as a sub-type</a:t>
+            </a:r>
+          </a:p>
+          <a:p>
+            <a:r>
+              <a:rPr lang="en-US" dirty="0" smtClean="0"/>
+              <a:t>The constraints on the then and else expressions must be subtypes of the type of the body</a:t>
+            </a:r>
+          </a:p>
+          <a:p>
+            <a:pPr marL="274320" lvl="1" indent="0">
+              <a:buNone/>
+            </a:pPr>
+            <a:endParaRPr lang="en-US" dirty="0" smtClean="0"/>
+          </a:p>
+          <a:p>
+            <a:endParaRPr lang="en-US" dirty="0"/>
+          </a:p>
+        </p:txBody>
+      </p:sp>
+      <p:pic>
+        <p:nvPicPr>
+          <p:cNvPr id="4" name="Picture 3" descr="latex-image-1.pdf"/>
+          <p:cNvPicPr>
+            <a:picLocks noChangeAspect="1"/>
+          </p:cNvPicPr>
+          <p:nvPr/>
+        </p:nvPicPr>
+        <p:blipFill>
+          <a:blip r:embed="rId3">
+            <a:extLst>
+              <a:ext uri="{28A0092B-C50C-407E-A947-70E740481C1C}">
+                <a14:useLocalDpi xmlns:a14="http://schemas.microsoft.com/office/drawing/2010/main" val="0"/>
+              </a:ext>
+            </a:extLst>
+          </a:blip>
+          <a:stretch>
+            <a:fillRect/>
+          </a:stretch>
+        </p:blipFill>
+        <p:spPr>
+          <a:xfrm>
+            <a:off x="1851094" y="4030962"/>
+            <a:ext cx="5448300" cy="368300"/>
+          </a:xfrm>
+          <a:prstGeom prst="rect">
+            <a:avLst/>
+          </a:prstGeom>
+        </p:spPr>
+      </p:pic>
+    </p:spTree>
+    <p:extLst>
+      <p:ext uri="{BB962C8B-B14F-4D97-AF65-F5344CB8AC3E}">
+        <p14:creationId xmlns:p14="http://schemas.microsoft.com/office/powerpoint/2010/main" val="209309020"/>
+      </p:ext>
+    </p:extLst>
+  </p:cSld>
+  <p:clrMapOvr>
+    <a:masterClrMapping/>
+  </p:clrMapOvr>
+  <p:timing>
+    <p:tnLst>
+      <p:par>
+        <p:cTn xmlns:p14="http://schemas.microsoft.com/office/powerpoint/2010/main" id="1" dur="indefinite" restart="never" nodeType="tmRoot"/>
+      </p:par>
+    </p:tnLst>
+  </p:timing>
+</p:sld>
+</file>
+
+<file path=ppt/slides/slide16.xml><?xml version="1.0" encoding="utf-8"?>
+<p:sld xmlns:a="http://schemas.openxmlformats.org/drawingml/2006/main" xmlns:r="http://schemas.openxmlformats.org/officeDocument/2006/relationships" xmlns:p="http://schemas.openxmlformats.org/presentationml/2006/main">
+  <p:cSld>
+    <p:spTree>
+      <p:nvGrpSpPr>
+        <p:cNvPr id="1" name=""/>
+        <p:cNvGrpSpPr/>
+        <p:nvPr/>
+      </p:nvGrpSpPr>
+      <p:grpSpPr>
+        <a:xfrm>
+          <a:off x="0" y="0"/>
+          <a:ext cx="0" cy="0"/>
+          <a:chOff x="0" y="0"/>
+          <a:chExt cx="0" cy="0"/>
+        </a:xfrm>
+      </p:grpSpPr>
+      <p:sp>
+        <p:nvSpPr>
+          <p:cNvPr id="2" name="Title 1"/>
+          <p:cNvSpPr>
+            <a:spLocks noGrp="1"/>
+          </p:cNvSpPr>
+          <p:nvPr>
+            <p:ph type="title"/>
+          </p:nvPr>
+        </p:nvSpPr>
+        <p:spPr/>
+        <p:txBody>
+          <a:bodyPr/>
+          <a:lstStyle/>
+          <a:p>
+            <a:r>
+              <a:rPr lang="en-US" dirty="0" smtClean="0"/>
+              <a:t>Step 3: Constraint Solving</a:t>
+            </a:r>
+            <a:endParaRPr lang="en-US" dirty="0"/>
+          </a:p>
+        </p:txBody>
+      </p:sp>
+      <p:sp>
+        <p:nvSpPr>
+          <p:cNvPr id="9" name="TextBox 8"/>
+          <p:cNvSpPr txBox="1"/>
+          <p:nvPr/>
+        </p:nvSpPr>
+        <p:spPr>
+          <a:xfrm>
+            <a:off x="4438315" y="1069513"/>
+            <a:ext cx="588209" cy="400110"/>
+          </a:xfrm>
+          <a:prstGeom prst="rect">
+            <a:avLst/>
+          </a:prstGeom>
+          <a:noFill/>
+        </p:spPr>
+        <p:txBody>
+          <a:bodyPr wrap="square" rtlCol="0">
+            <a:spAutoFit/>
+          </a:bodyPr>
+          <a:lstStyle/>
+          <a:p>
+            <a:r>
+              <a:rPr lang="el-GR" sz="2000" dirty="0" smtClean="0"/>
+              <a:t>λ</a:t>
+            </a:r>
+            <a:endParaRPr lang="en-US" sz="2000" dirty="0"/>
+          </a:p>
+        </p:txBody>
+      </p:sp>
+      <p:sp>
+        <p:nvSpPr>
+          <p:cNvPr id="3" name="Content Placeholder 2"/>
+          <p:cNvSpPr>
+            <a:spLocks noGrp="1"/>
+          </p:cNvSpPr>
+          <p:nvPr>
+            <p:ph sz="quarter" idx="1"/>
+          </p:nvPr>
+        </p:nvSpPr>
+        <p:spPr/>
+        <p:txBody>
+          <a:bodyPr/>
+          <a:lstStyle/>
+          <a:p>
+            <a:r>
+              <a:rPr lang="en-US" dirty="0" smtClean="0"/>
+              <a:t>“Open program”, so x and y are not refined</a:t>
+            </a:r>
+          </a:p>
+          <a:p>
+            <a:r>
+              <a:rPr lang="en-US" dirty="0" smtClean="0"/>
+              <a:t>Q* is the set of qualifiers where * is replaced with program variables</a:t>
+            </a:r>
+          </a:p>
+          <a:p>
+            <a:r>
+              <a:rPr lang="en-US" dirty="0" smtClean="0"/>
+              <a:t>We want all constraints from Q* that can be satisfied within the subtyping constraints</a:t>
+            </a:r>
+          </a:p>
+          <a:p>
+            <a:r>
+              <a:rPr lang="en-US" dirty="0" smtClean="0"/>
+              <a:t>Ultimately, the result is </a:t>
+            </a:r>
+          </a:p>
+          <a:p>
+            <a:endParaRPr lang="en-US" dirty="0"/>
+          </a:p>
+        </p:txBody>
+      </p:sp>
+      <p:pic>
+        <p:nvPicPr>
+          <p:cNvPr id="6" name="Picture 5" descr="latex-image-1.pdf"/>
+          <p:cNvPicPr>
+            <a:picLocks noChangeAspect="1"/>
+          </p:cNvPicPr>
+          <p:nvPr/>
+        </p:nvPicPr>
+        <p:blipFill>
+          <a:blip r:embed="rId3">
+            <a:extLst>
+              <a:ext uri="{28A0092B-C50C-407E-A947-70E740481C1C}">
+                <a14:useLocalDpi xmlns:a14="http://schemas.microsoft.com/office/drawing/2010/main" val="0"/>
+              </a:ext>
+            </a:extLst>
+          </a:blip>
+          <a:stretch>
+            <a:fillRect/>
+          </a:stretch>
+        </p:blipFill>
+        <p:spPr>
+          <a:xfrm>
+            <a:off x="653058" y="4456121"/>
+            <a:ext cx="7823200" cy="355600"/>
+          </a:xfrm>
+          <a:prstGeom prst="rect">
+            <a:avLst/>
+          </a:prstGeom>
+        </p:spPr>
+      </p:pic>
+    </p:spTree>
+    <p:extLst>
+      <p:ext uri="{BB962C8B-B14F-4D97-AF65-F5344CB8AC3E}">
+        <p14:creationId xmlns:p14="http://schemas.microsoft.com/office/powerpoint/2010/main" val="172549287"/>
+      </p:ext>
+    </p:extLst>
+  </p:cSld>
+  <p:clrMapOvr>
+    <a:masterClrMapping/>
+  </p:clrMapOvr>
+  <p:timing>
+    <p:tnLst>
+      <p:par>
+        <p:cTn xmlns:p14="http://schemas.microsoft.com/office/powerpoint/2010/main" id="1" dur="indefinite" restart="never" nodeType="tmRoot"/>
+      </p:par>
+    </p:tnLst>
+  </p:timing>
+</p:sld>
+</file>
+
+<file path=ppt/slides/slide17.xml><?xml version="1.0" encoding="utf-8"?>
+<p:sld xmlns:a="http://schemas.openxmlformats.org/drawingml/2006/main" xmlns:r="http://schemas.openxmlformats.org/officeDocument/2006/relationships" xmlns:p="http://schemas.openxmlformats.org/presentationml/2006/main">
+  <p:cSld>
+    <p:spTree>
+      <p:nvGrpSpPr>
+        <p:cNvPr id="1" name=""/>
+        <p:cNvGrpSpPr/>
+        <p:nvPr/>
+      </p:nvGrpSpPr>
+      <p:grpSpPr>
+        <a:xfrm>
+          <a:off x="0" y="0"/>
+          <a:ext cx="0" cy="0"/>
+          <a:chOff x="0" y="0"/>
+          <a:chExt cx="0" cy="0"/>
+        </a:xfrm>
+      </p:grpSpPr>
+      <p:sp>
+        <p:nvSpPr>
+          <p:cNvPr id="2" name="Title 1"/>
+          <p:cNvSpPr>
+            <a:spLocks noGrp="1"/>
+          </p:cNvSpPr>
+          <p:nvPr>
+            <p:ph type="title"/>
+          </p:nvPr>
+        </p:nvSpPr>
+        <p:spPr/>
+        <p:txBody>
+          <a:bodyPr/>
+          <a:lstStyle/>
+          <a:p>
+            <a:r>
+              <a:rPr lang="en-US" dirty="0" smtClean="0"/>
+              <a:t>Other Examples</a:t>
+            </a:r>
+            <a:endParaRPr lang="en-US" dirty="0"/>
+          </a:p>
+        </p:txBody>
+      </p:sp>
+      <p:sp>
+        <p:nvSpPr>
+          <p:cNvPr id="9" name="TextBox 8"/>
+          <p:cNvSpPr txBox="1"/>
+          <p:nvPr/>
+        </p:nvSpPr>
+        <p:spPr>
+          <a:xfrm>
+            <a:off x="4438315" y="1069513"/>
+            <a:ext cx="588209" cy="400110"/>
+          </a:xfrm>
+          <a:prstGeom prst="rect">
+            <a:avLst/>
+          </a:prstGeom>
+          <a:noFill/>
+        </p:spPr>
+        <p:txBody>
+          <a:bodyPr wrap="square" rtlCol="0">
+            <a:spAutoFit/>
+          </a:bodyPr>
+          <a:lstStyle/>
+          <a:p>
+            <a:r>
+              <a:rPr lang="el-GR" sz="2000" dirty="0" smtClean="0"/>
+              <a:t>λ</a:t>
+            </a:r>
+            <a:endParaRPr lang="en-US" sz="2000" dirty="0"/>
+          </a:p>
+        </p:txBody>
+      </p:sp>
+      <p:sp>
+        <p:nvSpPr>
+          <p:cNvPr id="3" name="Content Placeholder 2"/>
+          <p:cNvSpPr>
+            <a:spLocks noGrp="1"/>
+          </p:cNvSpPr>
+          <p:nvPr>
+            <p:ph sz="quarter" idx="1"/>
+          </p:nvPr>
+        </p:nvSpPr>
+        <p:spPr/>
+        <p:txBody>
+          <a:bodyPr/>
+          <a:lstStyle/>
+          <a:p>
+            <a:r>
+              <a:rPr lang="en-US" dirty="0" smtClean="0"/>
+              <a:t>Similar process for recursion, higher-order functions, etc. </a:t>
+            </a:r>
+            <a:endParaRPr lang="en-US" dirty="0"/>
+          </a:p>
+          <a:p>
+            <a:r>
+              <a:rPr lang="en-US" dirty="0" smtClean="0"/>
+              <a:t>Examples outlined in the paper</a:t>
+            </a:r>
+          </a:p>
+          <a:p>
+            <a:pPr lvl="1"/>
+            <a:r>
+              <a:rPr lang="en-US" dirty="0" smtClean="0"/>
+              <a:t>Subtyping relationship</a:t>
+            </a:r>
+          </a:p>
+          <a:p>
+            <a:endParaRPr lang="en-US" dirty="0"/>
+          </a:p>
+        </p:txBody>
+      </p:sp>
+    </p:spTree>
+    <p:extLst>
+      <p:ext uri="{BB962C8B-B14F-4D97-AF65-F5344CB8AC3E}">
+        <p14:creationId xmlns:p14="http://schemas.microsoft.com/office/powerpoint/2010/main" val="582206475"/>
+      </p:ext>
+    </p:extLst>
+  </p:cSld>
+  <p:clrMapOvr>
+    <a:masterClrMapping/>
+  </p:clrMapOvr>
+  <p:timing>
+    <p:tnLst>
+      <p:par>
+        <p:cTn xmlns:p14="http://schemas.microsoft.com/office/powerpoint/2010/main" id="1" dur="indefinite" restart="never" nodeType="tmRoot"/>
+      </p:par>
+    </p:tnLst>
+  </p:timing>
+</p:sld>
+</file>
+
+<file path=ppt/slides/slide18.xml><?xml version="1.0" encoding="utf-8"?>
+<p:sld xmlns:a="http://schemas.openxmlformats.org/drawingml/2006/main" xmlns:r="http://schemas.openxmlformats.org/officeDocument/2006/relationships" xmlns:p="http://schemas.openxmlformats.org/presentationml/2006/main">
+  <p:cSld>
+    <p:spTree>
+      <p:nvGrpSpPr>
+        <p:cNvPr id="1" name=""/>
+        <p:cNvGrpSpPr/>
+        <p:nvPr/>
+      </p:nvGrpSpPr>
+      <p:grpSpPr>
+        <a:xfrm>
+          <a:off x="0" y="0"/>
+          <a:ext cx="0" cy="0"/>
+          <a:chOff x="0" y="0"/>
+          <a:chExt cx="0" cy="0"/>
+        </a:xfrm>
+      </p:grpSpPr>
+      <p:sp>
+        <p:nvSpPr>
+          <p:cNvPr id="2" name="Text Placeholder 1"/>
+          <p:cNvSpPr>
+            <a:spLocks noGrp="1"/>
+          </p:cNvSpPr>
+          <p:nvPr>
+            <p:ph type="body" idx="1"/>
+          </p:nvPr>
+        </p:nvSpPr>
+        <p:spPr/>
+        <p:txBody>
+          <a:bodyPr/>
+          <a:lstStyle/>
+          <a:p>
+            <a:r>
+              <a:rPr lang="en-US" dirty="0" smtClean="0"/>
+              <a:t>Notation</a:t>
+            </a:r>
+          </a:p>
+          <a:p>
+            <a:r>
+              <a:rPr lang="en-US" dirty="0" smtClean="0"/>
+              <a:t>Decidability</a:t>
+            </a:r>
+          </a:p>
+          <a:p>
+            <a:r>
+              <a:rPr lang="en-US" dirty="0" smtClean="0"/>
+              <a:t>Soundness</a:t>
+            </a:r>
+          </a:p>
+          <a:p>
+            <a:r>
+              <a:rPr lang="en-US" dirty="0" smtClean="0"/>
+              <a:t>Specifics</a:t>
+            </a:r>
+          </a:p>
+          <a:p>
+            <a:endParaRPr lang="en-US" dirty="0"/>
+          </a:p>
+        </p:txBody>
+      </p:sp>
+      <p:sp>
+        <p:nvSpPr>
+          <p:cNvPr id="3" name="Title 2"/>
+          <p:cNvSpPr>
+            <a:spLocks noGrp="1"/>
+          </p:cNvSpPr>
+          <p:nvPr>
+            <p:ph type="title"/>
+          </p:nvPr>
+        </p:nvSpPr>
+        <p:spPr/>
+        <p:txBody>
+          <a:bodyPr/>
+          <a:lstStyle/>
+          <a:p>
+            <a:r>
+              <a:rPr lang="en-US" dirty="0" smtClean="0"/>
+              <a:t>Liquid Type Checking</a:t>
+            </a:r>
+            <a:br>
+              <a:rPr lang="en-US" dirty="0" smtClean="0"/>
+            </a:br>
+            <a:r>
+              <a:rPr lang="en-US" dirty="0" smtClean="0"/>
+              <a:t>(Section 3)</a:t>
+            </a:r>
+            <a:endParaRPr lang="en-US" dirty="0"/>
+          </a:p>
+        </p:txBody>
+      </p:sp>
+      <p:sp>
+        <p:nvSpPr>
+          <p:cNvPr id="4" name="TextBox 3"/>
+          <p:cNvSpPr txBox="1"/>
+          <p:nvPr/>
+        </p:nvSpPr>
+        <p:spPr>
+          <a:xfrm>
+            <a:off x="4438315" y="2204353"/>
+            <a:ext cx="588209" cy="400110"/>
+          </a:xfrm>
+          <a:prstGeom prst="rect">
+            <a:avLst/>
+          </a:prstGeom>
+          <a:noFill/>
+        </p:spPr>
+        <p:txBody>
+          <a:bodyPr wrap="square" rtlCol="0">
+            <a:spAutoFit/>
+          </a:bodyPr>
+          <a:lstStyle/>
+          <a:p>
+            <a:r>
+              <a:rPr lang="el-GR" sz="2000" dirty="0" smtClean="0"/>
+              <a:t>λ</a:t>
+            </a:r>
+            <a:endParaRPr lang="en-US" sz="2000" dirty="0"/>
+          </a:p>
+        </p:txBody>
+      </p:sp>
+    </p:spTree>
+    <p:extLst>
+      <p:ext uri="{BB962C8B-B14F-4D97-AF65-F5344CB8AC3E}">
+        <p14:creationId xmlns:p14="http://schemas.microsoft.com/office/powerpoint/2010/main" val="3030719958"/>
+      </p:ext>
+    </p:extLst>
+  </p:cSld>
+  <p:clrMapOvr>
+    <a:masterClrMapping/>
+  </p:clrMapOvr>
+  <p:timing>
+    <p:tnLst>
+      <p:par>
+        <p:cTn xmlns:p14="http://schemas.microsoft.com/office/powerpoint/2010/main" id="1" dur="indefinite" restart="never" nodeType="tmRoot"/>
+      </p:par>
+    </p:tnLst>
+  </p:timing>
+</p:sld>
+</file>
+
+<file path=ppt/slides/slide19.xml><?xml version="1.0" encoding="utf-8"?>
+<p:sld xmlns:a="http://schemas.openxmlformats.org/drawingml/2006/main" xmlns:r="http://schemas.openxmlformats.org/officeDocument/2006/relationships" xmlns:p="http://schemas.openxmlformats.org/presentationml/2006/main">
+  <p:cSld>
+    <p:spTree>
+      <p:nvGrpSpPr>
+        <p:cNvPr id="1" name=""/>
+        <p:cNvGrpSpPr/>
+        <p:nvPr/>
+      </p:nvGrpSpPr>
+      <p:grpSpPr>
+        <a:xfrm>
+          <a:off x="0" y="0"/>
+          <a:ext cx="0" cy="0"/>
+          <a:chOff x="0" y="0"/>
+          <a:chExt cx="0" cy="0"/>
+        </a:xfrm>
+      </p:grpSpPr>
+      <p:sp>
+        <p:nvSpPr>
+          <p:cNvPr id="2" name="Title 1"/>
+          <p:cNvSpPr>
+            <a:spLocks noGrp="1"/>
+          </p:cNvSpPr>
+          <p:nvPr>
+            <p:ph type="title"/>
+          </p:nvPr>
+        </p:nvSpPr>
+        <p:spPr/>
+        <p:txBody>
+          <a:bodyPr/>
+          <a:lstStyle/>
+          <a:p>
+            <a:r>
+              <a:rPr lang="en-US" dirty="0" smtClean="0"/>
+              <a:t>Additional Notation/Vocabulary</a:t>
+            </a:r>
+            <a:endParaRPr lang="en-US" dirty="0"/>
+          </a:p>
+        </p:txBody>
+      </p:sp>
+      <p:sp>
+        <p:nvSpPr>
+          <p:cNvPr id="9" name="TextBox 8"/>
+          <p:cNvSpPr txBox="1"/>
+          <p:nvPr/>
+        </p:nvSpPr>
+        <p:spPr>
+          <a:xfrm>
+            <a:off x="4438315" y="1069513"/>
+            <a:ext cx="588209" cy="400110"/>
+          </a:xfrm>
+          <a:prstGeom prst="rect">
+            <a:avLst/>
+          </a:prstGeom>
+          <a:noFill/>
+        </p:spPr>
+        <p:txBody>
+          <a:bodyPr wrap="square" rtlCol="0">
+            <a:spAutoFit/>
+          </a:bodyPr>
+          <a:lstStyle/>
+          <a:p>
+            <a:r>
+              <a:rPr lang="el-GR" sz="2000" dirty="0" smtClean="0"/>
+              <a:t>λ</a:t>
+            </a:r>
+            <a:endParaRPr lang="en-US" sz="2000" dirty="0"/>
+          </a:p>
+        </p:txBody>
+      </p:sp>
+      <p:sp>
+        <p:nvSpPr>
+          <p:cNvPr id="3" name="Content Placeholder 2"/>
+          <p:cNvSpPr>
+            <a:spLocks noGrp="1"/>
+          </p:cNvSpPr>
+          <p:nvPr>
+            <p:ph sz="quarter" idx="1"/>
+          </p:nvPr>
+        </p:nvSpPr>
+        <p:spPr/>
+        <p:txBody>
+          <a:bodyPr/>
+          <a:lstStyle/>
+          <a:p>
+            <a:endParaRPr lang="en-US" dirty="0" smtClean="0"/>
+          </a:p>
+          <a:p>
+            <a:endParaRPr lang="en-US" dirty="0"/>
+          </a:p>
+          <a:p>
+            <a:r>
+              <a:rPr lang="en-US" dirty="0" smtClean="0"/>
+              <a:t>Gamma - Type Environment (scope)</a:t>
+            </a:r>
+          </a:p>
+          <a:p>
+            <a:pPr lvl="1"/>
+            <a:r>
+              <a:rPr lang="en-US" dirty="0" smtClean="0"/>
+              <a:t>Type well-formed with respect to environment</a:t>
+            </a:r>
+          </a:p>
+          <a:p>
+            <a:pPr lvl="2"/>
+            <a:r>
+              <a:rPr lang="en-US" dirty="0" smtClean="0"/>
+              <a:t>All variables in type are bound in environment</a:t>
+            </a:r>
+          </a:p>
+          <a:p>
+            <a:pPr lvl="1"/>
+            <a:r>
+              <a:rPr lang="en-US" dirty="0" smtClean="0"/>
+              <a:t>Environment well-formed</a:t>
+            </a:r>
+          </a:p>
+          <a:p>
+            <a:pPr lvl="2"/>
+            <a:r>
+              <a:rPr lang="en-US" dirty="0" smtClean="0"/>
+              <a:t>All dependent types in environment are well-formed </a:t>
+            </a:r>
+            <a:endParaRPr lang="en-US" dirty="0"/>
+          </a:p>
+        </p:txBody>
+      </p:sp>
+      <p:pic>
+        <p:nvPicPr>
+          <p:cNvPr id="5" name="Picture 4" descr="latex-image-1.pdf"/>
+          <p:cNvPicPr>
+            <a:picLocks noChangeAspect="1"/>
+          </p:cNvPicPr>
+          <p:nvPr/>
+        </p:nvPicPr>
+        <p:blipFill>
+          <a:blip r:embed="rId3">
+            <a:extLst>
+              <a:ext uri="{28A0092B-C50C-407E-A947-70E740481C1C}">
+                <a14:useLocalDpi xmlns:a14="http://schemas.microsoft.com/office/drawing/2010/main" val="0"/>
+              </a:ext>
+            </a:extLst>
+          </a:blip>
+          <a:stretch>
+            <a:fillRect/>
+          </a:stretch>
+        </p:blipFill>
+        <p:spPr>
+          <a:xfrm>
+            <a:off x="3811283" y="1794656"/>
+            <a:ext cx="1511300" cy="355600"/>
+          </a:xfrm>
+          <a:prstGeom prst="rect">
+            <a:avLst/>
+          </a:prstGeom>
+        </p:spPr>
+      </p:pic>
+    </p:spTree>
+    <p:extLst>
+      <p:ext uri="{BB962C8B-B14F-4D97-AF65-F5344CB8AC3E}">
+        <p14:creationId xmlns:p14="http://schemas.microsoft.com/office/powerpoint/2010/main" val="2374152003"/>
       </p:ext>
     </p:extLst>
   </p:cSld>
@@ -7070,7 +11529,42 @@
       </p:grpSpPr>
       <p:sp>
         <p:nvSpPr>
-          <p:cNvPr id="2" name="Title 1"/>
+          <p:cNvPr id="2" name="Text Placeholder 1"/>
+          <p:cNvSpPr>
+            <a:spLocks noGrp="1"/>
+          </p:cNvSpPr>
+          <p:nvPr>
+            <p:ph type="body" idx="1"/>
+          </p:nvPr>
+        </p:nvSpPr>
+        <p:spPr/>
+        <p:txBody>
+          <a:bodyPr/>
+          <a:lstStyle/>
+          <a:p>
+            <a:r>
+              <a:rPr lang="en-US" dirty="0" smtClean="0"/>
+              <a:t>Types</a:t>
+            </a:r>
+          </a:p>
+          <a:p>
+            <a:r>
+              <a:rPr lang="en-US" dirty="0" smtClean="0"/>
+              <a:t>Dependent Types</a:t>
+            </a:r>
+          </a:p>
+          <a:p>
+            <a:r>
+              <a:rPr lang="en-US" dirty="0" smtClean="0"/>
+              <a:t>Liquid Types</a:t>
+            </a:r>
+            <a:endParaRPr lang="en-US" dirty="0"/>
+          </a:p>
+        </p:txBody>
+      </p:sp>
+      <p:sp>
+        <p:nvSpPr>
+          <p:cNvPr id="3" name="Title 2"/>
           <p:cNvSpPr>
             <a:spLocks noGrp="1"/>
           </p:cNvSpPr>
@@ -7085,7 +11579,7 @@
           <a:p>
             <a:r>
               <a:rPr lang="en-US" dirty="0" smtClean="0"/>
-              <a:t>Background: Dependent Types</a:t>
+              <a:t>Introduction</a:t>
             </a:r>
             <a:endParaRPr lang="en-US" dirty="0"/>
           </a:p>
@@ -7093,58 +11587,13 @@
       </p:sp>
       <p:sp>
         <p:nvSpPr>
-          <p:cNvPr id="10" name="Content Placeholder 9"/>
-          <p:cNvSpPr>
-            <a:spLocks noGrp="1"/>
-          </p:cNvSpPr>
-          <p:nvPr>
-            <p:ph sz="quarter" idx="1"/>
-          </p:nvPr>
-        </p:nvSpPr>
-        <p:spPr/>
-        <p:txBody>
-          <a:bodyPr/>
-          <a:lstStyle/>
-          <a:p>
-            <a:r>
-              <a:rPr lang="en-US" dirty="0" smtClean="0"/>
-              <a:t>Type Refinement</a:t>
-            </a:r>
-          </a:p>
-          <a:p>
-            <a:endParaRPr lang="en-US" dirty="0" smtClean="0"/>
-          </a:p>
-          <a:p>
-            <a:r>
-              <a:rPr lang="en-US" dirty="0" smtClean="0"/>
-              <a:t>Motivation</a:t>
-            </a:r>
-          </a:p>
-          <a:p>
-            <a:pPr lvl="1"/>
-            <a:r>
-              <a:rPr lang="en-US" dirty="0" smtClean="0"/>
-              <a:t>Static verification of program properties</a:t>
-            </a:r>
-          </a:p>
-          <a:p>
-            <a:pPr lvl="1"/>
-            <a:r>
-              <a:rPr lang="en-US" dirty="0" smtClean="0"/>
-              <a:t>Elimination of expensive run-time checks</a:t>
-            </a:r>
-          </a:p>
-        </p:txBody>
-      </p:sp>
-      <p:sp>
-        <p:nvSpPr>
-          <p:cNvPr id="9" name="TextBox 8"/>
+          <p:cNvPr id="4" name="TextBox 3"/>
           <p:cNvSpPr txBox="1"/>
           <p:nvPr/>
         </p:nvSpPr>
         <p:spPr>
           <a:xfrm>
-            <a:off x="4438315" y="1069513"/>
+            <a:off x="4438315" y="2204353"/>
             <a:ext cx="588209" cy="400110"/>
           </a:xfrm>
           <a:prstGeom prst="rect">
@@ -7166,40 +11615,1303 @@
           </a:p>
         </p:txBody>
       </p:sp>
-      <p:pic>
-        <p:nvPicPr>
-          <p:cNvPr id="11" name="Picture 10" descr="latex-image-1.pdf"/>
-          <p:cNvPicPr>
-            <a:picLocks noChangeAspect="1"/>
-          </p:cNvPicPr>
+    </p:spTree>
+    <p:extLst>
+      <p:ext uri="{BB962C8B-B14F-4D97-AF65-F5344CB8AC3E}">
+        <p14:creationId xmlns:p14="http://schemas.microsoft.com/office/powerpoint/2010/main" val="2257258211"/>
+      </p:ext>
+    </p:extLst>
+  </p:cSld>
+  <p:clrMapOvr>
+    <a:masterClrMapping/>
+  </p:clrMapOvr>
+  <p:timing>
+    <p:tnLst>
+      <p:par>
+        <p:cTn xmlns:p14="http://schemas.microsoft.com/office/powerpoint/2010/main" id="1" dur="indefinite" restart="never" nodeType="tmRoot"/>
+      </p:par>
+    </p:tnLst>
+  </p:timing>
+</p:sld>
+</file>
+
+<file path=ppt/slides/slide20.xml><?xml version="1.0" encoding="utf-8"?>
+<p:sld xmlns:a="http://schemas.openxmlformats.org/drawingml/2006/main" xmlns:r="http://schemas.openxmlformats.org/officeDocument/2006/relationships" xmlns:p="http://schemas.openxmlformats.org/presentationml/2006/main">
+  <p:cSld>
+    <p:spTree>
+      <p:nvGrpSpPr>
+        <p:cNvPr id="1" name=""/>
+        <p:cNvGrpSpPr/>
+        <p:nvPr/>
+      </p:nvGrpSpPr>
+      <p:grpSpPr>
+        <a:xfrm>
+          <a:off x="0" y="0"/>
+          <a:ext cx="0" cy="0"/>
+          <a:chOff x="0" y="0"/>
+          <a:chExt cx="0" cy="0"/>
+        </a:xfrm>
+      </p:grpSpPr>
+      <p:sp>
+        <p:nvSpPr>
+          <p:cNvPr id="2" name="Title 1"/>
+          <p:cNvSpPr>
+            <a:spLocks noGrp="1"/>
+          </p:cNvSpPr>
+          <p:nvPr>
+            <p:ph type="title"/>
+          </p:nvPr>
+        </p:nvSpPr>
+        <p:spPr/>
+        <p:txBody>
+          <a:bodyPr/>
+          <a:lstStyle/>
+          <a:p>
+            <a:r>
+              <a:rPr lang="en-US" dirty="0" smtClean="0"/>
+              <a:t>Soundness</a:t>
+            </a:r>
+            <a:endParaRPr lang="en-US" dirty="0"/>
+          </a:p>
+        </p:txBody>
+      </p:sp>
+      <p:sp>
+        <p:nvSpPr>
+          <p:cNvPr id="9" name="TextBox 8"/>
+          <p:cNvSpPr txBox="1"/>
           <p:nvPr/>
-        </p:nvPicPr>
-        <p:blipFill>
-          <a:blip r:embed="rId3">
-            <a:extLst>
-              <a:ext uri="{28A0092B-C50C-407E-A947-70E740481C1C}">
-                <a14:useLocalDpi xmlns:a14="http://schemas.microsoft.com/office/drawing/2010/main" val="0"/>
-              </a:ext>
-            </a:extLst>
-          </a:blip>
-          <a:stretch>
-            <a:fillRect/>
-          </a:stretch>
-        </p:blipFill>
+        </p:nvSpPr>
         <p:spPr>
           <a:xfrm>
-            <a:off x="1069473" y="2132163"/>
-            <a:ext cx="3368842" cy="288418"/>
+            <a:off x="4438315" y="1069513"/>
+            <a:ext cx="588209" cy="400110"/>
           </a:xfrm>
           <a:prstGeom prst="rect">
             <a:avLst/>
           </a:prstGeom>
-        </p:spPr>
-      </p:pic>
+          <a:noFill/>
+        </p:spPr>
+        <p:txBody>
+          <a:bodyPr wrap="square" rtlCol="0">
+            <a:spAutoFit/>
+          </a:bodyPr>
+          <a:lstStyle/>
+          <a:p>
+            <a:r>
+              <a:rPr lang="el-GR" sz="2000" dirty="0" smtClean="0"/>
+              <a:t>λ</a:t>
+            </a:r>
+            <a:endParaRPr lang="en-US" sz="2000" dirty="0"/>
+          </a:p>
+        </p:txBody>
+      </p:sp>
+      <p:sp>
+        <p:nvSpPr>
+          <p:cNvPr id="3" name="Content Placeholder 2"/>
+          <p:cNvSpPr>
+            <a:spLocks noGrp="1"/>
+          </p:cNvSpPr>
+          <p:nvPr>
+            <p:ph sz="quarter" idx="1"/>
+          </p:nvPr>
+        </p:nvSpPr>
+        <p:spPr/>
+        <p:txBody>
+          <a:bodyPr/>
+          <a:lstStyle/>
+          <a:p>
+            <a:r>
+              <a:rPr lang="en-US" dirty="0" smtClean="0"/>
+              <a:t>If it is a valid dependent type in our bounded qualifiers, it is a valid dependent type</a:t>
+            </a:r>
+            <a:endParaRPr lang="en-US" dirty="0"/>
+          </a:p>
+        </p:txBody>
+      </p:sp>
     </p:spTree>
     <p:extLst>
       <p:ext uri="{BB962C8B-B14F-4D97-AF65-F5344CB8AC3E}">
-        <p14:creationId xmlns:p14="http://schemas.microsoft.com/office/powerpoint/2010/main" val="522541982"/>
+        <p14:creationId xmlns:p14="http://schemas.microsoft.com/office/powerpoint/2010/main" val="4202124716"/>
+      </p:ext>
+    </p:extLst>
+  </p:cSld>
+  <p:clrMapOvr>
+    <a:masterClrMapping/>
+  </p:clrMapOvr>
+  <p:timing>
+    <p:tnLst>
+      <p:par>
+        <p:cTn xmlns:p14="http://schemas.microsoft.com/office/powerpoint/2010/main" id="1" dur="indefinite" restart="never" nodeType="tmRoot"/>
+      </p:par>
+    </p:tnLst>
+  </p:timing>
+</p:sld>
+</file>
+
+<file path=ppt/slides/slide21.xml><?xml version="1.0" encoding="utf-8"?>
+<p:sld xmlns:a="http://schemas.openxmlformats.org/drawingml/2006/main" xmlns:r="http://schemas.openxmlformats.org/officeDocument/2006/relationships" xmlns:p="http://schemas.openxmlformats.org/presentationml/2006/main">
+  <p:cSld>
+    <p:spTree>
+      <p:nvGrpSpPr>
+        <p:cNvPr id="1" name=""/>
+        <p:cNvGrpSpPr/>
+        <p:nvPr/>
+      </p:nvGrpSpPr>
+      <p:grpSpPr>
+        <a:xfrm>
+          <a:off x="0" y="0"/>
+          <a:ext cx="0" cy="0"/>
+          <a:chOff x="0" y="0"/>
+          <a:chExt cx="0" cy="0"/>
+        </a:xfrm>
+      </p:grpSpPr>
+      <p:sp>
+        <p:nvSpPr>
+          <p:cNvPr id="2" name="Title 1"/>
+          <p:cNvSpPr>
+            <a:spLocks noGrp="1"/>
+          </p:cNvSpPr>
+          <p:nvPr>
+            <p:ph type="title"/>
+          </p:nvPr>
+        </p:nvSpPr>
+        <p:spPr/>
+        <p:txBody>
+          <a:bodyPr/>
+          <a:lstStyle/>
+          <a:p>
+            <a:r>
+              <a:rPr lang="en-US" dirty="0" smtClean="0"/>
+              <a:t>Liquid Type Restriction</a:t>
+            </a:r>
+            <a:endParaRPr lang="en-US" dirty="0"/>
+          </a:p>
+        </p:txBody>
+      </p:sp>
+      <p:sp>
+        <p:nvSpPr>
+          <p:cNvPr id="9" name="TextBox 8"/>
+          <p:cNvSpPr txBox="1"/>
+          <p:nvPr/>
+        </p:nvSpPr>
+        <p:spPr>
+          <a:xfrm>
+            <a:off x="4438315" y="1069513"/>
+            <a:ext cx="588209" cy="400110"/>
+          </a:xfrm>
+          <a:prstGeom prst="rect">
+            <a:avLst/>
+          </a:prstGeom>
+          <a:noFill/>
+        </p:spPr>
+        <p:txBody>
+          <a:bodyPr wrap="square" rtlCol="0">
+            <a:spAutoFit/>
+          </a:bodyPr>
+          <a:lstStyle/>
+          <a:p>
+            <a:r>
+              <a:rPr lang="el-GR" sz="2000" dirty="0" smtClean="0"/>
+              <a:t>λ</a:t>
+            </a:r>
+            <a:endParaRPr lang="en-US" sz="2000" dirty="0"/>
+          </a:p>
+        </p:txBody>
+      </p:sp>
+      <p:sp>
+        <p:nvSpPr>
+          <p:cNvPr id="3" name="Content Placeholder 2"/>
+          <p:cNvSpPr>
+            <a:spLocks noGrp="1"/>
+          </p:cNvSpPr>
+          <p:nvPr>
+            <p:ph sz="quarter" idx="1"/>
+          </p:nvPr>
+        </p:nvSpPr>
+        <p:spPr/>
+        <p:txBody>
+          <a:bodyPr/>
+          <a:lstStyle/>
+          <a:p>
+            <a:r>
+              <a:rPr lang="en-US" dirty="0" smtClean="0"/>
+              <a:t>Restriction says some expressions must be “liquid”</a:t>
+            </a:r>
+          </a:p>
+          <a:p>
+            <a:pPr lvl="1"/>
+            <a:r>
+              <a:rPr lang="en-US" dirty="0" smtClean="0"/>
+              <a:t>These types must have refinements from Q*</a:t>
+            </a:r>
+          </a:p>
+          <a:p>
+            <a:pPr lvl="1"/>
+            <a:r>
+              <a:rPr lang="en-US" dirty="0" smtClean="0"/>
+              <a:t>Since Q* is bounded (and relatively small) everything will be decidable</a:t>
+            </a:r>
+            <a:r>
+              <a:rPr lang="en-US" dirty="0"/>
+              <a:t>	</a:t>
+            </a:r>
+            <a:endParaRPr lang="en-US" dirty="0" smtClean="0"/>
+          </a:p>
+          <a:p>
+            <a:r>
+              <a:rPr lang="en-US" dirty="0" smtClean="0"/>
+              <a:t>Example: branch conditions	</a:t>
+            </a:r>
+          </a:p>
+          <a:p>
+            <a:pPr lvl="1"/>
+            <a:r>
+              <a:rPr lang="en-US" dirty="0" smtClean="0"/>
+              <a:t>Then and Else statements must be subtypes of a fresh liquid type </a:t>
+            </a:r>
+          </a:p>
+          <a:p>
+            <a:pPr lvl="2"/>
+            <a:r>
+              <a:rPr lang="en-US" dirty="0" smtClean="0"/>
+              <a:t>(dataflow analysis does explicit join instead)</a:t>
+            </a:r>
+            <a:endParaRPr lang="en-US" dirty="0"/>
+          </a:p>
+        </p:txBody>
+      </p:sp>
+    </p:spTree>
+    <p:extLst>
+      <p:ext uri="{BB962C8B-B14F-4D97-AF65-F5344CB8AC3E}">
+        <p14:creationId xmlns:p14="http://schemas.microsoft.com/office/powerpoint/2010/main" val="2305069458"/>
+      </p:ext>
+    </p:extLst>
+  </p:cSld>
+  <p:clrMapOvr>
+    <a:masterClrMapping/>
+  </p:clrMapOvr>
+  <p:timing>
+    <p:tnLst>
+      <p:par>
+        <p:cTn xmlns:p14="http://schemas.microsoft.com/office/powerpoint/2010/main" id="1" dur="indefinite" restart="never" nodeType="tmRoot"/>
+      </p:par>
+    </p:tnLst>
+  </p:timing>
+</p:sld>
+</file>
+
+<file path=ppt/slides/slide22.xml><?xml version="1.0" encoding="utf-8"?>
+<p:sld xmlns:a="http://schemas.openxmlformats.org/drawingml/2006/main" xmlns:r="http://schemas.openxmlformats.org/officeDocument/2006/relationships" xmlns:p="http://schemas.openxmlformats.org/presentationml/2006/main">
+  <p:cSld>
+    <p:spTree>
+      <p:nvGrpSpPr>
+        <p:cNvPr id="1" name=""/>
+        <p:cNvGrpSpPr/>
+        <p:nvPr/>
+      </p:nvGrpSpPr>
+      <p:grpSpPr>
+        <a:xfrm>
+          <a:off x="0" y="0"/>
+          <a:ext cx="0" cy="0"/>
+          <a:chOff x="0" y="0"/>
+          <a:chExt cx="0" cy="0"/>
+        </a:xfrm>
+      </p:grpSpPr>
+      <p:sp>
+        <p:nvSpPr>
+          <p:cNvPr id="2" name="Title 1"/>
+          <p:cNvSpPr>
+            <a:spLocks noGrp="1"/>
+          </p:cNvSpPr>
+          <p:nvPr>
+            <p:ph type="title"/>
+          </p:nvPr>
+        </p:nvSpPr>
+        <p:spPr/>
+        <p:txBody>
+          <a:bodyPr/>
+          <a:lstStyle/>
+          <a:p>
+            <a:r>
+              <a:rPr lang="en-US" dirty="0" smtClean="0"/>
+              <a:t>Placeholder Variables</a:t>
+            </a:r>
+            <a:endParaRPr lang="en-US" dirty="0"/>
+          </a:p>
+        </p:txBody>
+      </p:sp>
+      <p:sp>
+        <p:nvSpPr>
+          <p:cNvPr id="9" name="TextBox 8"/>
+          <p:cNvSpPr txBox="1"/>
+          <p:nvPr/>
+        </p:nvSpPr>
+        <p:spPr>
+          <a:xfrm>
+            <a:off x="4438315" y="1069513"/>
+            <a:ext cx="588209" cy="400110"/>
+          </a:xfrm>
+          <a:prstGeom prst="rect">
+            <a:avLst/>
+          </a:prstGeom>
+          <a:noFill/>
+        </p:spPr>
+        <p:txBody>
+          <a:bodyPr wrap="square" rtlCol="0">
+            <a:spAutoFit/>
+          </a:bodyPr>
+          <a:lstStyle/>
+          <a:p>
+            <a:r>
+              <a:rPr lang="el-GR" sz="2000" dirty="0" smtClean="0"/>
+              <a:t>λ</a:t>
+            </a:r>
+            <a:endParaRPr lang="en-US" sz="2000" dirty="0"/>
+          </a:p>
+        </p:txBody>
+      </p:sp>
+      <p:sp>
+        <p:nvSpPr>
+          <p:cNvPr id="3" name="Content Placeholder 2"/>
+          <p:cNvSpPr>
+            <a:spLocks noGrp="1"/>
+          </p:cNvSpPr>
+          <p:nvPr>
+            <p:ph sz="quarter" idx="1"/>
+          </p:nvPr>
+        </p:nvSpPr>
+        <p:spPr/>
+        <p:txBody>
+          <a:bodyPr/>
+          <a:lstStyle/>
+          <a:p>
+            <a:r>
+              <a:rPr lang="en-US" dirty="0" smtClean="0"/>
+              <a:t>Placeholder variable * instead of “hard-coded” program variables</a:t>
+            </a:r>
+          </a:p>
+          <a:p>
+            <a:r>
+              <a:rPr lang="en-US" dirty="0" smtClean="0"/>
+              <a:t>Robust to renaming variables</a:t>
+            </a:r>
+            <a:endParaRPr lang="en-US" dirty="0"/>
+          </a:p>
+        </p:txBody>
+      </p:sp>
+    </p:spTree>
+    <p:extLst>
+      <p:ext uri="{BB962C8B-B14F-4D97-AF65-F5344CB8AC3E}">
+        <p14:creationId xmlns:p14="http://schemas.microsoft.com/office/powerpoint/2010/main" val="1469786105"/>
+      </p:ext>
+    </p:extLst>
+  </p:cSld>
+  <p:clrMapOvr>
+    <a:masterClrMapping/>
+  </p:clrMapOvr>
+  <p:timing>
+    <p:tnLst>
+      <p:par>
+        <p:cTn xmlns:p14="http://schemas.microsoft.com/office/powerpoint/2010/main" id="1" dur="indefinite" restart="never" nodeType="tmRoot"/>
+      </p:par>
+    </p:tnLst>
+  </p:timing>
+</p:sld>
+</file>
+
+<file path=ppt/slides/slide23.xml><?xml version="1.0" encoding="utf-8"?>
+<p:sld xmlns:a="http://schemas.openxmlformats.org/drawingml/2006/main" xmlns:r="http://schemas.openxmlformats.org/officeDocument/2006/relationships" xmlns:p="http://schemas.openxmlformats.org/presentationml/2006/main">
+  <p:cSld>
+    <p:spTree>
+      <p:nvGrpSpPr>
+        <p:cNvPr id="1" name=""/>
+        <p:cNvGrpSpPr/>
+        <p:nvPr/>
+      </p:nvGrpSpPr>
+      <p:grpSpPr>
+        <a:xfrm>
+          <a:off x="0" y="0"/>
+          <a:ext cx="0" cy="0"/>
+          <a:chOff x="0" y="0"/>
+          <a:chExt cx="0" cy="0"/>
+        </a:xfrm>
+      </p:grpSpPr>
+      <p:sp>
+        <p:nvSpPr>
+          <p:cNvPr id="2" name="Text Placeholder 1"/>
+          <p:cNvSpPr>
+            <a:spLocks noGrp="1"/>
+          </p:cNvSpPr>
+          <p:nvPr>
+            <p:ph type="body" idx="1"/>
+          </p:nvPr>
+        </p:nvSpPr>
+        <p:spPr/>
+        <p:txBody>
+          <a:bodyPr/>
+          <a:lstStyle/>
+          <a:p>
+            <a:r>
+              <a:rPr lang="en-US" dirty="0" smtClean="0"/>
+              <a:t>Well-formed-ness constraints</a:t>
+            </a:r>
+          </a:p>
+          <a:p>
+            <a:r>
+              <a:rPr lang="en-US" dirty="0" smtClean="0"/>
+              <a:t>Subtyping constraints</a:t>
+            </a:r>
+          </a:p>
+          <a:p>
+            <a:endParaRPr lang="en-US" dirty="0"/>
+          </a:p>
+        </p:txBody>
+      </p:sp>
+      <p:sp>
+        <p:nvSpPr>
+          <p:cNvPr id="3" name="Title 2"/>
+          <p:cNvSpPr>
+            <a:spLocks noGrp="1"/>
+          </p:cNvSpPr>
+          <p:nvPr>
+            <p:ph type="title"/>
+          </p:nvPr>
+        </p:nvSpPr>
+        <p:spPr/>
+        <p:txBody>
+          <a:bodyPr/>
+          <a:lstStyle/>
+          <a:p>
+            <a:r>
+              <a:rPr lang="en-US" dirty="0" smtClean="0"/>
+              <a:t>Constraint Generation</a:t>
+            </a:r>
+            <a:endParaRPr lang="en-US" dirty="0"/>
+          </a:p>
+        </p:txBody>
+      </p:sp>
+      <p:sp>
+        <p:nvSpPr>
+          <p:cNvPr id="4" name="TextBox 3"/>
+          <p:cNvSpPr txBox="1"/>
+          <p:nvPr/>
+        </p:nvSpPr>
+        <p:spPr>
+          <a:xfrm>
+            <a:off x="4438315" y="2204353"/>
+            <a:ext cx="588209" cy="400110"/>
+          </a:xfrm>
+          <a:prstGeom prst="rect">
+            <a:avLst/>
+          </a:prstGeom>
+          <a:noFill/>
+        </p:spPr>
+        <p:txBody>
+          <a:bodyPr wrap="square" rtlCol="0">
+            <a:spAutoFit/>
+          </a:bodyPr>
+          <a:lstStyle/>
+          <a:p>
+            <a:r>
+              <a:rPr lang="el-GR" sz="2000" dirty="0" smtClean="0"/>
+              <a:t>λ</a:t>
+            </a:r>
+            <a:endParaRPr lang="en-US" sz="2000" dirty="0"/>
+          </a:p>
+        </p:txBody>
+      </p:sp>
+    </p:spTree>
+    <p:extLst>
+      <p:ext uri="{BB962C8B-B14F-4D97-AF65-F5344CB8AC3E}">
+        <p14:creationId xmlns:p14="http://schemas.microsoft.com/office/powerpoint/2010/main" val="1858135821"/>
+      </p:ext>
+    </p:extLst>
+  </p:cSld>
+  <p:clrMapOvr>
+    <a:masterClrMapping/>
+  </p:clrMapOvr>
+  <p:timing>
+    <p:tnLst>
+      <p:par>
+        <p:cTn xmlns:p14="http://schemas.microsoft.com/office/powerpoint/2010/main" id="1" dur="indefinite" restart="never" nodeType="tmRoot"/>
+      </p:par>
+    </p:tnLst>
+  </p:timing>
+</p:sld>
+</file>
+
+<file path=ppt/slides/slide24.xml><?xml version="1.0" encoding="utf-8"?>
+<p:sld xmlns:a="http://schemas.openxmlformats.org/drawingml/2006/main" xmlns:r="http://schemas.openxmlformats.org/officeDocument/2006/relationships" xmlns:p="http://schemas.openxmlformats.org/presentationml/2006/main">
+  <p:cSld>
+    <p:spTree>
+      <p:nvGrpSpPr>
+        <p:cNvPr id="1" name=""/>
+        <p:cNvGrpSpPr/>
+        <p:nvPr/>
+      </p:nvGrpSpPr>
+      <p:grpSpPr>
+        <a:xfrm>
+          <a:off x="0" y="0"/>
+          <a:ext cx="0" cy="0"/>
+          <a:chOff x="0" y="0"/>
+          <a:chExt cx="0" cy="0"/>
+        </a:xfrm>
+      </p:grpSpPr>
+      <p:sp>
+        <p:nvSpPr>
+          <p:cNvPr id="2" name="Title 1"/>
+          <p:cNvSpPr>
+            <a:spLocks noGrp="1"/>
+          </p:cNvSpPr>
+          <p:nvPr>
+            <p:ph type="title"/>
+          </p:nvPr>
+        </p:nvSpPr>
+        <p:spPr/>
+        <p:txBody>
+          <a:bodyPr/>
+          <a:lstStyle/>
+          <a:p>
+            <a:r>
+              <a:rPr lang="en-US" dirty="0" smtClean="0"/>
+              <a:t>Well-formed-ness Constraints</a:t>
+            </a:r>
+            <a:endParaRPr lang="en-US" dirty="0"/>
+          </a:p>
+        </p:txBody>
+      </p:sp>
+      <p:sp>
+        <p:nvSpPr>
+          <p:cNvPr id="9" name="TextBox 8"/>
+          <p:cNvSpPr txBox="1"/>
+          <p:nvPr/>
+        </p:nvSpPr>
+        <p:spPr>
+          <a:xfrm>
+            <a:off x="4438315" y="1069513"/>
+            <a:ext cx="588209" cy="400110"/>
+          </a:xfrm>
+          <a:prstGeom prst="rect">
+            <a:avLst/>
+          </a:prstGeom>
+          <a:noFill/>
+        </p:spPr>
+        <p:txBody>
+          <a:bodyPr wrap="square" rtlCol="0">
+            <a:spAutoFit/>
+          </a:bodyPr>
+          <a:lstStyle/>
+          <a:p>
+            <a:r>
+              <a:rPr lang="el-GR" sz="2000" dirty="0" smtClean="0"/>
+              <a:t>λ</a:t>
+            </a:r>
+            <a:endParaRPr lang="en-US" sz="2000" dirty="0"/>
+          </a:p>
+        </p:txBody>
+      </p:sp>
+      <p:sp>
+        <p:nvSpPr>
+          <p:cNvPr id="3" name="Content Placeholder 2"/>
+          <p:cNvSpPr>
+            <a:spLocks noGrp="1"/>
+          </p:cNvSpPr>
+          <p:nvPr>
+            <p:ph sz="quarter" idx="1"/>
+          </p:nvPr>
+        </p:nvSpPr>
+        <p:spPr/>
+        <p:txBody>
+          <a:bodyPr/>
+          <a:lstStyle/>
+          <a:p>
+            <a:r>
+              <a:rPr lang="en-US" dirty="0" smtClean="0"/>
+              <a:t>Inferred types must be in scope at that sub-expression </a:t>
+            </a:r>
+          </a:p>
+        </p:txBody>
+      </p:sp>
+    </p:spTree>
+    <p:extLst>
+      <p:ext uri="{BB962C8B-B14F-4D97-AF65-F5344CB8AC3E}">
+        <p14:creationId xmlns:p14="http://schemas.microsoft.com/office/powerpoint/2010/main" val="1430859674"/>
+      </p:ext>
+    </p:extLst>
+  </p:cSld>
+  <p:clrMapOvr>
+    <a:masterClrMapping/>
+  </p:clrMapOvr>
+  <p:timing>
+    <p:tnLst>
+      <p:par>
+        <p:cTn xmlns:p14="http://schemas.microsoft.com/office/powerpoint/2010/main" id="1" dur="indefinite" restart="never" nodeType="tmRoot"/>
+      </p:par>
+    </p:tnLst>
+  </p:timing>
+</p:sld>
+</file>
+
+<file path=ppt/slides/slide25.xml><?xml version="1.0" encoding="utf-8"?>
+<p:sld xmlns:a="http://schemas.openxmlformats.org/drawingml/2006/main" xmlns:r="http://schemas.openxmlformats.org/officeDocument/2006/relationships" xmlns:p="http://schemas.openxmlformats.org/presentationml/2006/main">
+  <p:cSld>
+    <p:spTree>
+      <p:nvGrpSpPr>
+        <p:cNvPr id="1" name=""/>
+        <p:cNvGrpSpPr/>
+        <p:nvPr/>
+      </p:nvGrpSpPr>
+      <p:grpSpPr>
+        <a:xfrm>
+          <a:off x="0" y="0"/>
+          <a:ext cx="0" cy="0"/>
+          <a:chOff x="0" y="0"/>
+          <a:chExt cx="0" cy="0"/>
+        </a:xfrm>
+      </p:grpSpPr>
+      <p:sp>
+        <p:nvSpPr>
+          <p:cNvPr id="2" name="Title 1"/>
+          <p:cNvSpPr>
+            <a:spLocks noGrp="1"/>
+          </p:cNvSpPr>
+          <p:nvPr>
+            <p:ph type="title"/>
+          </p:nvPr>
+        </p:nvSpPr>
+        <p:spPr/>
+        <p:txBody>
+          <a:bodyPr/>
+          <a:lstStyle/>
+          <a:p>
+            <a:r>
+              <a:rPr lang="en-US" dirty="0" smtClean="0"/>
+              <a:t>Subtyping Constraints</a:t>
+            </a:r>
+            <a:endParaRPr lang="en-US" dirty="0"/>
+          </a:p>
+        </p:txBody>
+      </p:sp>
+      <p:sp>
+        <p:nvSpPr>
+          <p:cNvPr id="9" name="TextBox 8"/>
+          <p:cNvSpPr txBox="1"/>
+          <p:nvPr/>
+        </p:nvSpPr>
+        <p:spPr>
+          <a:xfrm>
+            <a:off x="4438315" y="1069513"/>
+            <a:ext cx="588209" cy="400110"/>
+          </a:xfrm>
+          <a:prstGeom prst="rect">
+            <a:avLst/>
+          </a:prstGeom>
+          <a:noFill/>
+        </p:spPr>
+        <p:txBody>
+          <a:bodyPr wrap="square" rtlCol="0">
+            <a:spAutoFit/>
+          </a:bodyPr>
+          <a:lstStyle/>
+          <a:p>
+            <a:r>
+              <a:rPr lang="el-GR" sz="2000" dirty="0" smtClean="0"/>
+              <a:t>λ</a:t>
+            </a:r>
+            <a:endParaRPr lang="en-US" sz="2000" dirty="0"/>
+          </a:p>
+        </p:txBody>
+      </p:sp>
+      <p:sp>
+        <p:nvSpPr>
+          <p:cNvPr id="3" name="Content Placeholder 2"/>
+          <p:cNvSpPr>
+            <a:spLocks noGrp="1"/>
+          </p:cNvSpPr>
+          <p:nvPr>
+            <p:ph sz="quarter" idx="1"/>
+          </p:nvPr>
+        </p:nvSpPr>
+        <p:spPr/>
+        <p:txBody>
+          <a:bodyPr/>
+          <a:lstStyle/>
+          <a:p>
+            <a:r>
+              <a:rPr lang="en-US" dirty="0" smtClean="0"/>
+              <a:t>The types for </a:t>
+            </a:r>
+            <a:r>
+              <a:rPr lang="en-US" dirty="0" err="1" smtClean="0"/>
+              <a:t>subexpressions</a:t>
+            </a:r>
+            <a:r>
+              <a:rPr lang="en-US" dirty="0" smtClean="0"/>
+              <a:t> in subtypes can be “subsumed” to yield a valid type derivation</a:t>
+            </a:r>
+          </a:p>
+          <a:p>
+            <a:pPr lvl="1"/>
+            <a:r>
+              <a:rPr lang="en-US" dirty="0" err="1"/>
+              <a:t>Subsumption</a:t>
+            </a:r>
+            <a:r>
+              <a:rPr lang="en-US" dirty="0"/>
+              <a:t> relationships </a:t>
+            </a:r>
+            <a:endParaRPr lang="en-US" dirty="0" smtClean="0"/>
+          </a:p>
+          <a:p>
+            <a:pPr lvl="1"/>
+            <a:endParaRPr lang="en-US" dirty="0"/>
+          </a:p>
+          <a:p>
+            <a:pPr lvl="1"/>
+            <a:endParaRPr lang="en-US" dirty="0"/>
+          </a:p>
+        </p:txBody>
+      </p:sp>
+    </p:spTree>
+    <p:extLst>
+      <p:ext uri="{BB962C8B-B14F-4D97-AF65-F5344CB8AC3E}">
+        <p14:creationId xmlns:p14="http://schemas.microsoft.com/office/powerpoint/2010/main" val="3870431038"/>
+      </p:ext>
+    </p:extLst>
+  </p:cSld>
+  <p:clrMapOvr>
+    <a:masterClrMapping/>
+  </p:clrMapOvr>
+  <p:timing>
+    <p:tnLst>
+      <p:par>
+        <p:cTn xmlns:p14="http://schemas.microsoft.com/office/powerpoint/2010/main" id="1" dur="indefinite" restart="never" nodeType="tmRoot"/>
+      </p:par>
+    </p:tnLst>
+  </p:timing>
+</p:sld>
+</file>
+
+<file path=ppt/slides/slide26.xml><?xml version="1.0" encoding="utf-8"?>
+<p:sld xmlns:a="http://schemas.openxmlformats.org/drawingml/2006/main" xmlns:r="http://schemas.openxmlformats.org/officeDocument/2006/relationships" xmlns:p="http://schemas.openxmlformats.org/presentationml/2006/main">
+  <p:cSld>
+    <p:spTree>
+      <p:nvGrpSpPr>
+        <p:cNvPr id="1" name=""/>
+        <p:cNvGrpSpPr/>
+        <p:nvPr/>
+      </p:nvGrpSpPr>
+      <p:grpSpPr>
+        <a:xfrm>
+          <a:off x="0" y="0"/>
+          <a:ext cx="0" cy="0"/>
+          <a:chOff x="0" y="0"/>
+          <a:chExt cx="0" cy="0"/>
+        </a:xfrm>
+      </p:grpSpPr>
+      <p:sp>
+        <p:nvSpPr>
+          <p:cNvPr id="2" name="Title 1"/>
+          <p:cNvSpPr>
+            <a:spLocks noGrp="1"/>
+          </p:cNvSpPr>
+          <p:nvPr>
+            <p:ph type="title"/>
+          </p:nvPr>
+        </p:nvSpPr>
+        <p:spPr/>
+        <p:txBody>
+          <a:bodyPr/>
+          <a:lstStyle/>
+          <a:p>
+            <a:r>
+              <a:rPr lang="en-US" dirty="0" err="1" smtClean="0"/>
+              <a:t>Constructable</a:t>
+            </a:r>
+            <a:r>
+              <a:rPr lang="en-US" dirty="0" smtClean="0"/>
+              <a:t> Types</a:t>
+            </a:r>
+            <a:endParaRPr lang="en-US" dirty="0"/>
+          </a:p>
+        </p:txBody>
+      </p:sp>
+      <p:sp>
+        <p:nvSpPr>
+          <p:cNvPr id="9" name="TextBox 8"/>
+          <p:cNvSpPr txBox="1"/>
+          <p:nvPr/>
+        </p:nvSpPr>
+        <p:spPr>
+          <a:xfrm>
+            <a:off x="4438315" y="1069513"/>
+            <a:ext cx="588209" cy="400110"/>
+          </a:xfrm>
+          <a:prstGeom prst="rect">
+            <a:avLst/>
+          </a:prstGeom>
+          <a:noFill/>
+        </p:spPr>
+        <p:txBody>
+          <a:bodyPr wrap="square" rtlCol="0">
+            <a:spAutoFit/>
+          </a:bodyPr>
+          <a:lstStyle/>
+          <a:p>
+            <a:r>
+              <a:rPr lang="el-GR" sz="2000" dirty="0" smtClean="0"/>
+              <a:t>λ</a:t>
+            </a:r>
+            <a:endParaRPr lang="en-US" sz="2000" dirty="0"/>
+          </a:p>
+        </p:txBody>
+      </p:sp>
+      <p:sp>
+        <p:nvSpPr>
+          <p:cNvPr id="3" name="Content Placeholder 2"/>
+          <p:cNvSpPr>
+            <a:spLocks noGrp="1"/>
+          </p:cNvSpPr>
+          <p:nvPr>
+            <p:ph sz="quarter" idx="1"/>
+          </p:nvPr>
+        </p:nvSpPr>
+        <p:spPr/>
+        <p:txBody>
+          <a:bodyPr/>
+          <a:lstStyle/>
+          <a:p>
+            <a:r>
+              <a:rPr lang="en-US" dirty="0" smtClean="0"/>
+              <a:t>Types can be immediately constructed from types of </a:t>
+            </a:r>
+            <a:r>
+              <a:rPr lang="en-US" dirty="0" err="1" smtClean="0"/>
+              <a:t>subexpressions</a:t>
+            </a:r>
+            <a:r>
+              <a:rPr lang="en-US" dirty="0" smtClean="0"/>
+              <a:t> or environment</a:t>
+            </a:r>
+            <a:endParaRPr lang="en-US" dirty="0"/>
+          </a:p>
+          <a:p>
+            <a:endParaRPr lang="en-US" dirty="0"/>
+          </a:p>
+        </p:txBody>
+      </p:sp>
+    </p:spTree>
+    <p:extLst>
+      <p:ext uri="{BB962C8B-B14F-4D97-AF65-F5344CB8AC3E}">
+        <p14:creationId xmlns:p14="http://schemas.microsoft.com/office/powerpoint/2010/main" val="2795509660"/>
+      </p:ext>
+    </p:extLst>
+  </p:cSld>
+  <p:clrMapOvr>
+    <a:masterClrMapping/>
+  </p:clrMapOvr>
+  <p:timing>
+    <p:tnLst>
+      <p:par>
+        <p:cTn xmlns:p14="http://schemas.microsoft.com/office/powerpoint/2010/main" id="1" dur="indefinite" restart="never" nodeType="tmRoot"/>
+      </p:par>
+    </p:tnLst>
+  </p:timing>
+</p:sld>
+</file>
+
+<file path=ppt/slides/slide27.xml><?xml version="1.0" encoding="utf-8"?>
+<p:sld xmlns:a="http://schemas.openxmlformats.org/drawingml/2006/main" xmlns:r="http://schemas.openxmlformats.org/officeDocument/2006/relationships" xmlns:p="http://schemas.openxmlformats.org/presentationml/2006/main">
+  <p:cSld>
+    <p:spTree>
+      <p:nvGrpSpPr>
+        <p:cNvPr id="1" name=""/>
+        <p:cNvGrpSpPr/>
+        <p:nvPr/>
+      </p:nvGrpSpPr>
+      <p:grpSpPr>
+        <a:xfrm>
+          <a:off x="0" y="0"/>
+          <a:ext cx="0" cy="0"/>
+          <a:chOff x="0" y="0"/>
+          <a:chExt cx="0" cy="0"/>
+        </a:xfrm>
+      </p:grpSpPr>
+      <p:sp>
+        <p:nvSpPr>
+          <p:cNvPr id="2" name="Title 1"/>
+          <p:cNvSpPr>
+            <a:spLocks noGrp="1"/>
+          </p:cNvSpPr>
+          <p:nvPr>
+            <p:ph type="title"/>
+          </p:nvPr>
+        </p:nvSpPr>
+        <p:spPr/>
+        <p:txBody>
+          <a:bodyPr/>
+          <a:lstStyle/>
+          <a:p>
+            <a:r>
+              <a:rPr lang="en-US" dirty="0" smtClean="0"/>
+              <a:t>Liquid Types</a:t>
+            </a:r>
+            <a:endParaRPr lang="en-US" dirty="0"/>
+          </a:p>
+        </p:txBody>
+      </p:sp>
+      <p:sp>
+        <p:nvSpPr>
+          <p:cNvPr id="9" name="TextBox 8"/>
+          <p:cNvSpPr txBox="1"/>
+          <p:nvPr/>
+        </p:nvSpPr>
+        <p:spPr>
+          <a:xfrm>
+            <a:off x="4438315" y="1069513"/>
+            <a:ext cx="588209" cy="400110"/>
+          </a:xfrm>
+          <a:prstGeom prst="rect">
+            <a:avLst/>
+          </a:prstGeom>
+          <a:noFill/>
+        </p:spPr>
+        <p:txBody>
+          <a:bodyPr wrap="square" rtlCol="0">
+            <a:spAutoFit/>
+          </a:bodyPr>
+          <a:lstStyle/>
+          <a:p>
+            <a:r>
+              <a:rPr lang="el-GR" sz="2000" dirty="0" smtClean="0"/>
+              <a:t>λ</a:t>
+            </a:r>
+            <a:endParaRPr lang="en-US" sz="2000" dirty="0"/>
+          </a:p>
+        </p:txBody>
+      </p:sp>
+      <p:sp>
+        <p:nvSpPr>
+          <p:cNvPr id="4" name="Content Placeholder 3"/>
+          <p:cNvSpPr>
+            <a:spLocks noGrp="1"/>
+          </p:cNvSpPr>
+          <p:nvPr>
+            <p:ph sz="quarter" idx="1"/>
+          </p:nvPr>
+        </p:nvSpPr>
+        <p:spPr/>
+        <p:txBody>
+          <a:bodyPr/>
+          <a:lstStyle/>
+          <a:p>
+            <a:r>
+              <a:rPr lang="en-US" dirty="0" smtClean="0"/>
+              <a:t>Not immediate</a:t>
+            </a:r>
+          </a:p>
+          <a:p>
+            <a:r>
+              <a:rPr lang="en-US" dirty="0" err="1" smtClean="0"/>
+              <a:t>Subsumptions</a:t>
+            </a:r>
+            <a:r>
+              <a:rPr lang="en-US" dirty="0" smtClean="0"/>
+              <a:t> rule is required to perform some kind of “over-approximation”</a:t>
+            </a:r>
+            <a:endParaRPr lang="en-US" dirty="0"/>
+          </a:p>
+        </p:txBody>
+      </p:sp>
+    </p:spTree>
+    <p:extLst>
+      <p:ext uri="{BB962C8B-B14F-4D97-AF65-F5344CB8AC3E}">
+        <p14:creationId xmlns:p14="http://schemas.microsoft.com/office/powerpoint/2010/main" val="3914328616"/>
+      </p:ext>
+    </p:extLst>
+  </p:cSld>
+  <p:clrMapOvr>
+    <a:masterClrMapping/>
+  </p:clrMapOvr>
+  <p:timing>
+    <p:tnLst>
+      <p:par>
+        <p:cTn xmlns:p14="http://schemas.microsoft.com/office/powerpoint/2010/main" id="1" dur="indefinite" restart="never" nodeType="tmRoot"/>
+      </p:par>
+    </p:tnLst>
+  </p:timing>
+</p:sld>
+</file>
+
+<file path=ppt/slides/slide28.xml><?xml version="1.0" encoding="utf-8"?>
+<p:sld xmlns:a="http://schemas.openxmlformats.org/drawingml/2006/main" xmlns:r="http://schemas.openxmlformats.org/officeDocument/2006/relationships" xmlns:p="http://schemas.openxmlformats.org/presentationml/2006/main">
+  <p:cSld>
+    <p:spTree>
+      <p:nvGrpSpPr>
+        <p:cNvPr id="1" name=""/>
+        <p:cNvGrpSpPr/>
+        <p:nvPr/>
+      </p:nvGrpSpPr>
+      <p:grpSpPr>
+        <a:xfrm>
+          <a:off x="0" y="0"/>
+          <a:ext cx="0" cy="0"/>
+          <a:chOff x="0" y="0"/>
+          <a:chExt cx="0" cy="0"/>
+        </a:xfrm>
+      </p:grpSpPr>
+      <p:sp>
+        <p:nvSpPr>
+          <p:cNvPr id="2" name="Title 1"/>
+          <p:cNvSpPr>
+            <a:spLocks noGrp="1"/>
+          </p:cNvSpPr>
+          <p:nvPr>
+            <p:ph type="title"/>
+          </p:nvPr>
+        </p:nvSpPr>
+        <p:spPr/>
+        <p:txBody>
+          <a:bodyPr/>
+          <a:lstStyle/>
+          <a:p>
+            <a:r>
+              <a:rPr lang="en-US" dirty="0" smtClean="0"/>
+              <a:t>If-Then-Else Example</a:t>
+            </a:r>
+            <a:endParaRPr lang="en-US" dirty="0"/>
+          </a:p>
+        </p:txBody>
+      </p:sp>
+      <p:sp>
+        <p:nvSpPr>
+          <p:cNvPr id="9" name="TextBox 8"/>
+          <p:cNvSpPr txBox="1"/>
+          <p:nvPr/>
+        </p:nvSpPr>
+        <p:spPr>
+          <a:xfrm>
+            <a:off x="4438315" y="1069513"/>
+            <a:ext cx="588209" cy="400110"/>
+          </a:xfrm>
+          <a:prstGeom prst="rect">
+            <a:avLst/>
+          </a:prstGeom>
+          <a:noFill/>
+        </p:spPr>
+        <p:txBody>
+          <a:bodyPr wrap="square" rtlCol="0">
+            <a:spAutoFit/>
+          </a:bodyPr>
+          <a:lstStyle/>
+          <a:p>
+            <a:r>
+              <a:rPr lang="el-GR" sz="2000" dirty="0" smtClean="0"/>
+              <a:t>λ</a:t>
+            </a:r>
+            <a:endParaRPr lang="en-US" sz="2000" dirty="0"/>
+          </a:p>
+        </p:txBody>
+      </p:sp>
+      <p:sp>
+        <p:nvSpPr>
+          <p:cNvPr id="4" name="Content Placeholder 3"/>
+          <p:cNvSpPr>
+            <a:spLocks noGrp="1"/>
+          </p:cNvSpPr>
+          <p:nvPr>
+            <p:ph sz="quarter" idx="1"/>
+          </p:nvPr>
+        </p:nvSpPr>
+        <p:spPr/>
+        <p:txBody>
+          <a:bodyPr/>
+          <a:lstStyle/>
+          <a:p>
+            <a:r>
+              <a:rPr lang="en-US" dirty="0" smtClean="0"/>
+              <a:t>Generate templates and constraints for then/else</a:t>
+            </a:r>
+          </a:p>
+          <a:p>
+            <a:r>
+              <a:rPr lang="en-US" dirty="0" smtClean="0"/>
+              <a:t>Generate fresh template to capture the </a:t>
+            </a:r>
+            <a:r>
+              <a:rPr lang="en-US" smtClean="0"/>
+              <a:t>entire if </a:t>
+            </a:r>
+            <a:endParaRPr lang="en-US" dirty="0" smtClean="0"/>
+          </a:p>
+          <a:p>
+            <a:r>
+              <a:rPr lang="en-US" dirty="0" smtClean="0"/>
+              <a:t>Constrain fresh template with union of the constraints for then/else</a:t>
+            </a:r>
+          </a:p>
+          <a:p>
+            <a:r>
+              <a:rPr lang="en-US" dirty="0" smtClean="0"/>
+              <a:t>Solve the fresh constraint</a:t>
+            </a:r>
+          </a:p>
+          <a:p>
+            <a:pPr lvl="1"/>
+            <a:r>
+              <a:rPr lang="en-US" dirty="0" smtClean="0"/>
+              <a:t>Well-</a:t>
+            </a:r>
+            <a:r>
+              <a:rPr lang="en-US" dirty="0" err="1" smtClean="0"/>
+              <a:t>formedness</a:t>
+            </a:r>
+            <a:r>
+              <a:rPr lang="en-US" dirty="0" smtClean="0"/>
+              <a:t> for whole expression</a:t>
+            </a:r>
+          </a:p>
+          <a:p>
+            <a:pPr lvl="1"/>
+            <a:r>
+              <a:rPr lang="en-US" dirty="0" smtClean="0"/>
+              <a:t>Subtyping constraint forcing the templates then/else </a:t>
+            </a:r>
+            <a:r>
+              <a:rPr lang="en-US" dirty="0" err="1" smtClean="0"/>
+              <a:t>subexpressions</a:t>
+            </a:r>
+            <a:r>
+              <a:rPr lang="en-US" dirty="0" smtClean="0"/>
+              <a:t> to be subtypes of the whole expression’s template</a:t>
+            </a:r>
+            <a:endParaRPr lang="en-US" dirty="0"/>
+          </a:p>
+        </p:txBody>
+      </p:sp>
+    </p:spTree>
+    <p:extLst>
+      <p:ext uri="{BB962C8B-B14F-4D97-AF65-F5344CB8AC3E}">
+        <p14:creationId xmlns:p14="http://schemas.microsoft.com/office/powerpoint/2010/main" val="4275562935"/>
+      </p:ext>
+    </p:extLst>
+  </p:cSld>
+  <p:clrMapOvr>
+    <a:masterClrMapping/>
+  </p:clrMapOvr>
+  <p:timing>
+    <p:tnLst>
+      <p:par>
+        <p:cTn xmlns:p14="http://schemas.microsoft.com/office/powerpoint/2010/main" id="1" dur="indefinite" restart="never" nodeType="tmRoot"/>
+      </p:par>
+    </p:tnLst>
+  </p:timing>
+</p:sld>
+</file>
+
+<file path=ppt/slides/slide29.xml><?xml version="1.0" encoding="utf-8"?>
+<p:sld xmlns:a="http://schemas.openxmlformats.org/drawingml/2006/main" xmlns:r="http://schemas.openxmlformats.org/officeDocument/2006/relationships" xmlns:p="http://schemas.openxmlformats.org/presentationml/2006/main">
+  <p:cSld>
+    <p:spTree>
+      <p:nvGrpSpPr>
+        <p:cNvPr id="1" name=""/>
+        <p:cNvGrpSpPr/>
+        <p:nvPr/>
+      </p:nvGrpSpPr>
+      <p:grpSpPr>
+        <a:xfrm>
+          <a:off x="0" y="0"/>
+          <a:ext cx="0" cy="0"/>
+          <a:chOff x="0" y="0"/>
+          <a:chExt cx="0" cy="0"/>
+        </a:xfrm>
+      </p:grpSpPr>
+      <p:sp>
+        <p:nvSpPr>
+          <p:cNvPr id="2" name="Text Placeholder 1"/>
+          <p:cNvSpPr>
+            <a:spLocks noGrp="1"/>
+          </p:cNvSpPr>
+          <p:nvPr>
+            <p:ph type="body" idx="1"/>
+          </p:nvPr>
+        </p:nvSpPr>
+        <p:spPr/>
+        <p:txBody>
+          <a:bodyPr/>
+          <a:lstStyle/>
+          <a:p>
+            <a:r>
+              <a:rPr lang="en-US" dirty="0" smtClean="0"/>
+              <a:t>Simplifying Constraints</a:t>
+            </a:r>
+          </a:p>
+          <a:p>
+            <a:r>
+              <a:rPr lang="en-US" dirty="0" smtClean="0"/>
+              <a:t>Iterative Weakening</a:t>
+            </a:r>
+            <a:endParaRPr lang="en-US" dirty="0"/>
+          </a:p>
+        </p:txBody>
+      </p:sp>
+      <p:sp>
+        <p:nvSpPr>
+          <p:cNvPr id="3" name="Title 2"/>
+          <p:cNvSpPr>
+            <a:spLocks noGrp="1"/>
+          </p:cNvSpPr>
+          <p:nvPr>
+            <p:ph type="title"/>
+          </p:nvPr>
+        </p:nvSpPr>
+        <p:spPr/>
+        <p:txBody>
+          <a:bodyPr/>
+          <a:lstStyle/>
+          <a:p>
+            <a:r>
+              <a:rPr lang="en-US" dirty="0" smtClean="0"/>
+              <a:t>Constraint Solving</a:t>
+            </a:r>
+            <a:endParaRPr lang="en-US" dirty="0"/>
+          </a:p>
+        </p:txBody>
+      </p:sp>
+      <p:sp>
+        <p:nvSpPr>
+          <p:cNvPr id="4" name="TextBox 3"/>
+          <p:cNvSpPr txBox="1"/>
+          <p:nvPr/>
+        </p:nvSpPr>
+        <p:spPr>
+          <a:xfrm>
+            <a:off x="4438315" y="2204353"/>
+            <a:ext cx="588209" cy="400110"/>
+          </a:xfrm>
+          <a:prstGeom prst="rect">
+            <a:avLst/>
+          </a:prstGeom>
+          <a:noFill/>
+        </p:spPr>
+        <p:txBody>
+          <a:bodyPr wrap="square" rtlCol="0">
+            <a:spAutoFit/>
+          </a:bodyPr>
+          <a:lstStyle/>
+          <a:p>
+            <a:r>
+              <a:rPr lang="el-GR" sz="2000" dirty="0" smtClean="0"/>
+              <a:t>λ</a:t>
+            </a:r>
+            <a:endParaRPr lang="en-US" sz="2000" dirty="0"/>
+          </a:p>
+        </p:txBody>
+      </p:sp>
+    </p:spTree>
+    <p:extLst>
+      <p:ext uri="{BB962C8B-B14F-4D97-AF65-F5344CB8AC3E}">
+        <p14:creationId xmlns:p14="http://schemas.microsoft.com/office/powerpoint/2010/main" val="4119548003"/>
       </p:ext>
     </p:extLst>
   </p:cSld>
@@ -7250,7 +12962,7 @@
           <a:p>
             <a:r>
               <a:rPr lang="en-US" dirty="0" smtClean="0"/>
-              <a:t>Introduction</a:t>
+              <a:t>Types</a:t>
             </a:r>
             <a:endParaRPr lang="en-US" dirty="0"/>
           </a:p>
@@ -7273,21 +12985,53 @@
           <a:p>
             <a:r>
               <a:rPr lang="en-US" dirty="0" smtClean="0"/>
-              <a:t>Type Inference -&gt; Dependent Type Inference</a:t>
+              <a:t>Motivation </a:t>
             </a:r>
           </a:p>
           <a:p>
             <a:pPr lvl="1"/>
             <a:r>
               <a:rPr lang="en-US" dirty="0" smtClean="0"/>
-              <a:t>Fewer required manual annotations </a:t>
-            </a:r>
-          </a:p>
-          <a:p>
-            <a:r>
-              <a:rPr lang="en-US" dirty="0" smtClean="0"/>
-              <a:t>Liquid Types are to Dependent Types as Houdini is to ESC/Java</a:t>
-            </a:r>
+              <a:t>Statically guarantee coarse invariants for every program</a:t>
+            </a:r>
+          </a:p>
+          <a:p>
+            <a:r>
+              <a:rPr lang="en-US" dirty="0" smtClean="0"/>
+              <a:t>Strong, statically typed languages</a:t>
+            </a:r>
+          </a:p>
+          <a:p>
+            <a:pPr lvl="1"/>
+            <a:r>
+              <a:rPr lang="en-US" dirty="0" smtClean="0"/>
+              <a:t>OCAML</a:t>
+            </a:r>
+          </a:p>
+          <a:p>
+            <a:pPr lvl="1"/>
+            <a:r>
+              <a:rPr lang="en-US" dirty="0" smtClean="0"/>
+              <a:t>Haskell</a:t>
+            </a:r>
+          </a:p>
+          <a:p>
+            <a:pPr lvl="2"/>
+            <a:r>
+              <a:rPr lang="en-US" dirty="0" smtClean="0"/>
+              <a:t>x :: </a:t>
+            </a:r>
+            <a:r>
+              <a:rPr lang="en-US" dirty="0" err="1"/>
+              <a:t>I</a:t>
+            </a:r>
+            <a:r>
+              <a:rPr lang="en-US" dirty="0" err="1" smtClean="0"/>
+              <a:t>nt</a:t>
+            </a:r>
+            <a:endParaRPr lang="en-US" dirty="0"/>
+          </a:p>
+          <a:p>
             <a:endParaRPr lang="en-US" dirty="0"/>
           </a:p>
         </p:txBody>
@@ -7325,7 +13069,1227 @@
     </p:spTree>
     <p:extLst>
       <p:ext uri="{BB962C8B-B14F-4D97-AF65-F5344CB8AC3E}">
-        <p14:creationId xmlns:p14="http://schemas.microsoft.com/office/powerpoint/2010/main" val="2998362138"/>
+        <p14:creationId xmlns:p14="http://schemas.microsoft.com/office/powerpoint/2010/main" val="3102122820"/>
+      </p:ext>
+    </p:extLst>
+  </p:cSld>
+  <p:clrMapOvr>
+    <a:masterClrMapping/>
+  </p:clrMapOvr>
+  <p:timing>
+    <p:tnLst>
+      <p:par>
+        <p:cTn xmlns:p14="http://schemas.microsoft.com/office/powerpoint/2010/main" id="1" dur="indefinite" restart="never" nodeType="tmRoot"/>
+      </p:par>
+    </p:tnLst>
+  </p:timing>
+</p:sld>
+</file>
+
+<file path=ppt/slides/slide30.xml><?xml version="1.0" encoding="utf-8"?>
+<p:sld xmlns:a="http://schemas.openxmlformats.org/drawingml/2006/main" xmlns:r="http://schemas.openxmlformats.org/officeDocument/2006/relationships" xmlns:p="http://schemas.openxmlformats.org/presentationml/2006/main">
+  <p:cSld>
+    <p:spTree>
+      <p:nvGrpSpPr>
+        <p:cNvPr id="1" name=""/>
+        <p:cNvGrpSpPr/>
+        <p:nvPr/>
+      </p:nvGrpSpPr>
+      <p:grpSpPr>
+        <a:xfrm>
+          <a:off x="0" y="0"/>
+          <a:ext cx="0" cy="0"/>
+          <a:chOff x="0" y="0"/>
+          <a:chExt cx="0" cy="0"/>
+        </a:xfrm>
+      </p:grpSpPr>
+      <p:sp>
+        <p:nvSpPr>
+          <p:cNvPr id="2" name="Title 1"/>
+          <p:cNvSpPr>
+            <a:spLocks noGrp="1"/>
+          </p:cNvSpPr>
+          <p:nvPr>
+            <p:ph type="title"/>
+          </p:nvPr>
+        </p:nvSpPr>
+        <p:spPr/>
+        <p:txBody>
+          <a:bodyPr/>
+          <a:lstStyle/>
+          <a:p>
+            <a:r>
+              <a:rPr lang="en-US" dirty="0" smtClean="0"/>
+              <a:t>Simplifying Subtype Constraints</a:t>
+            </a:r>
+            <a:endParaRPr lang="en-US" dirty="0"/>
+          </a:p>
+        </p:txBody>
+      </p:sp>
+      <p:sp>
+        <p:nvSpPr>
+          <p:cNvPr id="9" name="TextBox 8"/>
+          <p:cNvSpPr txBox="1"/>
+          <p:nvPr/>
+        </p:nvSpPr>
+        <p:spPr>
+          <a:xfrm>
+            <a:off x="4438315" y="1069513"/>
+            <a:ext cx="588209" cy="400110"/>
+          </a:xfrm>
+          <a:prstGeom prst="rect">
+            <a:avLst/>
+          </a:prstGeom>
+          <a:noFill/>
+        </p:spPr>
+        <p:txBody>
+          <a:bodyPr wrap="square" rtlCol="0">
+            <a:spAutoFit/>
+          </a:bodyPr>
+          <a:lstStyle/>
+          <a:p>
+            <a:r>
+              <a:rPr lang="el-GR" sz="2000" dirty="0" smtClean="0"/>
+              <a:t>λ</a:t>
+            </a:r>
+            <a:endParaRPr lang="en-US" sz="2000" dirty="0"/>
+          </a:p>
+        </p:txBody>
+      </p:sp>
+      <p:sp>
+        <p:nvSpPr>
+          <p:cNvPr id="4" name="Content Placeholder 3"/>
+          <p:cNvSpPr>
+            <a:spLocks noGrp="1"/>
+          </p:cNvSpPr>
+          <p:nvPr>
+            <p:ph sz="quarter" idx="1"/>
+          </p:nvPr>
+        </p:nvSpPr>
+        <p:spPr/>
+        <p:txBody>
+          <a:bodyPr/>
+          <a:lstStyle/>
+          <a:p>
+            <a:r>
+              <a:rPr lang="en-US" dirty="0" smtClean="0"/>
+              <a:t>Split such that assignment is solution for C if and only if it is a solution for Split(C)</a:t>
+            </a:r>
+          </a:p>
+          <a:p>
+            <a:r>
+              <a:rPr lang="en-US" dirty="0" smtClean="0"/>
+              <a:t>Split using rules for well-</a:t>
+            </a:r>
+            <a:r>
+              <a:rPr lang="en-US" dirty="0" err="1" smtClean="0"/>
+              <a:t>formedness</a:t>
+            </a:r>
+            <a:r>
+              <a:rPr lang="en-US" dirty="0" smtClean="0"/>
+              <a:t> and subtyping</a:t>
+            </a:r>
+            <a:endParaRPr lang="en-US" dirty="0"/>
+          </a:p>
+        </p:txBody>
+      </p:sp>
+    </p:spTree>
+    <p:extLst>
+      <p:ext uri="{BB962C8B-B14F-4D97-AF65-F5344CB8AC3E}">
+        <p14:creationId xmlns:p14="http://schemas.microsoft.com/office/powerpoint/2010/main" val="2793873576"/>
+      </p:ext>
+    </p:extLst>
+  </p:cSld>
+  <p:clrMapOvr>
+    <a:masterClrMapping/>
+  </p:clrMapOvr>
+  <p:timing>
+    <p:tnLst>
+      <p:par>
+        <p:cTn xmlns:p14="http://schemas.microsoft.com/office/powerpoint/2010/main" id="1" dur="indefinite" restart="never" nodeType="tmRoot"/>
+      </p:par>
+    </p:tnLst>
+  </p:timing>
+</p:sld>
+</file>
+
+<file path=ppt/slides/slide31.xml><?xml version="1.0" encoding="utf-8"?>
+<p:sld xmlns:a="http://schemas.openxmlformats.org/drawingml/2006/main" xmlns:r="http://schemas.openxmlformats.org/officeDocument/2006/relationships" xmlns:p="http://schemas.openxmlformats.org/presentationml/2006/main">
+  <p:cSld>
+    <p:spTree>
+      <p:nvGrpSpPr>
+        <p:cNvPr id="1" name=""/>
+        <p:cNvGrpSpPr/>
+        <p:nvPr/>
+      </p:nvGrpSpPr>
+      <p:grpSpPr>
+        <a:xfrm>
+          <a:off x="0" y="0"/>
+          <a:ext cx="0" cy="0"/>
+          <a:chOff x="0" y="0"/>
+          <a:chExt cx="0" cy="0"/>
+        </a:xfrm>
+      </p:grpSpPr>
+      <p:sp>
+        <p:nvSpPr>
+          <p:cNvPr id="2" name="Title 1"/>
+          <p:cNvSpPr>
+            <a:spLocks noGrp="1"/>
+          </p:cNvSpPr>
+          <p:nvPr>
+            <p:ph type="title"/>
+          </p:nvPr>
+        </p:nvSpPr>
+        <p:spPr/>
+        <p:txBody>
+          <a:bodyPr/>
+          <a:lstStyle/>
+          <a:p>
+            <a:r>
+              <a:rPr lang="en-US" dirty="0" smtClean="0"/>
+              <a:t>Example of Splitting</a:t>
+            </a:r>
+            <a:endParaRPr lang="en-US" dirty="0"/>
+          </a:p>
+        </p:txBody>
+      </p:sp>
+      <p:sp>
+        <p:nvSpPr>
+          <p:cNvPr id="9" name="TextBox 8"/>
+          <p:cNvSpPr txBox="1"/>
+          <p:nvPr/>
+        </p:nvSpPr>
+        <p:spPr>
+          <a:xfrm>
+            <a:off x="4438315" y="1069513"/>
+            <a:ext cx="588209" cy="400110"/>
+          </a:xfrm>
+          <a:prstGeom prst="rect">
+            <a:avLst/>
+          </a:prstGeom>
+          <a:noFill/>
+        </p:spPr>
+        <p:txBody>
+          <a:bodyPr wrap="square" rtlCol="0">
+            <a:spAutoFit/>
+          </a:bodyPr>
+          <a:lstStyle/>
+          <a:p>
+            <a:r>
+              <a:rPr lang="el-GR" sz="2000" dirty="0" smtClean="0"/>
+              <a:t>λ</a:t>
+            </a:r>
+            <a:endParaRPr lang="en-US" sz="2000" dirty="0"/>
+          </a:p>
+        </p:txBody>
+      </p:sp>
+      <p:sp>
+        <p:nvSpPr>
+          <p:cNvPr id="4" name="Content Placeholder 3"/>
+          <p:cNvSpPr>
+            <a:spLocks noGrp="1"/>
+          </p:cNvSpPr>
+          <p:nvPr>
+            <p:ph sz="quarter" idx="1"/>
+          </p:nvPr>
+        </p:nvSpPr>
+        <p:spPr/>
+        <p:txBody>
+          <a:bodyPr/>
+          <a:lstStyle/>
+          <a:p>
+            <a:r>
+              <a:rPr lang="en-US" dirty="0" smtClean="0"/>
+              <a:t>Complex expression split into 3 simple expressions </a:t>
+            </a:r>
+          </a:p>
+          <a:p>
+            <a:endParaRPr lang="en-US" dirty="0"/>
+          </a:p>
+          <a:p>
+            <a:r>
+              <a:rPr lang="en-US" dirty="0" smtClean="0"/>
+              <a:t>Constraint 1</a:t>
+            </a:r>
+          </a:p>
+          <a:p>
+            <a:endParaRPr lang="en-US" dirty="0"/>
+          </a:p>
+          <a:p>
+            <a:r>
+              <a:rPr lang="en-US" dirty="0" smtClean="0"/>
+              <a:t>Constraint 2</a:t>
+            </a:r>
+          </a:p>
+          <a:p>
+            <a:endParaRPr lang="en-US" dirty="0"/>
+          </a:p>
+          <a:p>
+            <a:r>
+              <a:rPr lang="en-US" dirty="0" smtClean="0"/>
+              <a:t>Constraint 3</a:t>
+            </a:r>
+          </a:p>
+          <a:p>
+            <a:endParaRPr lang="en-US" dirty="0"/>
+          </a:p>
+        </p:txBody>
+      </p:sp>
+      <p:pic>
+        <p:nvPicPr>
+          <p:cNvPr id="6" name="Picture 5" descr="latex-image-1.pdf"/>
+          <p:cNvPicPr>
+            <a:picLocks noChangeAspect="1"/>
+          </p:cNvPicPr>
+          <p:nvPr/>
+        </p:nvPicPr>
+        <p:blipFill>
+          <a:blip r:embed="rId3">
+            <a:extLst>
+              <a:ext uri="{28A0092B-C50C-407E-A947-70E740481C1C}">
+                <a14:useLocalDpi xmlns:a14="http://schemas.microsoft.com/office/drawing/2010/main" val="0"/>
+              </a:ext>
+            </a:extLst>
+          </a:blip>
+          <a:stretch>
+            <a:fillRect/>
+          </a:stretch>
+        </p:blipFill>
+        <p:spPr>
+          <a:xfrm>
+            <a:off x="2195883" y="2001417"/>
+            <a:ext cx="4737100" cy="495300"/>
+          </a:xfrm>
+          <a:prstGeom prst="rect">
+            <a:avLst/>
+          </a:prstGeom>
+        </p:spPr>
+      </p:pic>
+      <p:pic>
+        <p:nvPicPr>
+          <p:cNvPr id="8" name="Picture 7" descr="latex-image-1.pdf"/>
+          <p:cNvPicPr>
+            <a:picLocks noChangeAspect="1"/>
+          </p:cNvPicPr>
+          <p:nvPr/>
+        </p:nvPicPr>
+        <p:blipFill>
+          <a:blip r:embed="rId4">
+            <a:extLst>
+              <a:ext uri="{28A0092B-C50C-407E-A947-70E740481C1C}">
+                <a14:useLocalDpi xmlns:a14="http://schemas.microsoft.com/office/drawing/2010/main" val="0"/>
+              </a:ext>
+            </a:extLst>
+          </a:blip>
+          <a:stretch>
+            <a:fillRect/>
+          </a:stretch>
+        </p:blipFill>
+        <p:spPr>
+          <a:xfrm>
+            <a:off x="4137524" y="3062972"/>
+            <a:ext cx="889000" cy="330200"/>
+          </a:xfrm>
+          <a:prstGeom prst="rect">
+            <a:avLst/>
+          </a:prstGeom>
+        </p:spPr>
+      </p:pic>
+      <p:pic>
+        <p:nvPicPr>
+          <p:cNvPr id="10" name="Picture 9" descr="latex-image-1.pdf"/>
+          <p:cNvPicPr>
+            <a:picLocks noChangeAspect="1"/>
+          </p:cNvPicPr>
+          <p:nvPr/>
+        </p:nvPicPr>
+        <p:blipFill>
+          <a:blip r:embed="rId5">
+            <a:extLst>
+              <a:ext uri="{28A0092B-C50C-407E-A947-70E740481C1C}">
+                <a14:useLocalDpi xmlns:a14="http://schemas.microsoft.com/office/drawing/2010/main" val="0"/>
+              </a:ext>
+            </a:extLst>
+          </a:blip>
+          <a:stretch>
+            <a:fillRect/>
+          </a:stretch>
+        </p:blipFill>
+        <p:spPr>
+          <a:xfrm>
+            <a:off x="3789033" y="4023473"/>
+            <a:ext cx="1549400" cy="342900"/>
+          </a:xfrm>
+          <a:prstGeom prst="rect">
+            <a:avLst/>
+          </a:prstGeom>
+        </p:spPr>
+      </p:pic>
+      <p:pic>
+        <p:nvPicPr>
+          <p:cNvPr id="11" name="Picture 10" descr="latex-image-1.pdf"/>
+          <p:cNvPicPr>
+            <a:picLocks noChangeAspect="1"/>
+          </p:cNvPicPr>
+          <p:nvPr/>
+        </p:nvPicPr>
+        <p:blipFill>
+          <a:blip r:embed="rId6">
+            <a:extLst>
+              <a:ext uri="{28A0092B-C50C-407E-A947-70E740481C1C}">
+                <a14:useLocalDpi xmlns:a14="http://schemas.microsoft.com/office/drawing/2010/main" val="0"/>
+              </a:ext>
+            </a:extLst>
+          </a:blip>
+          <a:stretch>
+            <a:fillRect/>
+          </a:stretch>
+        </p:blipFill>
+        <p:spPr>
+          <a:xfrm>
+            <a:off x="3312254" y="5055398"/>
+            <a:ext cx="2476500" cy="342900"/>
+          </a:xfrm>
+          <a:prstGeom prst="rect">
+            <a:avLst/>
+          </a:prstGeom>
+        </p:spPr>
+      </p:pic>
+    </p:spTree>
+    <p:extLst>
+      <p:ext uri="{BB962C8B-B14F-4D97-AF65-F5344CB8AC3E}">
+        <p14:creationId xmlns:p14="http://schemas.microsoft.com/office/powerpoint/2010/main" val="1246828779"/>
+      </p:ext>
+    </p:extLst>
+  </p:cSld>
+  <p:clrMapOvr>
+    <a:masterClrMapping/>
+  </p:clrMapOvr>
+  <p:timing>
+    <p:tnLst>
+      <p:par>
+        <p:cTn xmlns:p14="http://schemas.microsoft.com/office/powerpoint/2010/main" id="1" dur="indefinite" restart="never" nodeType="tmRoot"/>
+      </p:par>
+    </p:tnLst>
+  </p:timing>
+</p:sld>
+</file>
+
+<file path=ppt/slides/slide32.xml><?xml version="1.0" encoding="utf-8"?>
+<p:sld xmlns:a="http://schemas.openxmlformats.org/drawingml/2006/main" xmlns:r="http://schemas.openxmlformats.org/officeDocument/2006/relationships" xmlns:p="http://schemas.openxmlformats.org/presentationml/2006/main">
+  <p:cSld>
+    <p:spTree>
+      <p:nvGrpSpPr>
+        <p:cNvPr id="1" name=""/>
+        <p:cNvGrpSpPr/>
+        <p:nvPr/>
+      </p:nvGrpSpPr>
+      <p:grpSpPr>
+        <a:xfrm>
+          <a:off x="0" y="0"/>
+          <a:ext cx="0" cy="0"/>
+          <a:chOff x="0" y="0"/>
+          <a:chExt cx="0" cy="0"/>
+        </a:xfrm>
+      </p:grpSpPr>
+      <p:sp>
+        <p:nvSpPr>
+          <p:cNvPr id="2" name="Title 1"/>
+          <p:cNvSpPr>
+            <a:spLocks noGrp="1"/>
+          </p:cNvSpPr>
+          <p:nvPr>
+            <p:ph type="title"/>
+          </p:nvPr>
+        </p:nvSpPr>
+        <p:spPr/>
+        <p:txBody>
+          <a:bodyPr/>
+          <a:lstStyle/>
+          <a:p>
+            <a:r>
+              <a:rPr lang="en-US" dirty="0" smtClean="0"/>
+              <a:t>Iterative Weakening</a:t>
+            </a:r>
+            <a:endParaRPr lang="en-US" dirty="0"/>
+          </a:p>
+        </p:txBody>
+      </p:sp>
+      <p:sp>
+        <p:nvSpPr>
+          <p:cNvPr id="9" name="TextBox 8"/>
+          <p:cNvSpPr txBox="1"/>
+          <p:nvPr/>
+        </p:nvSpPr>
+        <p:spPr>
+          <a:xfrm>
+            <a:off x="4438315" y="1069513"/>
+            <a:ext cx="588209" cy="400110"/>
+          </a:xfrm>
+          <a:prstGeom prst="rect">
+            <a:avLst/>
+          </a:prstGeom>
+          <a:noFill/>
+        </p:spPr>
+        <p:txBody>
+          <a:bodyPr wrap="square" rtlCol="0">
+            <a:spAutoFit/>
+          </a:bodyPr>
+          <a:lstStyle/>
+          <a:p>
+            <a:r>
+              <a:rPr lang="el-GR" sz="2000" dirty="0" smtClean="0"/>
+              <a:t>λ</a:t>
+            </a:r>
+            <a:endParaRPr lang="en-US" sz="2000" dirty="0"/>
+          </a:p>
+        </p:txBody>
+      </p:sp>
+      <p:sp>
+        <p:nvSpPr>
+          <p:cNvPr id="4" name="Content Placeholder 3"/>
+          <p:cNvSpPr>
+            <a:spLocks noGrp="1"/>
+          </p:cNvSpPr>
+          <p:nvPr>
+            <p:ph sz="quarter" idx="1"/>
+          </p:nvPr>
+        </p:nvSpPr>
+        <p:spPr/>
+        <p:txBody>
+          <a:bodyPr/>
+          <a:lstStyle/>
+          <a:p>
+            <a:r>
+              <a:rPr lang="en-US" dirty="0" smtClean="0"/>
+              <a:t>Repeatedly remove unsatisfied constraint</a:t>
+            </a:r>
+          </a:p>
+          <a:p>
+            <a:r>
+              <a:rPr lang="en-US" dirty="0" smtClean="0"/>
+              <a:t>Guaranteed to terminate</a:t>
+            </a:r>
+          </a:p>
+          <a:p>
+            <a:r>
+              <a:rPr lang="en-US" dirty="0" smtClean="0"/>
+              <a:t>If terminates in “Failure” then there is no solution</a:t>
+            </a:r>
+          </a:p>
+          <a:p>
+            <a:r>
+              <a:rPr lang="en-US" dirty="0" smtClean="0"/>
+              <a:t>Otherwise, finds the “least </a:t>
+            </a:r>
+            <a:r>
+              <a:rPr lang="en-US" dirty="0" err="1" smtClean="0"/>
+              <a:t>fixpoint</a:t>
+            </a:r>
+            <a:r>
+              <a:rPr lang="en-US" dirty="0" smtClean="0"/>
+              <a:t>” solution</a:t>
+            </a:r>
+            <a:endParaRPr lang="en-US" dirty="0"/>
+          </a:p>
+        </p:txBody>
+      </p:sp>
+    </p:spTree>
+    <p:extLst>
+      <p:ext uri="{BB962C8B-B14F-4D97-AF65-F5344CB8AC3E}">
+        <p14:creationId xmlns:p14="http://schemas.microsoft.com/office/powerpoint/2010/main" val="3691784953"/>
+      </p:ext>
+    </p:extLst>
+  </p:cSld>
+  <p:clrMapOvr>
+    <a:masterClrMapping/>
+  </p:clrMapOvr>
+  <p:timing>
+    <p:tnLst>
+      <p:par>
+        <p:cTn xmlns:p14="http://schemas.microsoft.com/office/powerpoint/2010/main" id="1" dur="indefinite" restart="never" nodeType="tmRoot"/>
+      </p:par>
+    </p:tnLst>
+  </p:timing>
+</p:sld>
+</file>
+
+<file path=ppt/slides/slide33.xml><?xml version="1.0" encoding="utf-8"?>
+<p:sld xmlns:a="http://schemas.openxmlformats.org/drawingml/2006/main" xmlns:r="http://schemas.openxmlformats.org/officeDocument/2006/relationships" xmlns:p="http://schemas.openxmlformats.org/presentationml/2006/main">
+  <p:cSld>
+    <p:spTree>
+      <p:nvGrpSpPr>
+        <p:cNvPr id="1" name=""/>
+        <p:cNvGrpSpPr/>
+        <p:nvPr/>
+      </p:nvGrpSpPr>
+      <p:grpSpPr>
+        <a:xfrm>
+          <a:off x="0" y="0"/>
+          <a:ext cx="0" cy="0"/>
+          <a:chOff x="0" y="0"/>
+          <a:chExt cx="0" cy="0"/>
+        </a:xfrm>
+      </p:grpSpPr>
+      <p:sp>
+        <p:nvSpPr>
+          <p:cNvPr id="2" name="Text Placeholder 1"/>
+          <p:cNvSpPr>
+            <a:spLocks noGrp="1"/>
+          </p:cNvSpPr>
+          <p:nvPr>
+            <p:ph type="body" idx="1"/>
+          </p:nvPr>
+        </p:nvSpPr>
+        <p:spPr/>
+        <p:txBody>
+          <a:bodyPr/>
+          <a:lstStyle/>
+          <a:p>
+            <a:r>
+              <a:rPr lang="en-US" dirty="0" smtClean="0"/>
+              <a:t>Non-General Types</a:t>
+            </a:r>
+          </a:p>
+          <a:p>
+            <a:r>
+              <a:rPr lang="en-US" dirty="0" smtClean="0"/>
+              <a:t>A-Normalizing</a:t>
+            </a:r>
+          </a:p>
+          <a:p>
+            <a:r>
+              <a:rPr lang="en-US" dirty="0" smtClean="0"/>
+              <a:t>Array Bounds Checking</a:t>
+            </a:r>
+          </a:p>
+          <a:p>
+            <a:endParaRPr lang="en-US" dirty="0" smtClean="0"/>
+          </a:p>
+        </p:txBody>
+      </p:sp>
+      <p:sp>
+        <p:nvSpPr>
+          <p:cNvPr id="3" name="Title 2"/>
+          <p:cNvSpPr>
+            <a:spLocks noGrp="1"/>
+          </p:cNvSpPr>
+          <p:nvPr>
+            <p:ph type="title"/>
+          </p:nvPr>
+        </p:nvSpPr>
+        <p:spPr/>
+        <p:txBody>
+          <a:bodyPr/>
+          <a:lstStyle/>
+          <a:p>
+            <a:r>
+              <a:rPr lang="en-US" dirty="0" smtClean="0"/>
+              <a:t>Wrapping Up</a:t>
+            </a:r>
+            <a:endParaRPr lang="en-US" dirty="0"/>
+          </a:p>
+        </p:txBody>
+      </p:sp>
+      <p:sp>
+        <p:nvSpPr>
+          <p:cNvPr id="4" name="TextBox 3"/>
+          <p:cNvSpPr txBox="1"/>
+          <p:nvPr/>
+        </p:nvSpPr>
+        <p:spPr>
+          <a:xfrm>
+            <a:off x="4438315" y="2204353"/>
+            <a:ext cx="588209" cy="400110"/>
+          </a:xfrm>
+          <a:prstGeom prst="rect">
+            <a:avLst/>
+          </a:prstGeom>
+          <a:noFill/>
+        </p:spPr>
+        <p:txBody>
+          <a:bodyPr wrap="square" rtlCol="0">
+            <a:spAutoFit/>
+          </a:bodyPr>
+          <a:lstStyle/>
+          <a:p>
+            <a:r>
+              <a:rPr lang="el-GR" sz="2000" dirty="0" smtClean="0"/>
+              <a:t>λ</a:t>
+            </a:r>
+            <a:endParaRPr lang="en-US" sz="2000" dirty="0"/>
+          </a:p>
+        </p:txBody>
+      </p:sp>
+    </p:spTree>
+    <p:extLst>
+      <p:ext uri="{BB962C8B-B14F-4D97-AF65-F5344CB8AC3E}">
+        <p14:creationId xmlns:p14="http://schemas.microsoft.com/office/powerpoint/2010/main" val="993084233"/>
+      </p:ext>
+    </p:extLst>
+  </p:cSld>
+  <p:clrMapOvr>
+    <a:masterClrMapping/>
+  </p:clrMapOvr>
+  <p:timing>
+    <p:tnLst>
+      <p:par>
+        <p:cTn xmlns:p14="http://schemas.microsoft.com/office/powerpoint/2010/main" id="1" dur="indefinite" restart="never" nodeType="tmRoot"/>
+      </p:par>
+    </p:tnLst>
+  </p:timing>
+</p:sld>
+</file>
+
+<file path=ppt/slides/slide34.xml><?xml version="1.0" encoding="utf-8"?>
+<p:sld xmlns:a="http://schemas.openxmlformats.org/drawingml/2006/main" xmlns:r="http://schemas.openxmlformats.org/officeDocument/2006/relationships" xmlns:p="http://schemas.openxmlformats.org/presentationml/2006/main">
+  <p:cSld>
+    <p:spTree>
+      <p:nvGrpSpPr>
+        <p:cNvPr id="1" name=""/>
+        <p:cNvGrpSpPr/>
+        <p:nvPr/>
+      </p:nvGrpSpPr>
+      <p:grpSpPr>
+        <a:xfrm>
+          <a:off x="0" y="0"/>
+          <a:ext cx="0" cy="0"/>
+          <a:chOff x="0" y="0"/>
+          <a:chExt cx="0" cy="0"/>
+        </a:xfrm>
+      </p:grpSpPr>
+      <p:sp>
+        <p:nvSpPr>
+          <p:cNvPr id="2" name="Title 1"/>
+          <p:cNvSpPr>
+            <a:spLocks noGrp="1"/>
+          </p:cNvSpPr>
+          <p:nvPr>
+            <p:ph type="title"/>
+          </p:nvPr>
+        </p:nvSpPr>
+        <p:spPr/>
+        <p:txBody>
+          <a:bodyPr/>
+          <a:lstStyle/>
+          <a:p>
+            <a:r>
+              <a:rPr lang="en-US" dirty="0" smtClean="0"/>
+              <a:t>Non-General Types</a:t>
+            </a:r>
+            <a:endParaRPr lang="en-US" dirty="0"/>
+          </a:p>
+        </p:txBody>
+      </p:sp>
+      <p:sp>
+        <p:nvSpPr>
+          <p:cNvPr id="9" name="TextBox 8"/>
+          <p:cNvSpPr txBox="1"/>
+          <p:nvPr/>
+        </p:nvSpPr>
+        <p:spPr>
+          <a:xfrm>
+            <a:off x="4438315" y="1069513"/>
+            <a:ext cx="588209" cy="400110"/>
+          </a:xfrm>
+          <a:prstGeom prst="rect">
+            <a:avLst/>
+          </a:prstGeom>
+          <a:noFill/>
+        </p:spPr>
+        <p:txBody>
+          <a:bodyPr wrap="square" rtlCol="0">
+            <a:spAutoFit/>
+          </a:bodyPr>
+          <a:lstStyle/>
+          <a:p>
+            <a:r>
+              <a:rPr lang="el-GR" sz="2000" dirty="0" smtClean="0"/>
+              <a:t>λ</a:t>
+            </a:r>
+            <a:endParaRPr lang="en-US" sz="2000" dirty="0"/>
+          </a:p>
+        </p:txBody>
+      </p:sp>
+      <p:sp>
+        <p:nvSpPr>
+          <p:cNvPr id="4" name="Content Placeholder 3"/>
+          <p:cNvSpPr>
+            <a:spLocks noGrp="1"/>
+          </p:cNvSpPr>
+          <p:nvPr>
+            <p:ph sz="quarter" idx="1"/>
+          </p:nvPr>
+        </p:nvSpPr>
+        <p:spPr/>
+        <p:txBody>
+          <a:bodyPr/>
+          <a:lstStyle/>
+          <a:p>
+            <a:r>
+              <a:rPr lang="en-US" dirty="0" smtClean="0"/>
+              <a:t>Monomorphic liquid types</a:t>
+            </a:r>
+          </a:p>
+          <a:p>
+            <a:pPr lvl="1"/>
+            <a:r>
+              <a:rPr lang="en-US" dirty="0" smtClean="0"/>
+              <a:t>Polymorphism is only in ML types</a:t>
+            </a:r>
+          </a:p>
+          <a:p>
+            <a:r>
+              <a:rPr lang="en-US" dirty="0" smtClean="0"/>
+              <a:t>Obtain “strongest liquid </a:t>
+            </a:r>
+            <a:r>
+              <a:rPr lang="en-US" dirty="0" err="1" smtClean="0"/>
+              <a:t>supertype</a:t>
+            </a:r>
+            <a:r>
+              <a:rPr lang="en-US" dirty="0" smtClean="0"/>
+              <a:t>”</a:t>
+            </a:r>
+          </a:p>
+          <a:p>
+            <a:pPr lvl="1"/>
+            <a:r>
+              <a:rPr lang="en-US" dirty="0" smtClean="0"/>
+              <a:t>ML type inference goes for most general type</a:t>
+            </a:r>
+          </a:p>
+          <a:p>
+            <a:r>
+              <a:rPr lang="en-US" dirty="0" smtClean="0"/>
+              <a:t>Output for function depends on function calls</a:t>
+            </a:r>
+          </a:p>
+        </p:txBody>
+      </p:sp>
+    </p:spTree>
+    <p:extLst>
+      <p:ext uri="{BB962C8B-B14F-4D97-AF65-F5344CB8AC3E}">
+        <p14:creationId xmlns:p14="http://schemas.microsoft.com/office/powerpoint/2010/main" val="282306228"/>
+      </p:ext>
+    </p:extLst>
+  </p:cSld>
+  <p:clrMapOvr>
+    <a:masterClrMapping/>
+  </p:clrMapOvr>
+  <p:timing>
+    <p:tnLst>
+      <p:par>
+        <p:cTn xmlns:p14="http://schemas.microsoft.com/office/powerpoint/2010/main" id="1" dur="indefinite" restart="never" nodeType="tmRoot"/>
+      </p:par>
+    </p:tnLst>
+  </p:timing>
+</p:sld>
+</file>
+
+<file path=ppt/slides/slide35.xml><?xml version="1.0" encoding="utf-8"?>
+<p:sld xmlns:a="http://schemas.openxmlformats.org/drawingml/2006/main" xmlns:r="http://schemas.openxmlformats.org/officeDocument/2006/relationships" xmlns:p="http://schemas.openxmlformats.org/presentationml/2006/main">
+  <p:cSld>
+    <p:spTree>
+      <p:nvGrpSpPr>
+        <p:cNvPr id="1" name=""/>
+        <p:cNvGrpSpPr/>
+        <p:nvPr/>
+      </p:nvGrpSpPr>
+      <p:grpSpPr>
+        <a:xfrm>
+          <a:off x="0" y="0"/>
+          <a:ext cx="0" cy="0"/>
+          <a:chOff x="0" y="0"/>
+          <a:chExt cx="0" cy="0"/>
+        </a:xfrm>
+      </p:grpSpPr>
+      <p:sp>
+        <p:nvSpPr>
+          <p:cNvPr id="2" name="Title 1"/>
+          <p:cNvSpPr>
+            <a:spLocks noGrp="1"/>
+          </p:cNvSpPr>
+          <p:nvPr>
+            <p:ph type="title"/>
+          </p:nvPr>
+        </p:nvSpPr>
+        <p:spPr/>
+        <p:txBody>
+          <a:bodyPr/>
+          <a:lstStyle/>
+          <a:p>
+            <a:r>
+              <a:rPr lang="en-US" dirty="0" smtClean="0"/>
+              <a:t>A-Normalization</a:t>
+            </a:r>
+            <a:endParaRPr lang="en-US" dirty="0"/>
+          </a:p>
+        </p:txBody>
+      </p:sp>
+      <p:sp>
+        <p:nvSpPr>
+          <p:cNvPr id="9" name="TextBox 8"/>
+          <p:cNvSpPr txBox="1"/>
+          <p:nvPr/>
+        </p:nvSpPr>
+        <p:spPr>
+          <a:xfrm>
+            <a:off x="4438315" y="1069513"/>
+            <a:ext cx="588209" cy="400110"/>
+          </a:xfrm>
+          <a:prstGeom prst="rect">
+            <a:avLst/>
+          </a:prstGeom>
+          <a:noFill/>
+        </p:spPr>
+        <p:txBody>
+          <a:bodyPr wrap="square" rtlCol="0">
+            <a:spAutoFit/>
+          </a:bodyPr>
+          <a:lstStyle/>
+          <a:p>
+            <a:r>
+              <a:rPr lang="el-GR" sz="2000" dirty="0" smtClean="0"/>
+              <a:t>λ</a:t>
+            </a:r>
+            <a:endParaRPr lang="en-US" sz="2000" dirty="0"/>
+          </a:p>
+        </p:txBody>
+      </p:sp>
+      <p:sp>
+        <p:nvSpPr>
+          <p:cNvPr id="4" name="Content Placeholder 3"/>
+          <p:cNvSpPr>
+            <a:spLocks noGrp="1"/>
+          </p:cNvSpPr>
+          <p:nvPr>
+            <p:ph sz="quarter" idx="1"/>
+          </p:nvPr>
+        </p:nvSpPr>
+        <p:spPr/>
+        <p:txBody>
+          <a:bodyPr/>
+          <a:lstStyle/>
+          <a:p>
+            <a:r>
+              <a:rPr lang="en-US" dirty="0" smtClean="0"/>
+              <a:t>Intermediate </a:t>
+            </a:r>
+            <a:r>
+              <a:rPr lang="en-US" dirty="0" err="1" smtClean="0"/>
+              <a:t>subexpressions</a:t>
+            </a:r>
+            <a:r>
+              <a:rPr lang="en-US" dirty="0" smtClean="0"/>
+              <a:t> are bound to temporary variables to give them liquid type information</a:t>
+            </a:r>
+          </a:p>
+          <a:p>
+            <a:r>
+              <a:rPr lang="en-US" dirty="0" smtClean="0"/>
+              <a:t>Example: sum (k-1) </a:t>
+            </a:r>
+          </a:p>
+        </p:txBody>
+      </p:sp>
+    </p:spTree>
+    <p:extLst>
+      <p:ext uri="{BB962C8B-B14F-4D97-AF65-F5344CB8AC3E}">
+        <p14:creationId xmlns:p14="http://schemas.microsoft.com/office/powerpoint/2010/main" val="3686039595"/>
+      </p:ext>
+    </p:extLst>
+  </p:cSld>
+  <p:clrMapOvr>
+    <a:masterClrMapping/>
+  </p:clrMapOvr>
+  <p:timing>
+    <p:tnLst>
+      <p:par>
+        <p:cTn xmlns:p14="http://schemas.microsoft.com/office/powerpoint/2010/main" id="1" dur="indefinite" restart="never" nodeType="tmRoot"/>
+      </p:par>
+    </p:tnLst>
+  </p:timing>
+</p:sld>
+</file>
+
+<file path=ppt/slides/slide36.xml><?xml version="1.0" encoding="utf-8"?>
+<p:sld xmlns:a="http://schemas.openxmlformats.org/drawingml/2006/main" xmlns:r="http://schemas.openxmlformats.org/officeDocument/2006/relationships" xmlns:p="http://schemas.openxmlformats.org/presentationml/2006/main">
+  <p:cSld>
+    <p:spTree>
+      <p:nvGrpSpPr>
+        <p:cNvPr id="1" name=""/>
+        <p:cNvGrpSpPr/>
+        <p:nvPr/>
+      </p:nvGrpSpPr>
+      <p:grpSpPr>
+        <a:xfrm>
+          <a:off x="0" y="0"/>
+          <a:ext cx="0" cy="0"/>
+          <a:chOff x="0" y="0"/>
+          <a:chExt cx="0" cy="0"/>
+        </a:xfrm>
+      </p:grpSpPr>
+      <p:sp>
+        <p:nvSpPr>
+          <p:cNvPr id="2" name="Title 1"/>
+          <p:cNvSpPr>
+            <a:spLocks noGrp="1"/>
+          </p:cNvSpPr>
+          <p:nvPr>
+            <p:ph type="title"/>
+          </p:nvPr>
+        </p:nvSpPr>
+        <p:spPr/>
+        <p:txBody>
+          <a:bodyPr/>
+          <a:lstStyle/>
+          <a:p>
+            <a:r>
+              <a:rPr lang="en-US" dirty="0" smtClean="0"/>
+              <a:t>Array Bounds Checking</a:t>
+            </a:r>
+            <a:endParaRPr lang="en-US" dirty="0"/>
+          </a:p>
+        </p:txBody>
+      </p:sp>
+      <p:sp>
+        <p:nvSpPr>
+          <p:cNvPr id="9" name="TextBox 8"/>
+          <p:cNvSpPr txBox="1"/>
+          <p:nvPr/>
+        </p:nvSpPr>
+        <p:spPr>
+          <a:xfrm>
+            <a:off x="4438315" y="1069513"/>
+            <a:ext cx="588209" cy="400110"/>
+          </a:xfrm>
+          <a:prstGeom prst="rect">
+            <a:avLst/>
+          </a:prstGeom>
+          <a:noFill/>
+        </p:spPr>
+        <p:txBody>
+          <a:bodyPr wrap="square" rtlCol="0">
+            <a:spAutoFit/>
+          </a:bodyPr>
+          <a:lstStyle/>
+          <a:p>
+            <a:r>
+              <a:rPr lang="el-GR" sz="2000" dirty="0" smtClean="0"/>
+              <a:t>λ</a:t>
+            </a:r>
+            <a:endParaRPr lang="en-US" sz="2000" dirty="0"/>
+          </a:p>
+        </p:txBody>
+      </p:sp>
+      <p:sp>
+        <p:nvSpPr>
+          <p:cNvPr id="4" name="Content Placeholder 3"/>
+          <p:cNvSpPr>
+            <a:spLocks noGrp="1"/>
+          </p:cNvSpPr>
+          <p:nvPr>
+            <p:ph sz="quarter" idx="1"/>
+          </p:nvPr>
+        </p:nvSpPr>
+        <p:spPr/>
+        <p:txBody>
+          <a:bodyPr/>
+          <a:lstStyle/>
+          <a:p>
+            <a:r>
+              <a:rPr lang="en-US" dirty="0" smtClean="0"/>
+              <a:t>Qualifiers</a:t>
+            </a:r>
+          </a:p>
+          <a:p>
+            <a:endParaRPr lang="en-US" dirty="0"/>
+          </a:p>
+          <a:p>
+            <a:r>
+              <a:rPr lang="en-US" dirty="0" smtClean="0"/>
+              <a:t>OCAML Program With Array Accessing</a:t>
+            </a:r>
+          </a:p>
+          <a:p>
+            <a:pPr lvl="1"/>
+            <a:r>
+              <a:rPr lang="en-US" dirty="0" err="1" smtClean="0"/>
+              <a:t>Heapsort</a:t>
+            </a:r>
+            <a:r>
+              <a:rPr lang="en-US" dirty="0" smtClean="0"/>
+              <a:t>, </a:t>
+            </a:r>
+            <a:r>
+              <a:rPr lang="en-US" dirty="0" err="1" smtClean="0"/>
+              <a:t>fft</a:t>
+            </a:r>
+            <a:r>
+              <a:rPr lang="en-US" dirty="0" smtClean="0"/>
+              <a:t>, simplex, etc.</a:t>
+            </a:r>
+          </a:p>
+          <a:p>
+            <a:r>
+              <a:rPr lang="en-US" dirty="0" smtClean="0"/>
+              <a:t>Output: automatically prove safety of all array accesses</a:t>
+            </a:r>
+          </a:p>
+          <a:p>
+            <a:endParaRPr lang="en-US" dirty="0" smtClean="0"/>
+          </a:p>
+        </p:txBody>
+      </p:sp>
+      <p:pic>
+        <p:nvPicPr>
+          <p:cNvPr id="6" name="Picture 5" descr="latex-image-1.pdf"/>
+          <p:cNvPicPr>
+            <a:picLocks noChangeAspect="1"/>
+          </p:cNvPicPr>
+          <p:nvPr/>
+        </p:nvPicPr>
+        <p:blipFill>
+          <a:blip r:embed="rId3">
+            <a:extLst>
+              <a:ext uri="{28A0092B-C50C-407E-A947-70E740481C1C}">
+                <a14:useLocalDpi xmlns:a14="http://schemas.microsoft.com/office/drawing/2010/main" val="0"/>
+              </a:ext>
+            </a:extLst>
+          </a:blip>
+          <a:stretch>
+            <a:fillRect/>
+          </a:stretch>
+        </p:blipFill>
+        <p:spPr>
+          <a:xfrm>
+            <a:off x="385572" y="2110426"/>
+            <a:ext cx="8420100" cy="330200"/>
+          </a:xfrm>
+          <a:prstGeom prst="rect">
+            <a:avLst/>
+          </a:prstGeom>
+        </p:spPr>
+      </p:pic>
+    </p:spTree>
+    <p:extLst>
+      <p:ext uri="{BB962C8B-B14F-4D97-AF65-F5344CB8AC3E}">
+        <p14:creationId xmlns:p14="http://schemas.microsoft.com/office/powerpoint/2010/main" val="2616052634"/>
+      </p:ext>
+    </p:extLst>
+  </p:cSld>
+  <p:clrMapOvr>
+    <a:masterClrMapping/>
+  </p:clrMapOvr>
+  <p:timing>
+    <p:tnLst>
+      <p:par>
+        <p:cTn xmlns:p14="http://schemas.microsoft.com/office/powerpoint/2010/main" id="1" dur="indefinite" restart="never" nodeType="tmRoot"/>
+      </p:par>
+    </p:tnLst>
+  </p:timing>
+</p:sld>
+</file>
+
+<file path=ppt/slides/slide37.xml><?xml version="1.0" encoding="utf-8"?>
+<p:sld xmlns:a="http://schemas.openxmlformats.org/drawingml/2006/main" xmlns:r="http://schemas.openxmlformats.org/officeDocument/2006/relationships" xmlns:p="http://schemas.openxmlformats.org/presentationml/2006/main">
+  <p:cSld>
+    <p:spTree>
+      <p:nvGrpSpPr>
+        <p:cNvPr id="1" name=""/>
+        <p:cNvGrpSpPr/>
+        <p:nvPr/>
+      </p:nvGrpSpPr>
+      <p:grpSpPr>
+        <a:xfrm>
+          <a:off x="0" y="0"/>
+          <a:ext cx="0" cy="0"/>
+          <a:chOff x="0" y="0"/>
+          <a:chExt cx="0" cy="0"/>
+        </a:xfrm>
+      </p:grpSpPr>
+      <p:sp>
+        <p:nvSpPr>
+          <p:cNvPr id="3" name="Title 2"/>
+          <p:cNvSpPr>
+            <a:spLocks noGrp="1"/>
+          </p:cNvSpPr>
+          <p:nvPr>
+            <p:ph type="title"/>
+          </p:nvPr>
+        </p:nvSpPr>
+        <p:spPr/>
+        <p:txBody>
+          <a:bodyPr/>
+          <a:lstStyle/>
+          <a:p>
+            <a:r>
+              <a:rPr lang="en-US" dirty="0" smtClean="0"/>
+              <a:t>Conclusion</a:t>
+            </a:r>
+            <a:endParaRPr lang="en-US" dirty="0"/>
+          </a:p>
+        </p:txBody>
+      </p:sp>
+      <p:sp>
+        <p:nvSpPr>
+          <p:cNvPr id="4" name="TextBox 3"/>
+          <p:cNvSpPr txBox="1"/>
+          <p:nvPr/>
+        </p:nvSpPr>
+        <p:spPr>
+          <a:xfrm>
+            <a:off x="4438315" y="2204353"/>
+            <a:ext cx="588209" cy="400110"/>
+          </a:xfrm>
+          <a:prstGeom prst="rect">
+            <a:avLst/>
+          </a:prstGeom>
+          <a:noFill/>
+        </p:spPr>
+        <p:txBody>
+          <a:bodyPr wrap="square" rtlCol="0">
+            <a:spAutoFit/>
+          </a:bodyPr>
+          <a:lstStyle/>
+          <a:p>
+            <a:r>
+              <a:rPr lang="el-GR" sz="2000" dirty="0" smtClean="0"/>
+              <a:t>λ</a:t>
+            </a:r>
+            <a:endParaRPr lang="en-US" sz="2000" dirty="0"/>
+          </a:p>
+        </p:txBody>
+      </p:sp>
+      <p:pic>
+        <p:nvPicPr>
+          <p:cNvPr id="5" name="Picture 4"/>
+          <p:cNvPicPr>
+            <a:picLocks noChangeAspect="1"/>
+          </p:cNvPicPr>
+          <p:nvPr/>
+        </p:nvPicPr>
+        <p:blipFill>
+          <a:blip r:embed="rId3"/>
+          <a:stretch>
+            <a:fillRect/>
+          </a:stretch>
+        </p:blipFill>
+        <p:spPr>
+          <a:xfrm>
+            <a:off x="2262024" y="2738568"/>
+            <a:ext cx="4645918" cy="3503022"/>
+          </a:xfrm>
+          <a:prstGeom prst="rect">
+            <a:avLst/>
+          </a:prstGeom>
+        </p:spPr>
+      </p:pic>
+    </p:spTree>
+    <p:extLst>
+      <p:ext uri="{BB962C8B-B14F-4D97-AF65-F5344CB8AC3E}">
+        <p14:creationId xmlns:p14="http://schemas.microsoft.com/office/powerpoint/2010/main" val="3616887611"/>
       </p:ext>
     </p:extLst>
   </p:cSld>
@@ -7376,7 +14340,7 @@
           <a:p>
             <a:r>
               <a:rPr lang="en-US" dirty="0" smtClean="0"/>
-              <a:t>Outline</a:t>
+              <a:t>Dependent Types</a:t>
             </a:r>
             <a:endParaRPr lang="en-US" dirty="0"/>
           </a:p>
@@ -7394,96 +14358,47 @@
         </p:nvSpPr>
         <p:spPr/>
         <p:txBody>
-          <a:bodyPr>
-            <a:normAutofit fontScale="77500" lnSpcReduction="20000"/>
-          </a:bodyPr>
-          <a:lstStyle/>
-          <a:p>
-            <a:r>
-              <a:rPr lang="en-US" dirty="0" smtClean="0"/>
-              <a:t>Blending </a:t>
-            </a:r>
-            <a:r>
-              <a:rPr lang="en-US" dirty="0" err="1" smtClean="0"/>
-              <a:t>Hindley</a:t>
-            </a:r>
-            <a:r>
-              <a:rPr lang="en-US" dirty="0" smtClean="0"/>
-              <a:t>-Milner type inference with predicate abstraction (a technique for synthesizing loop invariants for imperative programs that forms the algorithmic core of several software model checkers)</a:t>
-            </a:r>
-          </a:p>
-          <a:p>
-            <a:r>
-              <a:rPr lang="en-US" dirty="0" smtClean="0"/>
-              <a:t>Decidability of type checking and inference</a:t>
+          <a:bodyPr/>
+          <a:lstStyle/>
+          <a:p>
+            <a:r>
+              <a:rPr lang="en-US" dirty="0" smtClean="0"/>
+              <a:t>Also known as Refinement Types</a:t>
             </a:r>
           </a:p>
           <a:p>
             <a:pPr lvl="1"/>
             <a:r>
               <a:rPr lang="en-US" dirty="0" smtClean="0"/>
-              <a:t>Three reasons</a:t>
-            </a:r>
-          </a:p>
-          <a:p>
-            <a:r>
-              <a:rPr lang="en-US" dirty="0" smtClean="0"/>
-              <a:t>Three step algorithm for dependent type inference</a:t>
+              <a:t>I.E - </a:t>
+            </a:r>
+            <a:endParaRPr lang="en-US" dirty="0"/>
+          </a:p>
+          <a:p>
+            <a:r>
+              <a:rPr lang="en-US" dirty="0"/>
+              <a:t>Motivation</a:t>
             </a:r>
           </a:p>
           <a:p>
             <a:pPr lvl="1"/>
             <a:r>
-              <a:rPr lang="en-US" dirty="0" smtClean="0"/>
-              <a:t>HM Type Inference</a:t>
+              <a:rPr lang="en-US" dirty="0"/>
+              <a:t>Static verification of program properties</a:t>
             </a:r>
           </a:p>
           <a:p>
             <a:pPr lvl="1"/>
             <a:r>
-              <a:rPr lang="en-US" dirty="0" smtClean="0"/>
-              <a:t>Liquid Constraint Generation</a:t>
-            </a:r>
-          </a:p>
-          <a:p>
-            <a:pPr lvl="1"/>
-            <a:r>
-              <a:rPr lang="en-US" dirty="0" smtClean="0"/>
-              <a:t>Liquid Constraint Solving</a:t>
-            </a:r>
-          </a:p>
-          <a:p>
-            <a:r>
-              <a:rPr lang="en-US" dirty="0" smtClean="0"/>
-              <a:t>Safe Programs that cannot be well-typed in our system</a:t>
-            </a:r>
-          </a:p>
-          <a:p>
-            <a:pPr lvl="1"/>
-            <a:r>
-              <a:rPr lang="en-US" dirty="0" smtClean="0"/>
-              <a:t>Why</a:t>
-            </a:r>
-          </a:p>
-          <a:p>
-            <a:pPr lvl="1"/>
-            <a:r>
-              <a:rPr lang="en-US" dirty="0" smtClean="0"/>
-              <a:t>What to do</a:t>
-            </a:r>
-          </a:p>
-          <a:p>
-            <a:r>
-              <a:rPr lang="en-US" dirty="0" smtClean="0"/>
-              <a:t>DSOLVE – tool to infer liquid types for OCAML programs</a:t>
-            </a:r>
-          </a:p>
-          <a:p>
-            <a:pPr lvl="1"/>
-            <a:r>
-              <a:rPr lang="en-US" dirty="0" smtClean="0"/>
-              <a:t>Array Accesses</a:t>
-            </a:r>
+              <a:rPr lang="en-US" dirty="0"/>
+              <a:t>Elimination of expensive run-time </a:t>
+            </a:r>
+            <a:r>
+              <a:rPr lang="en-US" dirty="0" smtClean="0"/>
+              <a:t>checks</a:t>
+            </a:r>
+          </a:p>
+          <a:p>
             <a:endParaRPr lang="en-US" dirty="0"/>
           </a:p>
         </p:txBody>
@@ -7518,10 +14433,40 @@
           </a:p>
         </p:txBody>
       </p:sp>
+      <p:pic>
+        <p:nvPicPr>
+          <p:cNvPr id="5" name="Picture 4" descr="latex-image-1.pdf"/>
+          <p:cNvPicPr>
+            <a:picLocks noChangeAspect="1"/>
+          </p:cNvPicPr>
+          <p:nvPr/>
+        </p:nvPicPr>
+        <p:blipFill>
+          <a:blip r:embed="rId3">
+            <a:extLst>
+              <a:ext uri="{28A0092B-C50C-407E-A947-70E740481C1C}">
+                <a14:useLocalDpi xmlns:a14="http://schemas.microsoft.com/office/drawing/2010/main" val="0"/>
+              </a:ext>
+            </a:extLst>
+          </a:blip>
+          <a:stretch>
+            <a:fillRect/>
+          </a:stretch>
+        </p:blipFill>
+        <p:spPr>
+          <a:xfrm>
+            <a:off x="2887239" y="2078123"/>
+            <a:ext cx="3368842" cy="288418"/>
+          </a:xfrm>
+          <a:prstGeom prst="rect">
+            <a:avLst/>
+          </a:prstGeom>
+        </p:spPr>
+      </p:pic>
     </p:spTree>
     <p:extLst>
       <p:ext uri="{BB962C8B-B14F-4D97-AF65-F5344CB8AC3E}">
-        <p14:creationId xmlns:p14="http://schemas.microsoft.com/office/powerpoint/2010/main" val="2998362138"/>
+        <p14:creationId xmlns:p14="http://schemas.microsoft.com/office/powerpoint/2010/main" val="2007876450"/>
       </p:ext>
     </p:extLst>
   </p:cSld>
@@ -7572,7 +14517,7 @@
           <a:p>
             <a:r>
               <a:rPr lang="en-US" dirty="0" smtClean="0"/>
-              <a:t>Dependent Types</a:t>
+              <a:t>Dependent Type Inference</a:t>
             </a:r>
             <a:endParaRPr lang="en-US" dirty="0"/>
           </a:p>
@@ -7592,6 +14537,27 @@
         <p:txBody>
           <a:bodyPr/>
           <a:lstStyle/>
+          <a:p>
+            <a:r>
+              <a:rPr lang="en-US" dirty="0" smtClean="0"/>
+              <a:t>Annotation burden</a:t>
+            </a:r>
+          </a:p>
+          <a:p>
+            <a:pPr lvl="1"/>
+            <a:r>
+              <a:rPr lang="en-US" dirty="0" smtClean="0"/>
+              <a:t>We want fewer </a:t>
+            </a:r>
+            <a:r>
+              <a:rPr lang="en-US" dirty="0"/>
+              <a:t>required manual annotations </a:t>
+            </a:r>
+          </a:p>
+          <a:p>
+            <a:pPr lvl="1"/>
+            <a:endParaRPr lang="en-US" dirty="0"/>
+          </a:p>
           <a:p>
             <a:endParaRPr lang="en-US" dirty="0"/>
           </a:p>
@@ -7630,7 +14596,7 @@
     </p:spTree>
     <p:extLst>
       <p:ext uri="{BB962C8B-B14F-4D97-AF65-F5344CB8AC3E}">
-        <p14:creationId xmlns:p14="http://schemas.microsoft.com/office/powerpoint/2010/main" val="2377303878"/>
+        <p14:creationId xmlns:p14="http://schemas.microsoft.com/office/powerpoint/2010/main" val="1129657461"/>
       </p:ext>
     </p:extLst>
   </p:cSld>
@@ -7681,7 +14647,141 @@
           <a:p>
             <a:r>
               <a:rPr lang="en-US" dirty="0" smtClean="0"/>
-              <a:t>Logical Qualifiers and Liquid Types</a:t>
+              <a:t>“Liquid” Type Inference</a:t>
+            </a:r>
+            <a:endParaRPr lang="en-US" dirty="0"/>
+          </a:p>
+        </p:txBody>
+      </p:sp>
+      <p:sp>
+        <p:nvSpPr>
+          <p:cNvPr id="10" name="Content Placeholder 9"/>
+          <p:cNvSpPr>
+            <a:spLocks noGrp="1"/>
+          </p:cNvSpPr>
+          <p:nvPr>
+            <p:ph sz="quarter" idx="1"/>
+          </p:nvPr>
+        </p:nvSpPr>
+        <p:spPr/>
+        <p:txBody>
+          <a:bodyPr/>
+          <a:lstStyle/>
+          <a:p>
+            <a:r>
+              <a:rPr lang="en-US" dirty="0" smtClean="0">
+                <a:solidFill>
+                  <a:srgbClr val="FF0000"/>
+                </a:solidFill>
+              </a:rPr>
+              <a:t>L</a:t>
+            </a:r>
+            <a:r>
+              <a:rPr lang="en-US" dirty="0" smtClean="0"/>
+              <a:t>og</a:t>
+            </a:r>
+            <a:r>
+              <a:rPr lang="en-US" dirty="0" smtClean="0">
+                <a:solidFill>
+                  <a:srgbClr val="FF0000"/>
+                </a:solidFill>
+              </a:rPr>
+              <a:t>i</a:t>
+            </a:r>
+            <a:r>
+              <a:rPr lang="en-US" dirty="0" smtClean="0"/>
+              <a:t>cally </a:t>
+            </a:r>
+            <a:r>
+              <a:rPr lang="en-US" dirty="0" smtClean="0">
+                <a:solidFill>
+                  <a:srgbClr val="FF0000"/>
+                </a:solidFill>
+              </a:rPr>
+              <a:t>qu</a:t>
+            </a:r>
+            <a:r>
+              <a:rPr lang="en-US" dirty="0" smtClean="0"/>
+              <a:t>al</a:t>
+            </a:r>
+            <a:r>
+              <a:rPr lang="en-US" dirty="0" smtClean="0">
+                <a:solidFill>
+                  <a:srgbClr val="FF0000"/>
+                </a:solidFill>
+              </a:rPr>
+              <a:t>i</a:t>
+            </a:r>
+            <a:r>
+              <a:rPr lang="en-US" dirty="0" smtClean="0"/>
+              <a:t>fie</a:t>
+            </a:r>
+            <a:r>
+              <a:rPr lang="en-US" dirty="0" smtClean="0">
+                <a:solidFill>
+                  <a:srgbClr val="FF0000"/>
+                </a:solidFill>
+              </a:rPr>
+              <a:t>d</a:t>
+            </a:r>
+            <a:r>
+              <a:rPr lang="en-US" dirty="0" smtClean="0"/>
+              <a:t> </a:t>
+            </a:r>
+            <a:r>
+              <a:rPr lang="en-US" dirty="0" smtClean="0">
+                <a:solidFill>
+                  <a:srgbClr val="FF0000"/>
+                </a:solidFill>
+              </a:rPr>
+              <a:t>Type</a:t>
+            </a:r>
+          </a:p>
+          <a:p>
+            <a:r>
+              <a:rPr lang="en-US" dirty="0" smtClean="0"/>
+              <a:t>Input:</a:t>
+            </a:r>
+          </a:p>
+          <a:p>
+            <a:pPr lvl="1"/>
+            <a:r>
+              <a:rPr lang="en-US" dirty="0" smtClean="0"/>
+              <a:t>Program </a:t>
+            </a:r>
+          </a:p>
+          <a:p>
+            <a:pPr lvl="2"/>
+            <a:r>
+              <a:rPr lang="en-US" dirty="0" smtClean="0"/>
+              <a:t>I.E – OCAML program</a:t>
+            </a:r>
+          </a:p>
+          <a:p>
+            <a:pPr lvl="1"/>
+            <a:r>
+              <a:rPr lang="en-US" dirty="0" smtClean="0"/>
+              <a:t>Set of Logical Qualifiers</a:t>
+            </a:r>
+          </a:p>
+          <a:p>
+            <a:pPr lvl="2"/>
+            <a:r>
+              <a:rPr lang="en-US" dirty="0" smtClean="0"/>
+              <a:t>I.E – </a:t>
+            </a:r>
+          </a:p>
+          <a:p>
+            <a:r>
+              <a:rPr lang="en-US" dirty="0" smtClean="0"/>
+              <a:t>Output:</a:t>
+            </a:r>
+          </a:p>
+          <a:p>
+            <a:pPr lvl="1"/>
+            <a:r>
+              <a:rPr lang="en-US" dirty="0" smtClean="0"/>
+              <a:t>Strongest dependent types for the expressions in program</a:t>
             </a:r>
             <a:endParaRPr lang="en-US" dirty="0"/>
           </a:p>
@@ -7719,14 +14819,14 @@
       </p:sp>
       <p:pic>
         <p:nvPicPr>
-          <p:cNvPr id="5" name="Picture 4" descr="Screen Shot 2017-03-17 at 5.24.34 PM.png"/>
+          <p:cNvPr id="3" name="Picture 2" descr="latex-image-1.pdf"/>
           <p:cNvPicPr>
             <a:picLocks noChangeAspect="1"/>
           </p:cNvPicPr>
           <p:nvPr/>
         </p:nvPicPr>
         <p:blipFill>
-          <a:blip r:embed="rId2">
+          <a:blip r:embed="rId3">
             <a:extLst>
               <a:ext uri="{28A0092B-C50C-407E-A947-70E740481C1C}">
                 <a14:useLocalDpi xmlns:a14="http://schemas.microsoft.com/office/drawing/2010/main" val="0"/>
@@ -7739,66 +14839,18 @@
         </p:blipFill>
         <p:spPr>
           <a:xfrm>
-            <a:off x="2603500" y="2248569"/>
-            <a:ext cx="3924300" cy="355600"/>
+            <a:off x="2486141" y="3755774"/>
+            <a:ext cx="4159744" cy="272632"/>
           </a:xfrm>
           <a:prstGeom prst="rect">
             <a:avLst/>
           </a:prstGeom>
         </p:spPr>
       </p:pic>
-      <p:sp>
-        <p:nvSpPr>
-          <p:cNvPr id="8" name="Content Placeholder 9"/>
-          <p:cNvSpPr>
-            <a:spLocks noGrp="1"/>
-          </p:cNvSpPr>
-          <p:nvPr>
-            <p:ph sz="quarter" idx="1"/>
-          </p:nvPr>
-        </p:nvSpPr>
-        <p:spPr>
-          <a:xfrm>
-            <a:off x="301752" y="1527048"/>
-            <a:ext cx="8503920" cy="4572000"/>
-          </a:xfrm>
-        </p:spPr>
-        <p:txBody>
-          <a:bodyPr/>
-          <a:lstStyle/>
-          <a:p>
-            <a:r>
-              <a:rPr lang="en-US" dirty="0" smtClean="0"/>
-              <a:t>Let Q = </a:t>
-            </a:r>
-          </a:p>
-          <a:p>
-            <a:endParaRPr lang="en-US" dirty="0"/>
-          </a:p>
-          <a:p>
-            <a:endParaRPr lang="en-US" dirty="0" smtClean="0"/>
-          </a:p>
-          <a:p>
-            <a:r>
-              <a:rPr lang="en-US" dirty="0" smtClean="0"/>
-              <a:t>Where v is a “value variable” that is being refined</a:t>
-            </a:r>
-          </a:p>
-          <a:p>
-            <a:r>
-              <a:rPr lang="en-US" dirty="0" smtClean="0"/>
-              <a:t>Where * is a “placeholder variable” for any variable in environment</a:t>
-            </a:r>
-          </a:p>
-          <a:p>
-            <a:endParaRPr lang="en-US" dirty="0"/>
-          </a:p>
-        </p:txBody>
-      </p:sp>
     </p:spTree>
     <p:extLst>
       <p:ext uri="{BB962C8B-B14F-4D97-AF65-F5344CB8AC3E}">
-        <p14:creationId xmlns:p14="http://schemas.microsoft.com/office/powerpoint/2010/main" val="1913100524"/>
+        <p14:creationId xmlns:p14="http://schemas.microsoft.com/office/powerpoint/2010/main" val="769355289"/>
       </p:ext>
     </p:extLst>
   </p:cSld>
@@ -7834,7 +14886,44 @@
       </p:grpSpPr>
       <p:sp>
         <p:nvSpPr>
-          <p:cNvPr id="2" name="Title 1"/>
+          <p:cNvPr id="2" name="Text Placeholder 1"/>
+          <p:cNvSpPr>
+            <a:spLocks noGrp="1"/>
+          </p:cNvSpPr>
+          <p:nvPr>
+            <p:ph type="body" idx="1"/>
+          </p:nvPr>
+        </p:nvSpPr>
+        <p:spPr/>
+        <p:txBody>
+          <a:bodyPr/>
+          <a:lstStyle/>
+          <a:p>
+            <a:r>
+              <a:rPr lang="en-US" dirty="0" smtClean="0"/>
+              <a:t>Type Inference</a:t>
+            </a:r>
+          </a:p>
+          <a:p>
+            <a:r>
+              <a:rPr lang="en-US" dirty="0" smtClean="0"/>
+              <a:t>Liquid Constraint Generation</a:t>
+            </a:r>
+          </a:p>
+          <a:p>
+            <a:r>
+              <a:rPr lang="en-US" dirty="0" smtClean="0"/>
+              <a:t>Liquid Constraint Solving</a:t>
+            </a:r>
+          </a:p>
+          <a:p>
+            <a:endParaRPr lang="en-US" dirty="0"/>
+          </a:p>
+        </p:txBody>
+      </p:sp>
+      <p:sp>
+        <p:nvSpPr>
+          <p:cNvPr id="3" name="Title 2"/>
           <p:cNvSpPr>
             <a:spLocks noGrp="1"/>
           </p:cNvSpPr>
@@ -7849,7 +14938,7 @@
           <a:p>
             <a:r>
               <a:rPr lang="en-US" dirty="0" smtClean="0"/>
-              <a:t>Logical Qualifiers and Liquid Types</a:t>
+              <a:t>Overview</a:t>
             </a:r>
             <a:endParaRPr lang="en-US" dirty="0"/>
           </a:p>
@@ -7857,13 +14946,13 @@
       </p:sp>
       <p:sp>
         <p:nvSpPr>
-          <p:cNvPr id="9" name="TextBox 8"/>
+          <p:cNvPr id="4" name="TextBox 3"/>
           <p:cNvSpPr txBox="1"/>
           <p:nvPr/>
         </p:nvSpPr>
         <p:spPr>
           <a:xfrm>
-            <a:off x="4438315" y="1069513"/>
+            <a:off x="4438315" y="2204353"/>
             <a:ext cx="588209" cy="400110"/>
           </a:xfrm>
           <a:prstGeom prst="rect">
@@ -7885,91 +14974,10 @@
           </a:p>
         </p:txBody>
       </p:sp>
-      <p:pic>
-        <p:nvPicPr>
-          <p:cNvPr id="5" name="Picture 4" descr="Screen Shot 2017-03-17 at 5.24.34 PM.png"/>
-          <p:cNvPicPr>
-            <a:picLocks noChangeAspect="1"/>
-          </p:cNvPicPr>
-          <p:nvPr/>
-        </p:nvPicPr>
-        <p:blipFill>
-          <a:blip r:embed="rId2">
-            <a:extLst>
-              <a:ext uri="{28A0092B-C50C-407E-A947-70E740481C1C}">
-                <a14:useLocalDpi xmlns:a14="http://schemas.microsoft.com/office/drawing/2010/main" val="0"/>
-              </a:ext>
-            </a:extLst>
-          </a:blip>
-          <a:stretch>
-            <a:fillRect/>
-          </a:stretch>
-        </p:blipFill>
-        <p:spPr>
-          <a:xfrm>
-            <a:off x="2603500" y="3644606"/>
-            <a:ext cx="3924300" cy="355600"/>
-          </a:xfrm>
-          <a:prstGeom prst="rect">
-            <a:avLst/>
-          </a:prstGeom>
-        </p:spPr>
-      </p:pic>
-      <p:sp>
-        <p:nvSpPr>
-          <p:cNvPr id="8" name="Content Placeholder 9"/>
-          <p:cNvSpPr>
-            <a:spLocks noGrp="1"/>
-          </p:cNvSpPr>
-          <p:nvPr>
-            <p:ph sz="quarter" idx="1"/>
-          </p:nvPr>
-        </p:nvSpPr>
-        <p:spPr>
-          <a:xfrm>
-            <a:off x="332232" y="1499408"/>
-            <a:ext cx="8503920" cy="4572000"/>
-          </a:xfrm>
-        </p:spPr>
-        <p:txBody>
-          <a:bodyPr/>
-          <a:lstStyle/>
-          <a:p>
-            <a:r>
-              <a:rPr lang="en-US" dirty="0" smtClean="0"/>
-              <a:t>Making Q finite will ensure the search-space is finite</a:t>
-            </a:r>
-          </a:p>
-          <a:p>
-            <a:r>
-              <a:rPr lang="en-US" dirty="0" smtClean="0"/>
-              <a:t>Therefore, Q must be given for each set of properties you want to infer liquid types for</a:t>
-            </a:r>
-          </a:p>
-          <a:p>
-            <a:r>
-              <a:rPr lang="en-US" dirty="0" smtClean="0"/>
-              <a:t>In this example, this Q could be used to infer array-bounds</a:t>
-            </a:r>
-          </a:p>
-          <a:p>
-            <a:endParaRPr lang="en-US" dirty="0"/>
-          </a:p>
-          <a:p>
-            <a:r>
-              <a:rPr lang="en-US" dirty="0" smtClean="0"/>
-              <a:t>Necessary, because otherwise you wouldn’t know what qualifiers you need to prove the property you’re trying to show holds</a:t>
-            </a:r>
-          </a:p>
-          <a:p>
-            <a:endParaRPr lang="en-US" dirty="0"/>
-          </a:p>
-        </p:txBody>
-      </p:sp>
     </p:spTree>
     <p:extLst>
       <p:ext uri="{BB962C8B-B14F-4D97-AF65-F5344CB8AC3E}">
-        <p14:creationId xmlns:p14="http://schemas.microsoft.com/office/powerpoint/2010/main" val="2910662407"/>
+        <p14:creationId xmlns:p14="http://schemas.microsoft.com/office/powerpoint/2010/main" val="1315970397"/>
       </p:ext>
     </p:extLst>
   </p:cSld>
@@ -8020,8 +15028,50 @@
           <a:p>
             <a:r>
               <a:rPr lang="en-US" dirty="0" smtClean="0"/>
-              <a:t>Logical Qualifiers and Liquid Types</a:t>
-            </a:r>
+              <a:t>Type Inference</a:t>
+            </a:r>
+            <a:endParaRPr lang="en-US" dirty="0"/>
+          </a:p>
+        </p:txBody>
+      </p:sp>
+      <p:sp>
+        <p:nvSpPr>
+          <p:cNvPr id="10" name="Content Placeholder 9"/>
+          <p:cNvSpPr>
+            <a:spLocks noGrp="1"/>
+          </p:cNvSpPr>
+          <p:nvPr>
+            <p:ph sz="quarter" idx="1"/>
+          </p:nvPr>
+        </p:nvSpPr>
+        <p:spPr/>
+        <p:txBody>
+          <a:bodyPr/>
+          <a:lstStyle/>
+          <a:p>
+            <a:r>
+              <a:rPr lang="en-US" dirty="0" smtClean="0"/>
+              <a:t>Start from an OCAML program</a:t>
+            </a:r>
+          </a:p>
+          <a:p>
+            <a:r>
+              <a:rPr lang="en-US" dirty="0" smtClean="0"/>
+              <a:t>Infer types – Hindley-Milner algorithm</a:t>
+            </a:r>
+          </a:p>
+          <a:p>
+            <a:r>
+              <a:rPr lang="en-US" dirty="0" smtClean="0"/>
+              <a:t>Turn these types into dependent type templates</a:t>
+            </a:r>
+            <a:endParaRPr lang="en-US" dirty="0"/>
+          </a:p>
+          <a:p>
+            <a:pPr lvl="1"/>
+            <a:endParaRPr lang="en-US" dirty="0"/>
+          </a:p>
+          <a:p>
             <a:endParaRPr lang="en-US" dirty="0"/>
           </a:p>
         </p:txBody>
@@ -8056,58 +15106,133 @@
           </a:p>
         </p:txBody>
       </p:sp>
-      <p:sp>
-        <p:nvSpPr>
-          <p:cNvPr id="8" name="Content Placeholder 9"/>
-          <p:cNvSpPr>
-            <a:spLocks noGrp="1"/>
-          </p:cNvSpPr>
-          <p:nvPr>
-            <p:ph sz="quarter" idx="1"/>
-          </p:nvPr>
-        </p:nvSpPr>
-        <p:spPr>
-          <a:xfrm>
-            <a:off x="301752" y="1469623"/>
-            <a:ext cx="8503920" cy="4572000"/>
-          </a:xfrm>
-        </p:spPr>
-        <p:txBody>
-          <a:bodyPr/>
-          <a:lstStyle/>
-          <a:p>
-            <a:r>
-              <a:rPr lang="en-US" dirty="0" smtClean="0"/>
-              <a:t>Matching</a:t>
-            </a:r>
-          </a:p>
-          <a:p>
-            <a:pPr lvl="1"/>
-            <a:r>
-              <a:rPr lang="en-US" dirty="0" smtClean="0"/>
-              <a:t>Q*</a:t>
-            </a:r>
-          </a:p>
-          <a:p>
-            <a:r>
-              <a:rPr lang="en-US" dirty="0" smtClean="0"/>
-              <a:t>Liquid type over Q: </a:t>
-            </a:r>
-          </a:p>
-          <a:p>
-            <a:pPr lvl="1"/>
-            <a:r>
-              <a:rPr lang="en-US" dirty="0" smtClean="0"/>
-              <a:t>dependent type where refinement predicates are conjunctions of qualifiers from Q*</a:t>
-            </a:r>
-            <a:endParaRPr lang="en-US" dirty="0"/>
-          </a:p>
-        </p:txBody>
-      </p:sp>
     </p:spTree>
     <p:extLst>
       <p:ext uri="{BB962C8B-B14F-4D97-AF65-F5344CB8AC3E}">
-        <p14:creationId xmlns:p14="http://schemas.microsoft.com/office/powerpoint/2010/main" val="1043780440"/>
+        <p14:creationId xmlns:p14="http://schemas.microsoft.com/office/powerpoint/2010/main" val="323797795"/>
+      </p:ext>
+    </p:extLst>
+  </p:cSld>
+  <p:clrMapOvr>
+    <a:masterClrMapping/>
+  </p:clrMapOvr>
+  <p:timing>
+    <p:tnLst>
+      <p:par>
+        <p:cTn xmlns:p14="http://schemas.microsoft.com/office/powerpoint/2010/main" id="1" dur="indefinite" restart="never" nodeType="tmRoot"/>
+      </p:par>
+    </p:tnLst>
+  </p:timing>
+</p:sld>
+</file>
+
+<file path=ppt/slides/slide9.xml><?xml version="1.0" encoding="utf-8"?>
+<p:sld xmlns:a="http://schemas.openxmlformats.org/drawingml/2006/main" xmlns:r="http://schemas.openxmlformats.org/officeDocument/2006/relationships" xmlns:p="http://schemas.openxmlformats.org/presentationml/2006/main">
+  <p:cSld>
+    <p:spTree>
+      <p:nvGrpSpPr>
+        <p:cNvPr id="1" name=""/>
+        <p:cNvGrpSpPr/>
+        <p:nvPr/>
+      </p:nvGrpSpPr>
+      <p:grpSpPr>
+        <a:xfrm>
+          <a:off x="0" y="0"/>
+          <a:ext cx="0" cy="0"/>
+          <a:chOff x="0" y="0"/>
+          <a:chExt cx="0" cy="0"/>
+        </a:xfrm>
+      </p:grpSpPr>
+      <p:sp>
+        <p:nvSpPr>
+          <p:cNvPr id="2" name="Title 1"/>
+          <p:cNvSpPr>
+            <a:spLocks noGrp="1"/>
+          </p:cNvSpPr>
+          <p:nvPr>
+            <p:ph type="title"/>
+          </p:nvPr>
+        </p:nvSpPr>
+        <p:spPr/>
+        <p:txBody>
+          <a:bodyPr/>
+          <a:lstStyle/>
+          <a:p>
+            <a:r>
+              <a:rPr lang="en-US" dirty="0" smtClean="0"/>
+              <a:t>Constraint Generation</a:t>
+            </a:r>
+            <a:endParaRPr lang="en-US" dirty="0"/>
+          </a:p>
+        </p:txBody>
+      </p:sp>
+      <p:sp>
+        <p:nvSpPr>
+          <p:cNvPr id="10" name="Content Placeholder 9"/>
+          <p:cNvSpPr>
+            <a:spLocks noGrp="1"/>
+          </p:cNvSpPr>
+          <p:nvPr>
+            <p:ph sz="quarter" idx="1"/>
+          </p:nvPr>
+        </p:nvSpPr>
+        <p:spPr/>
+        <p:txBody>
+          <a:bodyPr/>
+          <a:lstStyle/>
+          <a:p>
+            <a:r>
+              <a:rPr lang="en-US" dirty="0" smtClean="0"/>
+              <a:t>Use the qualifiers Q to fill in the dependent type templates</a:t>
+            </a:r>
+          </a:p>
+          <a:p>
+            <a:pPr lvl="1"/>
+            <a:r>
+              <a:rPr lang="en-US" dirty="0" smtClean="0"/>
+              <a:t>These constraints contain “subtyping” relationships and are thus “complex”</a:t>
+            </a:r>
+            <a:endParaRPr lang="en-US" dirty="0"/>
+          </a:p>
+          <a:p>
+            <a:endParaRPr lang="en-US" dirty="0"/>
+          </a:p>
+        </p:txBody>
+      </p:sp>
+      <p:sp>
+        <p:nvSpPr>
+          <p:cNvPr id="9" name="TextBox 8"/>
+          <p:cNvSpPr txBox="1"/>
+          <p:nvPr/>
+        </p:nvSpPr>
+        <p:spPr>
+          <a:xfrm>
+            <a:off x="4438315" y="1069513"/>
+            <a:ext cx="588209" cy="400110"/>
+          </a:xfrm>
+          <a:prstGeom prst="rect">
+            <a:avLst/>
+          </a:prstGeom>
+          <a:noFill/>
+        </p:spPr>
+        <p:txBody>
+          <a:bodyPr wrap="square" rtlCol="0">
+            <a:spAutoFit/>
+          </a:bodyPr>
+          <a:lstStyle/>
+          <a:p>
+            <a:r>
+              <a:rPr lang="el-GR" sz="2000" dirty="0" smtClean="0"/>
+              <a:t>λ</a:t>
+            </a:r>
+            <a:endParaRPr lang="en-US" sz="2000" dirty="0"/>
+          </a:p>
+        </p:txBody>
+      </p:sp>
+    </p:spTree>
+    <p:extLst>
+      <p:ext uri="{BB962C8B-B14F-4D97-AF65-F5344CB8AC3E}">
+        <p14:creationId xmlns:p14="http://schemas.microsoft.com/office/powerpoint/2010/main" val="3476168688"/>
       </p:ext>
     </p:extLst>
   </p:cSld>
